--- a/Домашнее задание Мансуров.pptx
+++ b/Домашнее задание Мансуров.pptx
@@ -114,7 +114,7 @@
   </p:defaultTextStyle>
   <p:extLst>
     <p:ext uri="{EFAFB233-063F-42B5-8137-9DF3F51BA10A}">
-      <p15:sldGuideLst xmlns:p15="http://schemas.microsoft.com/office/powerpoint/2012/main" xmlns="">
+      <p15:sldGuideLst xmlns:p15="http://schemas.microsoft.com/office/powerpoint/2012/main">
         <p15:guide id="1" orient="horz" pos="1620">
           <p15:clr>
             <a:srgbClr val="A4A3A4"/>
@@ -393,7 +393,7 @@
     </p:spTree>
     <p:extLst>
       <p:ext uri="{BB962C8B-B14F-4D97-AF65-F5344CB8AC3E}">
-        <p14:creationId xmlns:p14="http://schemas.microsoft.com/office/powerpoint/2010/main" xmlns="" val="2414036596"/>
+        <p14:creationId xmlns:p14="http://schemas.microsoft.com/office/powerpoint/2010/main" val="2414036596"/>
       </p:ext>
     </p:extLst>
   </p:cSld>
@@ -573,7 +573,7 @@
     </p:spTree>
     <p:extLst>
       <p:ext uri="{BB962C8B-B14F-4D97-AF65-F5344CB8AC3E}">
-        <p14:creationId xmlns:p14="http://schemas.microsoft.com/office/powerpoint/2010/main" xmlns="" val="3905745304"/>
+        <p14:creationId xmlns:p14="http://schemas.microsoft.com/office/powerpoint/2010/main" val="3905745304"/>
       </p:ext>
     </p:extLst>
   </p:cSld>
@@ -767,7 +767,7 @@
     </p:spTree>
     <p:extLst>
       <p:ext uri="{BB962C8B-B14F-4D97-AF65-F5344CB8AC3E}">
-        <p14:creationId xmlns:p14="http://schemas.microsoft.com/office/powerpoint/2010/main" xmlns="" val="2229912216"/>
+        <p14:creationId xmlns:p14="http://schemas.microsoft.com/office/powerpoint/2010/main" val="2229912216"/>
       </p:ext>
     </p:extLst>
   </p:cSld>
@@ -939,7 +939,7 @@
     </p:spTree>
     <p:extLst>
       <p:ext uri="{BB962C8B-B14F-4D97-AF65-F5344CB8AC3E}">
-        <p14:creationId xmlns:p14="http://schemas.microsoft.com/office/powerpoint/2010/main" xmlns="" val="1740003168"/>
+        <p14:creationId xmlns:p14="http://schemas.microsoft.com/office/powerpoint/2010/main" val="1740003168"/>
       </p:ext>
     </p:extLst>
   </p:cSld>
@@ -1121,7 +1121,7 @@
     </p:spTree>
     <p:extLst>
       <p:ext uri="{BB962C8B-B14F-4D97-AF65-F5344CB8AC3E}">
-        <p14:creationId xmlns:p14="http://schemas.microsoft.com/office/powerpoint/2010/main" xmlns="" val="482804446"/>
+        <p14:creationId xmlns:p14="http://schemas.microsoft.com/office/powerpoint/2010/main" val="482804446"/>
       </p:ext>
     </p:extLst>
   </p:cSld>
@@ -1297,7 +1297,7 @@
     </p:spTree>
     <p:extLst>
       <p:ext uri="{BB962C8B-B14F-4D97-AF65-F5344CB8AC3E}">
-        <p14:creationId xmlns:p14="http://schemas.microsoft.com/office/powerpoint/2010/main" xmlns="" val="1204953384"/>
+        <p14:creationId xmlns:p14="http://schemas.microsoft.com/office/powerpoint/2010/main" val="1204953384"/>
       </p:ext>
     </p:extLst>
   </p:cSld>
@@ -1545,7 +1545,7 @@
     </p:spTree>
     <p:extLst>
       <p:ext uri="{BB962C8B-B14F-4D97-AF65-F5344CB8AC3E}">
-        <p14:creationId xmlns:p14="http://schemas.microsoft.com/office/powerpoint/2010/main" xmlns="" val="3387892598"/>
+        <p14:creationId xmlns:p14="http://schemas.microsoft.com/office/powerpoint/2010/main" val="3387892598"/>
       </p:ext>
     </p:extLst>
   </p:cSld>
@@ -1779,7 +1779,7 @@
     </p:spTree>
     <p:extLst>
       <p:ext uri="{BB962C8B-B14F-4D97-AF65-F5344CB8AC3E}">
-        <p14:creationId xmlns:p14="http://schemas.microsoft.com/office/powerpoint/2010/main" xmlns="" val="1809840252"/>
+        <p14:creationId xmlns:p14="http://schemas.microsoft.com/office/powerpoint/2010/main" val="1809840252"/>
       </p:ext>
     </p:extLst>
   </p:cSld>
@@ -2148,7 +2148,7 @@
     </p:spTree>
     <p:extLst>
       <p:ext uri="{BB962C8B-B14F-4D97-AF65-F5344CB8AC3E}">
-        <p14:creationId xmlns:p14="http://schemas.microsoft.com/office/powerpoint/2010/main" xmlns="" val="1363218299"/>
+        <p14:creationId xmlns:p14="http://schemas.microsoft.com/office/powerpoint/2010/main" val="1363218299"/>
       </p:ext>
     </p:extLst>
   </p:cSld>
@@ -2268,7 +2268,7 @@
     </p:spTree>
     <p:extLst>
       <p:ext uri="{BB962C8B-B14F-4D97-AF65-F5344CB8AC3E}">
-        <p14:creationId xmlns:p14="http://schemas.microsoft.com/office/powerpoint/2010/main" xmlns="" val="3719402750"/>
+        <p14:creationId xmlns:p14="http://schemas.microsoft.com/office/powerpoint/2010/main" val="3719402750"/>
       </p:ext>
     </p:extLst>
   </p:cSld>
@@ -2365,7 +2365,7 @@
     </p:spTree>
     <p:extLst>
       <p:ext uri="{BB962C8B-B14F-4D97-AF65-F5344CB8AC3E}">
-        <p14:creationId xmlns:p14="http://schemas.microsoft.com/office/powerpoint/2010/main" xmlns="" val="3835689193"/>
+        <p14:creationId xmlns:p14="http://schemas.microsoft.com/office/powerpoint/2010/main" val="3835689193"/>
       </p:ext>
     </p:extLst>
   </p:cSld>
@@ -2644,7 +2644,7 @@
     </p:spTree>
     <p:extLst>
       <p:ext uri="{BB962C8B-B14F-4D97-AF65-F5344CB8AC3E}">
-        <p14:creationId xmlns:p14="http://schemas.microsoft.com/office/powerpoint/2010/main" xmlns="" val="394612844"/>
+        <p14:creationId xmlns:p14="http://schemas.microsoft.com/office/powerpoint/2010/main" val="394612844"/>
       </p:ext>
     </p:extLst>
   </p:cSld>
@@ -2899,7 +2899,7 @@
     </p:spTree>
     <p:extLst>
       <p:ext uri="{BB962C8B-B14F-4D97-AF65-F5344CB8AC3E}">
-        <p14:creationId xmlns:p14="http://schemas.microsoft.com/office/powerpoint/2010/main" xmlns="" val="75749828"/>
+        <p14:creationId xmlns:p14="http://schemas.microsoft.com/office/powerpoint/2010/main" val="75749828"/>
       </p:ext>
     </p:extLst>
   </p:cSld>
@@ -3150,7 +3150,7 @@
     </p:spTree>
     <p:extLst>
       <p:ext uri="{BB962C8B-B14F-4D97-AF65-F5344CB8AC3E}">
-        <p14:creationId xmlns:p14="http://schemas.microsoft.com/office/powerpoint/2010/main" xmlns="" val="3697704891"/>
+        <p14:creationId xmlns:p14="http://schemas.microsoft.com/office/powerpoint/2010/main" val="3697704891"/>
       </p:ext>
     </p:extLst>
   </p:cSld>
@@ -3585,7 +3585,7 @@
           <p:cNvPr id="6" name="Заголовок 16">
             <a:extLst>
               <a:ext uri="{FF2B5EF4-FFF2-40B4-BE49-F238E27FC236}">
-                <a16:creationId xmlns="" xmlns:a16="http://schemas.microsoft.com/office/drawing/2014/main" id="{85FFDCB6-DCBF-4F9C-90C4-2AB70E81D8A0}"/>
+                <a16:creationId xmlns:a16="http://schemas.microsoft.com/office/drawing/2014/main" xmlns="" id="{85FFDCB6-DCBF-4F9C-90C4-2AB70E81D8A0}"/>
               </a:ext>
             </a:extLst>
           </p:cNvPr>
@@ -3651,7 +3651,7 @@
           <p:cNvPr id="9" name="TextBox 8">
             <a:extLst>
               <a:ext uri="{FF2B5EF4-FFF2-40B4-BE49-F238E27FC236}">
-                <a16:creationId xmlns="" xmlns:a16="http://schemas.microsoft.com/office/drawing/2014/main" id="{769CF103-AC91-48FF-AA34-D8B9DB5E2763}"/>
+                <a16:creationId xmlns:a16="http://schemas.microsoft.com/office/drawing/2014/main" xmlns="" id="{769CF103-AC91-48FF-AA34-D8B9DB5E2763}"/>
               </a:ext>
             </a:extLst>
           </p:cNvPr>
@@ -3779,7 +3779,7 @@
           <p:cNvPr id="12" name="TextBox 11">
             <a:extLst>
               <a:ext uri="{FF2B5EF4-FFF2-40B4-BE49-F238E27FC236}">
-                <a16:creationId xmlns="" xmlns:a16="http://schemas.microsoft.com/office/drawing/2014/main" id="{769CF103-AC91-48FF-AA34-D8B9DB5E2763}"/>
+                <a16:creationId xmlns:a16="http://schemas.microsoft.com/office/drawing/2014/main" xmlns="" id="{769CF103-AC91-48FF-AA34-D8B9DB5E2763}"/>
               </a:ext>
             </a:extLst>
           </p:cNvPr>
@@ -3890,7 +3890,7 @@
           <p:cNvPr id="7" name="Заголовок 16">
             <a:extLst>
               <a:ext uri="{FF2B5EF4-FFF2-40B4-BE49-F238E27FC236}">
-                <a16:creationId xmlns="" xmlns:a16="http://schemas.microsoft.com/office/drawing/2014/main" id="{00B113A3-4A38-44F4-8FDE-3CF2561C426F}"/>
+                <a16:creationId xmlns:a16="http://schemas.microsoft.com/office/drawing/2014/main" xmlns="" id="{00B113A3-4A38-44F4-8FDE-3CF2561C426F}"/>
               </a:ext>
             </a:extLst>
           </p:cNvPr>
@@ -4018,7 +4018,7 @@
     </p:spTree>
     <p:extLst>
       <p:ext uri="{BB962C8B-B14F-4D97-AF65-F5344CB8AC3E}">
-        <p14:creationId xmlns:p14="http://schemas.microsoft.com/office/powerpoint/2010/main" xmlns="" val="666400342"/>
+        <p14:creationId xmlns:p14="http://schemas.microsoft.com/office/powerpoint/2010/main" val="666400342"/>
       </p:ext>
     </p:extLst>
   </p:cSld>
@@ -4157,7 +4157,7 @@
           </a:ln>
           <a:extLst>
             <a:ext uri="{909E8E84-426E-40DD-AFC4-6F175D3DCCD1}">
-              <a14:hiddenFill xmlns:a14="http://schemas.microsoft.com/office/drawing/2010/main" xmlns="">
+              <a14:hiddenFill xmlns:a14="http://schemas.microsoft.com/office/drawing/2010/main">
                 <a:noFill/>
               </a14:hiddenFill>
             </a:ext>
@@ -4491,7 +4491,7 @@
           </a:ln>
           <a:extLst>
             <a:ext uri="{909E8E84-426E-40DD-AFC4-6F175D3DCCD1}">
-              <a14:hiddenFill xmlns:a14="http://schemas.microsoft.com/office/drawing/2010/main" xmlns="">
+              <a14:hiddenFill xmlns:a14="http://schemas.microsoft.com/office/drawing/2010/main">
                 <a:noFill/>
               </a14:hiddenFill>
             </a:ext>
@@ -4535,14 +4535,14 @@
           </a:ln>
           <a:extLst>
             <a:ext uri="{909E8E84-426E-40DD-AFC4-6F175D3DCCD1}">
-              <a14:hiddenFill xmlns:a14="http://schemas.microsoft.com/office/drawing/2010/main" xmlns="">
+              <a14:hiddenFill xmlns:a14="http://schemas.microsoft.com/office/drawing/2010/main">
                 <a:solidFill>
                   <a:srgbClr val="FFFFFF"/>
                 </a:solidFill>
               </a14:hiddenFill>
             </a:ext>
             <a:ext uri="{91240B29-F687-4F45-9708-019B960494DF}">
-              <a14:hiddenLine xmlns:a14="http://schemas.microsoft.com/office/drawing/2010/main" xmlns="" w="9525">
+              <a14:hiddenLine xmlns:a14="http://schemas.microsoft.com/office/drawing/2010/main" w="9525">
                 <a:solidFill>
                   <a:srgbClr val="000000"/>
                 </a:solidFill>
@@ -4669,17 +4669,7 @@
                 <a:latin typeface="Times New Roman" panose="02020603050405020304" pitchFamily="18" charset="0"/>
                 <a:cs typeface="Times New Roman" panose="02020603050405020304" pitchFamily="18" charset="0"/>
               </a:rPr>
-              <a:t>Мансуров Р. Р. </a:t>
-            </a:r>
-            <a:r>
-              <a:rPr lang="ru-RU" sz="1100" dirty="0" smtClean="0">
-                <a:solidFill>
-                  <a:schemeClr val="tx1"/>
-                </a:solidFill>
-                <a:latin typeface="Times New Roman" panose="02020603050405020304" pitchFamily="18" charset="0"/>
-                <a:cs typeface="Times New Roman" panose="02020603050405020304" pitchFamily="18" charset="0"/>
-              </a:rPr>
-              <a:t>«Модели и моделирование»</a:t>
+              <a:t>Мансуров Р. Р. «Модели и моделирование»</a:t>
             </a:r>
             <a:endParaRPr lang="ru-RU" sz="1100" dirty="0">
               <a:solidFill>
@@ -5085,7 +5075,7 @@
           <p:nvPr>
             <p:extLst>
               <p:ext uri="{D42A27DB-BD31-4B8C-83A1-F6EECF244321}">
-                <p14:modId xmlns:p14="http://schemas.microsoft.com/office/powerpoint/2010/main" xmlns="" val="1684968946"/>
+                <p14:modId xmlns:p14="http://schemas.microsoft.com/office/powerpoint/2010/main" val="1684968946"/>
               </p:ext>
             </p:extLst>
           </p:nvPr>
@@ -5096,9 +5086,59 @@
         </p:xfrm>
         <a:graphic>
           <a:graphicData uri="http://schemas.openxmlformats.org/presentationml/2006/ole">
-            <p:oleObj spid="_x0000_s57352" name="Picture" r:id="rId3" imgW="6301080" imgH="1961640" progId="Word.Picture.8">
-              <p:embed/>
-            </p:oleObj>
+            <mc:AlternateContent xmlns:mc="http://schemas.openxmlformats.org/markup-compatibility/2006">
+              <mc:Choice xmlns:v="urn:schemas-microsoft-com:vml" Requires="v">
+                <p:oleObj spid="_x0000_s57354" name="Picture" r:id="rId3" imgW="6301080" imgH="1961640" progId="Word.Picture.8">
+                  <p:embed/>
+                </p:oleObj>
+              </mc:Choice>
+              <mc:Fallback>
+                <p:oleObj name="Picture" r:id="rId3" imgW="6301080" imgH="1961640" progId="Word.Picture.8">
+                  <p:embed/>
+                  <p:pic>
+                    <p:nvPicPr>
+                      <p:cNvPr id="0" name="Picture 1032"/>
+                      <p:cNvPicPr>
+                        <a:picLocks noChangeAspect="1" noChangeArrowheads="1"/>
+                      </p:cNvPicPr>
+                      <p:nvPr/>
+                    </p:nvPicPr>
+                    <p:blipFill>
+                      <a:blip r:embed="rId4">
+                        <a:extLst>
+                          <a:ext uri="{28A0092B-C50C-407E-A947-70E740481C1C}">
+                            <a14:useLocalDpi xmlns:a14="http://schemas.microsoft.com/office/drawing/2010/main" val="0"/>
+                          </a:ext>
+                        </a:extLst>
+                      </a:blip>
+                      <a:srcRect t="3883"/>
+                      <a:stretch>
+                        <a:fillRect/>
+                      </a:stretch>
+                    </p:blipFill>
+                    <p:spPr bwMode="auto">
+                      <a:xfrm>
+                        <a:off x="3292674" y="2059678"/>
+                        <a:ext cx="6840656" cy="2052887"/>
+                      </a:xfrm>
+                      <a:prstGeom prst="rect">
+                        <a:avLst/>
+                      </a:prstGeom>
+                      <a:noFill/>
+                      <a:extLst>
+                        <a:ext uri="{909E8E84-426E-40DD-AFC4-6F175D3DCCD1}">
+                          <a14:hiddenFill xmlns:a14="http://schemas.microsoft.com/office/drawing/2010/main">
+                            <a:solidFill>
+                              <a:srgbClr val="FFFFFF"/>
+                            </a:solidFill>
+                          </a14:hiddenFill>
+                        </a:ext>
+                      </a:extLst>
+                    </p:spPr>
+                  </p:pic>
+                </p:oleObj>
+              </mc:Fallback>
+            </mc:AlternateContent>
           </a:graphicData>
         </a:graphic>
       </p:graphicFrame>
@@ -5153,7 +5193,7 @@
     </p:spTree>
     <p:extLst>
       <p:ext uri="{BB962C8B-B14F-4D97-AF65-F5344CB8AC3E}">
-        <p14:creationId xmlns:p14="http://schemas.microsoft.com/office/powerpoint/2010/main" xmlns="" val="1043776479"/>
+        <p14:creationId xmlns:p14="http://schemas.microsoft.com/office/powerpoint/2010/main" val="1043776479"/>
       </p:ext>
     </p:extLst>
   </p:cSld>
@@ -5292,7 +5332,7 @@
           </a:ln>
           <a:extLst>
             <a:ext uri="{909E8E84-426E-40DD-AFC4-6F175D3DCCD1}">
-              <a14:hiddenFill xmlns:a14="http://schemas.microsoft.com/office/drawing/2010/main" xmlns="">
+              <a14:hiddenFill xmlns:a14="http://schemas.microsoft.com/office/drawing/2010/main">
                 <a:noFill/>
               </a14:hiddenFill>
             </a:ext>
@@ -5626,7 +5666,7 @@
           </a:ln>
           <a:extLst>
             <a:ext uri="{909E8E84-426E-40DD-AFC4-6F175D3DCCD1}">
-              <a14:hiddenFill xmlns:a14="http://schemas.microsoft.com/office/drawing/2010/main" xmlns="">
+              <a14:hiddenFill xmlns:a14="http://schemas.microsoft.com/office/drawing/2010/main">
                 <a:noFill/>
               </a14:hiddenFill>
             </a:ext>
@@ -5670,14 +5710,14 @@
           </a:ln>
           <a:extLst>
             <a:ext uri="{909E8E84-426E-40DD-AFC4-6F175D3DCCD1}">
-              <a14:hiddenFill xmlns:a14="http://schemas.microsoft.com/office/drawing/2010/main" xmlns="">
+              <a14:hiddenFill xmlns:a14="http://schemas.microsoft.com/office/drawing/2010/main">
                 <a:solidFill>
                   <a:srgbClr val="FFFFFF"/>
                 </a:solidFill>
               </a14:hiddenFill>
             </a:ext>
             <a:ext uri="{91240B29-F687-4F45-9708-019B960494DF}">
-              <a14:hiddenLine xmlns:a14="http://schemas.microsoft.com/office/drawing/2010/main" xmlns="" w="9525">
+              <a14:hiddenLine xmlns:a14="http://schemas.microsoft.com/office/drawing/2010/main" w="9525">
                 <a:solidFill>
                   <a:srgbClr val="000000"/>
                 </a:solidFill>
@@ -5804,17 +5844,7 @@
                 <a:latin typeface="Times New Roman" panose="02020603050405020304" pitchFamily="18" charset="0"/>
                 <a:cs typeface="Times New Roman" panose="02020603050405020304" pitchFamily="18" charset="0"/>
               </a:rPr>
-              <a:t>Мансуров </a:t>
-            </a:r>
-            <a:r>
-              <a:rPr lang="ru-RU" sz="1100" dirty="0" smtClean="0">
-                <a:solidFill>
-                  <a:schemeClr val="tx1"/>
-                </a:solidFill>
-                <a:latin typeface="Times New Roman" panose="02020603050405020304" pitchFamily="18" charset="0"/>
-                <a:cs typeface="Times New Roman" panose="02020603050405020304" pitchFamily="18" charset="0"/>
-              </a:rPr>
-              <a:t>Р. Р. «Модели и моделирование»</a:t>
+              <a:t>Мансуров Р. Р. «Модели и моделирование»</a:t>
             </a:r>
           </a:p>
           <a:p>
@@ -5890,14 +5920,14 @@
           <a:effectLst/>
           <a:extLst>
             <a:ext uri="{909E8E84-426E-40DD-AFC4-6F175D3DCCD1}">
-              <a14:hiddenFill xmlns:a14="http://schemas.microsoft.com/office/drawing/2010/main" xmlns="">
+              <a14:hiddenFill xmlns:a14="http://schemas.microsoft.com/office/drawing/2010/main">
                 <a:solidFill>
                   <a:schemeClr val="accent1"/>
                 </a:solidFill>
               </a14:hiddenFill>
             </a:ext>
             <a:ext uri="{91240B29-F687-4F45-9708-019B960494DF}">
-              <a14:hiddenLine xmlns:a14="http://schemas.microsoft.com/office/drawing/2010/main" xmlns="" w="9525">
+              <a14:hiddenLine xmlns:a14="http://schemas.microsoft.com/office/drawing/2010/main" w="9525">
                 <a:solidFill>
                   <a:schemeClr val="tx1"/>
                 </a:solidFill>
@@ -5907,7 +5937,7 @@
               </a14:hiddenLine>
             </a:ext>
             <a:ext uri="{AF507438-7753-43E0-B8FC-AC1667EBCBE1}">
-              <a14:hiddenEffects xmlns:a14="http://schemas.microsoft.com/office/drawing/2010/main" xmlns="">
+              <a14:hiddenEffects xmlns:a14="http://schemas.microsoft.com/office/drawing/2010/main">
                 <a:effectLst>
                   <a:outerShdw dist="35921" dir="2700000" algn="ctr" rotWithShape="0">
                     <a:schemeClr val="bg2"/>
@@ -6024,7 +6054,7 @@
           <p:nvPr>
             <p:extLst>
               <p:ext uri="{D42A27DB-BD31-4B8C-83A1-F6EECF244321}">
-                <p14:modId xmlns:p14="http://schemas.microsoft.com/office/powerpoint/2010/main" xmlns="" val="1425313375"/>
+                <p14:modId xmlns:p14="http://schemas.microsoft.com/office/powerpoint/2010/main" val="1425313375"/>
               </p:ext>
             </p:extLst>
           </p:nvPr>
@@ -6035,9 +6065,59 @@
         </p:xfrm>
         <a:graphic>
           <a:graphicData uri="http://schemas.openxmlformats.org/presentationml/2006/ole">
-            <p:oleObj spid="_x0000_s55338" name="Формула" r:id="rId3" imgW="3352680" imgH="1206360" progId="Equation.3">
-              <p:embed/>
-            </p:oleObj>
+            <mc:AlternateContent xmlns:mc="http://schemas.openxmlformats.org/markup-compatibility/2006">
+              <mc:Choice xmlns:v="urn:schemas-microsoft-com:vml" Requires="v">
+                <p:oleObj spid="_x0000_s55340" name="Формула" r:id="rId3" imgW="3352680" imgH="1206360" progId="Equation.3">
+                  <p:embed/>
+                </p:oleObj>
+              </mc:Choice>
+              <mc:Fallback>
+                <p:oleObj name="Формула" r:id="rId3" imgW="3352680" imgH="1206360" progId="Equation.3">
+                  <p:embed/>
+                  <p:pic>
+                    <p:nvPicPr>
+                      <p:cNvPr id="0" name="Picture 42"/>
+                      <p:cNvPicPr>
+                        <a:picLocks noChangeAspect="1" noChangeArrowheads="1"/>
+                      </p:cNvPicPr>
+                      <p:nvPr/>
+                    </p:nvPicPr>
+                    <p:blipFill>
+                      <a:blip r:embed="rId4">
+                        <a:extLst>
+                          <a:ext uri="{28A0092B-C50C-407E-A947-70E740481C1C}">
+                            <a14:useLocalDpi xmlns:a14="http://schemas.microsoft.com/office/drawing/2010/main" val="0"/>
+                          </a:ext>
+                        </a:extLst>
+                      </a:blip>
+                      <a:srcRect/>
+                      <a:stretch>
+                        <a:fillRect/>
+                      </a:stretch>
+                    </p:blipFill>
+                    <p:spPr bwMode="auto">
+                      <a:xfrm>
+                        <a:off x="25400" y="1336675"/>
+                        <a:ext cx="3373438" cy="1206500"/>
+                      </a:xfrm>
+                      <a:prstGeom prst="rect">
+                        <a:avLst/>
+                      </a:prstGeom>
+                      <a:noFill/>
+                      <a:extLst>
+                        <a:ext uri="{909E8E84-426E-40DD-AFC4-6F175D3DCCD1}">
+                          <a14:hiddenFill xmlns:a14="http://schemas.microsoft.com/office/drawing/2010/main">
+                            <a:solidFill>
+                              <a:srgbClr val="FFFFFF"/>
+                            </a:solidFill>
+                          </a14:hiddenFill>
+                        </a:ext>
+                      </a:extLst>
+                    </p:spPr>
+                  </p:pic>
+                </p:oleObj>
+              </mc:Fallback>
+            </mc:AlternateContent>
           </a:graphicData>
         </a:graphic>
       </p:graphicFrame>
@@ -6082,8 +6162,19 @@
                 <a:latin typeface="Times New Roman" panose="02020603050405020304" pitchFamily="18" charset="0"/>
                 <a:ea typeface="Times New Roman" panose="02020603050405020304" pitchFamily="18" charset="0"/>
               </a:rPr>
-              <a:t>, как устроен объект.:</a:t>
-            </a:r>
+              <a:t>, как устроен </a:t>
+            </a:r>
+            <a:r>
+              <a:rPr lang="ru-RU" dirty="0" smtClean="0">
+                <a:latin typeface="Times New Roman" panose="02020603050405020304" pitchFamily="18" charset="0"/>
+                <a:ea typeface="Times New Roman" panose="02020603050405020304" pitchFamily="18" charset="0"/>
+              </a:rPr>
+              <a:t>объект, система:</a:t>
+            </a:r>
+            <a:endParaRPr lang="ru-RU" dirty="0" smtClean="0">
+              <a:latin typeface="Times New Roman" panose="02020603050405020304" pitchFamily="18" charset="0"/>
+              <a:ea typeface="Times New Roman" panose="02020603050405020304" pitchFamily="18" charset="0"/>
+            </a:endParaRPr>
           </a:p>
           <a:p>
             <a:pPr algn="just"/>
@@ -6092,7 +6183,21 @@
                 <a:latin typeface="Times New Roman" panose="02020603050405020304" pitchFamily="18" charset="0"/>
                 <a:ea typeface="Times New Roman" panose="02020603050405020304" pitchFamily="18" charset="0"/>
               </a:rPr>
-              <a:t>Свойства снаряда определяются в зависимости от допущений </a:t>
+              <a:t>Свойства </a:t>
+            </a:r>
+            <a:r>
+              <a:rPr lang="ru-RU" dirty="0" smtClean="0">
+                <a:latin typeface="Times New Roman" panose="02020603050405020304" pitchFamily="18" charset="0"/>
+                <a:ea typeface="Times New Roman" panose="02020603050405020304" pitchFamily="18" charset="0"/>
+              </a:rPr>
+              <a:t>системы (орудие – снаряд) </a:t>
+            </a:r>
+            <a:r>
+              <a:rPr lang="ru-RU" dirty="0">
+                <a:latin typeface="Times New Roman" panose="02020603050405020304" pitchFamily="18" charset="0"/>
+                <a:ea typeface="Times New Roman" panose="02020603050405020304" pitchFamily="18" charset="0"/>
+              </a:rPr>
+              <a:t>определяются в зависимости от допущений </a:t>
             </a:r>
             <a:r>
               <a:rPr lang="ru-RU" dirty="0" smtClean="0">
@@ -6159,8 +6264,19 @@
                 <a:latin typeface="Times New Roman" panose="02020603050405020304" pitchFamily="18" charset="0"/>
                 <a:ea typeface="Times New Roman" panose="02020603050405020304" pitchFamily="18" charset="0"/>
               </a:rPr>
-              <a:t>При решении задачи увеличения дальности определяются оптимальные начальные параметры снаряда.</a:t>
-            </a:r>
+              <a:t>При решении задачи увеличения дальности определяются оптимальные </a:t>
+            </a:r>
+            <a:r>
+              <a:rPr lang="ru-RU" dirty="0" smtClean="0">
+                <a:latin typeface="Times New Roman" panose="02020603050405020304" pitchFamily="18" charset="0"/>
+                <a:ea typeface="Times New Roman" panose="02020603050405020304" pitchFamily="18" charset="0"/>
+              </a:rPr>
+              <a:t>баллистические параметры выстрела.</a:t>
+            </a:r>
+            <a:endParaRPr lang="ru-RU" dirty="0" smtClean="0">
+              <a:latin typeface="Times New Roman" panose="02020603050405020304" pitchFamily="18" charset="0"/>
+              <a:ea typeface="Times New Roman" panose="02020603050405020304" pitchFamily="18" charset="0"/>
+            </a:endParaRPr>
           </a:p>
         </p:txBody>
       </p:sp>
@@ -6173,7 +6289,7 @@
         <p:spPr>
           <a:xfrm>
             <a:off x="4337903" y="2250472"/>
-            <a:ext cx="4846837" cy="954107"/>
+            <a:ext cx="4846837" cy="1169551"/>
           </a:xfrm>
           <a:prstGeom prst="rect">
             <a:avLst/>
@@ -6222,8 +6338,19 @@
                 <a:latin typeface="Times New Roman" panose="02020603050405020304" pitchFamily="18" charset="0"/>
                 <a:ea typeface="Times New Roman" panose="02020603050405020304" pitchFamily="18" charset="0"/>
               </a:rPr>
-              <a:t>Возможность управлять снарядом выражается через влияние начальных заданных параметров на траекторию снаряда.</a:t>
-            </a:r>
+              <a:t>Возможность управлять снарядом выражается через влияние начальных заданных параметров </a:t>
+            </a:r>
+            <a:r>
+              <a:rPr lang="ru-RU" dirty="0" smtClean="0">
+                <a:latin typeface="Times New Roman" panose="02020603050405020304" pitchFamily="18" charset="0"/>
+                <a:ea typeface="Times New Roman" panose="02020603050405020304" pitchFamily="18" charset="0"/>
+              </a:rPr>
+              <a:t>на устойчивость движения, дальность и точность стрельбы.</a:t>
+            </a:r>
+            <a:endParaRPr lang="ru-RU" dirty="0" smtClean="0">
+              <a:latin typeface="Times New Roman" panose="02020603050405020304" pitchFamily="18" charset="0"/>
+              <a:ea typeface="Times New Roman" panose="02020603050405020304" pitchFamily="18" charset="0"/>
+            </a:endParaRPr>
           </a:p>
         </p:txBody>
       </p:sp>
@@ -6235,7 +6362,7 @@
         </p:nvSpPr>
         <p:spPr>
           <a:xfrm>
-            <a:off x="4337903" y="3285950"/>
+            <a:off x="4337903" y="3501394"/>
             <a:ext cx="4492924" cy="738664"/>
           </a:xfrm>
           <a:prstGeom prst="rect">
@@ -6285,7 +6412,14 @@
                 <a:latin typeface="Times New Roman" panose="02020603050405020304" pitchFamily="18" charset="0"/>
                 <a:ea typeface="Times New Roman" panose="02020603050405020304" pitchFamily="18" charset="0"/>
               </a:rPr>
-              <a:t>Прогнозирование снаряда выражается в построении траектории его полёта.</a:t>
+              <a:t>Прогнозирование </a:t>
+            </a:r>
+            <a:r>
+              <a:rPr lang="ru-RU" dirty="0" smtClean="0">
+                <a:latin typeface="Times New Roman" panose="02020603050405020304" pitchFamily="18" charset="0"/>
+                <a:ea typeface="Times New Roman" panose="02020603050405020304" pitchFamily="18" charset="0"/>
+              </a:rPr>
+              <a:t>влияния внешних факторов на точность попадания снаряда в заданную цель.</a:t>
             </a:r>
             <a:endParaRPr lang="ru-RU" dirty="0">
               <a:latin typeface="Times New Roman" panose="02020603050405020304" pitchFamily="18" charset="0"/>
@@ -6301,10 +6435,10 @@
           <p:nvPr/>
         </p:nvPicPr>
         <p:blipFill>
-          <a:blip r:embed="rId4" cstate="print">
+          <a:blip r:embed="rId5" cstate="print">
             <a:extLst>
               <a:ext uri="{28A0092B-C50C-407E-A947-70E740481C1C}">
-                <a14:useLocalDpi xmlns:a14="http://schemas.microsoft.com/office/drawing/2010/main" xmlns="" val="0"/>
+                <a14:useLocalDpi xmlns:a14="http://schemas.microsoft.com/office/drawing/2010/main" val="0"/>
               </a:ext>
             </a:extLst>
           </a:blip>
@@ -6394,7 +6528,7 @@
     </p:spTree>
     <p:extLst>
       <p:ext uri="{BB962C8B-B14F-4D97-AF65-F5344CB8AC3E}">
-        <p14:creationId xmlns:p14="http://schemas.microsoft.com/office/powerpoint/2010/main" xmlns="" val="956347886"/>
+        <p14:creationId xmlns:p14="http://schemas.microsoft.com/office/powerpoint/2010/main" val="956347886"/>
       </p:ext>
     </p:extLst>
   </p:cSld>
@@ -6543,7 +6677,7 @@
           </a:ln>
           <a:extLst>
             <a:ext uri="{909E8E84-426E-40DD-AFC4-6F175D3DCCD1}">
-              <a14:hiddenFill xmlns:a14="http://schemas.microsoft.com/office/drawing/2010/main" xmlns="">
+              <a14:hiddenFill xmlns:a14="http://schemas.microsoft.com/office/drawing/2010/main">
                 <a:noFill/>
               </a14:hiddenFill>
             </a:ext>
@@ -6877,7 +7011,7 @@
           </a:ln>
           <a:extLst>
             <a:ext uri="{909E8E84-426E-40DD-AFC4-6F175D3DCCD1}">
-              <a14:hiddenFill xmlns:a14="http://schemas.microsoft.com/office/drawing/2010/main" xmlns="">
+              <a14:hiddenFill xmlns:a14="http://schemas.microsoft.com/office/drawing/2010/main">
                 <a:noFill/>
               </a14:hiddenFill>
             </a:ext>
@@ -6921,14 +7055,14 @@
           </a:ln>
           <a:extLst>
             <a:ext uri="{909E8E84-426E-40DD-AFC4-6F175D3DCCD1}">
-              <a14:hiddenFill xmlns:a14="http://schemas.microsoft.com/office/drawing/2010/main" xmlns="">
+              <a14:hiddenFill xmlns:a14="http://schemas.microsoft.com/office/drawing/2010/main">
                 <a:solidFill>
                   <a:srgbClr val="FFFFFF"/>
                 </a:solidFill>
               </a14:hiddenFill>
             </a:ext>
             <a:ext uri="{91240B29-F687-4F45-9708-019B960494DF}">
-              <a14:hiddenLine xmlns:a14="http://schemas.microsoft.com/office/drawing/2010/main" xmlns="" w="9525">
+              <a14:hiddenLine xmlns:a14="http://schemas.microsoft.com/office/drawing/2010/main" w="9525">
                 <a:solidFill>
                   <a:srgbClr val="000000"/>
                 </a:solidFill>
@@ -7055,17 +7189,7 @@
                 <a:latin typeface="Times New Roman" panose="02020603050405020304" pitchFamily="18" charset="0"/>
                 <a:cs typeface="Times New Roman" panose="02020603050405020304" pitchFamily="18" charset="0"/>
               </a:rPr>
-              <a:t>Мансуров Р. Р. </a:t>
-            </a:r>
-            <a:r>
-              <a:rPr lang="ru-RU" sz="1100" dirty="0" smtClean="0">
-                <a:solidFill>
-                  <a:schemeClr val="tx1"/>
-                </a:solidFill>
-                <a:latin typeface="Times New Roman" panose="02020603050405020304" pitchFamily="18" charset="0"/>
-                <a:cs typeface="Times New Roman" panose="02020603050405020304" pitchFamily="18" charset="0"/>
-              </a:rPr>
-              <a:t>«Методы оптимизации и теория оптимального управления»</a:t>
+              <a:t>Мансуров Р. Р. «Методы оптимизации и теория оптимального управления»</a:t>
             </a:r>
             <a:endParaRPr lang="ru-RU" sz="1100" dirty="0">
               <a:solidFill>
@@ -7120,7 +7244,7 @@
           <p:nvPr>
             <p:extLst>
               <p:ext uri="{D42A27DB-BD31-4B8C-83A1-F6EECF244321}">
-                <p14:modId xmlns:p14="http://schemas.microsoft.com/office/powerpoint/2010/main" xmlns="" val="2682381117"/>
+                <p14:modId xmlns:p14="http://schemas.microsoft.com/office/powerpoint/2010/main" val="2682381117"/>
               </p:ext>
             </p:extLst>
           </p:nvPr>
@@ -7131,9 +7255,59 @@
         </p:xfrm>
         <a:graphic>
           <a:graphicData uri="http://schemas.openxmlformats.org/presentationml/2006/ole">
-            <p:oleObj spid="_x0000_s53467" name="Формула" r:id="rId3" imgW="1396800" imgH="241200" progId="Equation.3">
-              <p:embed/>
-            </p:oleObj>
+            <mc:AlternateContent xmlns:mc="http://schemas.openxmlformats.org/markup-compatibility/2006">
+              <mc:Choice xmlns:v="urn:schemas-microsoft-com:vml" Requires="v">
+                <p:oleObj spid="_x0000_s53492" name="Формула" r:id="rId3" imgW="1396800" imgH="241200" progId="Equation.3">
+                  <p:embed/>
+                </p:oleObj>
+              </mc:Choice>
+              <mc:Fallback>
+                <p:oleObj name="Формула" r:id="rId3" imgW="1396800" imgH="241200" progId="Equation.3">
+                  <p:embed/>
+                  <p:pic>
+                    <p:nvPicPr>
+                      <p:cNvPr id="0" name="Picture 219"/>
+                      <p:cNvPicPr>
+                        <a:picLocks noChangeAspect="1" noChangeArrowheads="1"/>
+                      </p:cNvPicPr>
+                      <p:nvPr/>
+                    </p:nvPicPr>
+                    <p:blipFill>
+                      <a:blip r:embed="rId4">
+                        <a:extLst>
+                          <a:ext uri="{28A0092B-C50C-407E-A947-70E740481C1C}">
+                            <a14:useLocalDpi xmlns:a14="http://schemas.microsoft.com/office/drawing/2010/main" val="0"/>
+                          </a:ext>
+                        </a:extLst>
+                      </a:blip>
+                      <a:srcRect/>
+                      <a:stretch>
+                        <a:fillRect/>
+                      </a:stretch>
+                    </p:blipFill>
+                    <p:spPr bwMode="auto">
+                      <a:xfrm>
+                        <a:off x="1257300" y="838200"/>
+                        <a:ext cx="1397000" cy="228600"/>
+                      </a:xfrm>
+                      <a:prstGeom prst="rect">
+                        <a:avLst/>
+                      </a:prstGeom>
+                      <a:noFill/>
+                      <a:extLst>
+                        <a:ext uri="{909E8E84-426E-40DD-AFC4-6F175D3DCCD1}">
+                          <a14:hiddenFill xmlns:a14="http://schemas.microsoft.com/office/drawing/2010/main">
+                            <a:solidFill>
+                              <a:srgbClr val="FFFFFF"/>
+                            </a:solidFill>
+                          </a14:hiddenFill>
+                        </a:ext>
+                      </a:extLst>
+                    </p:spPr>
+                  </p:pic>
+                </p:oleObj>
+              </mc:Fallback>
+            </mc:AlternateContent>
           </a:graphicData>
         </a:graphic>
       </p:graphicFrame>
@@ -7146,7 +7320,7 @@
           <p:nvPr>
             <p:extLst>
               <p:ext uri="{D42A27DB-BD31-4B8C-83A1-F6EECF244321}">
-                <p14:modId xmlns:p14="http://schemas.microsoft.com/office/powerpoint/2010/main" xmlns="" val="3819304685"/>
+                <p14:modId xmlns:p14="http://schemas.microsoft.com/office/powerpoint/2010/main" val="3819304685"/>
               </p:ext>
             </p:extLst>
           </p:nvPr>
@@ -7157,35 +7331,59 @@
         </p:xfrm>
         <a:graphic>
           <a:graphicData uri="http://schemas.openxmlformats.org/presentationml/2006/ole">
-            <p:oleObj spid="_x0000_s53468" name="Формула" r:id="rId4" imgW="1600200" imgH="253800" progId="Equation.3">
-              <p:embed/>
-            </p:oleObj>
-          </a:graphicData>
-        </a:graphic>
-      </p:graphicFrame>
-      <p:graphicFrame>
-        <p:nvGraphicFramePr>
-          <p:cNvPr id="12" name="Объект 11"/>
-          <p:cNvGraphicFramePr>
-            <a:graphicFrameLocks noChangeAspect="1"/>
-          </p:cNvGraphicFramePr>
-          <p:nvPr>
-            <p:extLst>
-              <p:ext uri="{D42A27DB-BD31-4B8C-83A1-F6EECF244321}">
-                <p14:modId xmlns:p14="http://schemas.microsoft.com/office/powerpoint/2010/main" xmlns="" val="71527687"/>
-              </p:ext>
-            </p:extLst>
-          </p:nvPr>
-        </p:nvGraphicFramePr>
-        <p:xfrm>
-          <a:off x="4929188" y="1329624"/>
-          <a:ext cx="2590800" cy="695325"/>
-        </p:xfrm>
-        <a:graphic>
-          <a:graphicData uri="http://schemas.openxmlformats.org/presentationml/2006/ole">
-            <p:oleObj spid="_x0000_s53469" name="Формула" r:id="rId5" imgW="2590560" imgH="698400" progId="Equation.3">
-              <p:embed/>
-            </p:oleObj>
+            <mc:AlternateContent xmlns:mc="http://schemas.openxmlformats.org/markup-compatibility/2006">
+              <mc:Choice xmlns:v="urn:schemas-microsoft-com:vml" Requires="v">
+                <p:oleObj spid="_x0000_s53493" name="Формула" r:id="rId5" imgW="1600200" imgH="253800" progId="Equation.3">
+                  <p:embed/>
+                </p:oleObj>
+              </mc:Choice>
+              <mc:Fallback>
+                <p:oleObj name="Формула" r:id="rId5" imgW="1600200" imgH="253800" progId="Equation.3">
+                  <p:embed/>
+                  <p:pic>
+                    <p:nvPicPr>
+                      <p:cNvPr id="0" name="Picture 220"/>
+                      <p:cNvPicPr>
+                        <a:picLocks noChangeAspect="1" noChangeArrowheads="1"/>
+                      </p:cNvPicPr>
+                      <p:nvPr/>
+                    </p:nvPicPr>
+                    <p:blipFill>
+                      <a:blip r:embed="rId6">
+                        <a:extLst>
+                          <a:ext uri="{28A0092B-C50C-407E-A947-70E740481C1C}">
+                            <a14:useLocalDpi xmlns:a14="http://schemas.microsoft.com/office/drawing/2010/main" val="0"/>
+                          </a:ext>
+                        </a:extLst>
+                      </a:blip>
+                      <a:srcRect/>
+                      <a:stretch>
+                        <a:fillRect/>
+                      </a:stretch>
+                    </p:blipFill>
+                    <p:spPr bwMode="auto">
+                      <a:xfrm>
+                        <a:off x="1155700" y="2084388"/>
+                        <a:ext cx="1600200" cy="239712"/>
+                      </a:xfrm>
+                      <a:prstGeom prst="rect">
+                        <a:avLst/>
+                      </a:prstGeom>
+                      <a:noFill/>
+                      <a:extLst>
+                        <a:ext uri="{909E8E84-426E-40DD-AFC4-6F175D3DCCD1}">
+                          <a14:hiddenFill xmlns:a14="http://schemas.microsoft.com/office/drawing/2010/main">
+                            <a:solidFill>
+                              <a:srgbClr val="FFFFFF"/>
+                            </a:solidFill>
+                          </a14:hiddenFill>
+                        </a:ext>
+                      </a:extLst>
+                    </p:spPr>
+                  </p:pic>
+                </p:oleObj>
+              </mc:Fallback>
+            </mc:AlternateContent>
           </a:graphicData>
         </a:graphic>
       </p:graphicFrame>
@@ -7212,14 +7410,14 @@
           <a:effectLst/>
           <a:extLst>
             <a:ext uri="{909E8E84-426E-40DD-AFC4-6F175D3DCCD1}">
-              <a14:hiddenFill xmlns:a14="http://schemas.microsoft.com/office/drawing/2010/main" xmlns="">
+              <a14:hiddenFill xmlns:a14="http://schemas.microsoft.com/office/drawing/2010/main">
                 <a:solidFill>
                   <a:schemeClr val="accent1"/>
                 </a:solidFill>
               </a14:hiddenFill>
             </a:ext>
             <a:ext uri="{91240B29-F687-4F45-9708-019B960494DF}">
-              <a14:hiddenLine xmlns:a14="http://schemas.microsoft.com/office/drawing/2010/main" xmlns="" w="9525">
+              <a14:hiddenLine xmlns:a14="http://schemas.microsoft.com/office/drawing/2010/main" w="9525">
                 <a:solidFill>
                   <a:schemeClr val="tx1"/>
                 </a:solidFill>
@@ -7229,7 +7427,7 @@
               </a14:hiddenLine>
             </a:ext>
             <a:ext uri="{AF507438-7753-43E0-B8FC-AC1667EBCBE1}">
-              <a14:hiddenEffects xmlns:a14="http://schemas.microsoft.com/office/drawing/2010/main" xmlns="">
+              <a14:hiddenEffects xmlns:a14="http://schemas.microsoft.com/office/drawing/2010/main">
                 <a:effectLst>
                   <a:outerShdw dist="35921" dir="2700000" algn="ctr" rotWithShape="0">
                     <a:schemeClr val="bg2"/>
@@ -7304,14 +7502,14 @@
           <a:effectLst/>
           <a:extLst>
             <a:ext uri="{909E8E84-426E-40DD-AFC4-6F175D3DCCD1}">
-              <a14:hiddenFill xmlns:a14="http://schemas.microsoft.com/office/drawing/2010/main" xmlns="">
+              <a14:hiddenFill xmlns:a14="http://schemas.microsoft.com/office/drawing/2010/main">
                 <a:solidFill>
                   <a:schemeClr val="accent1"/>
                 </a:solidFill>
               </a14:hiddenFill>
             </a:ext>
             <a:ext uri="{91240B29-F687-4F45-9708-019B960494DF}">
-              <a14:hiddenLine xmlns:a14="http://schemas.microsoft.com/office/drawing/2010/main" xmlns="" w="9525">
+              <a14:hiddenLine xmlns:a14="http://schemas.microsoft.com/office/drawing/2010/main" w="9525">
                 <a:solidFill>
                   <a:schemeClr val="tx1"/>
                 </a:solidFill>
@@ -7321,7 +7519,7 @@
               </a14:hiddenLine>
             </a:ext>
             <a:ext uri="{AF507438-7753-43E0-B8FC-AC1667EBCBE1}">
-              <a14:hiddenEffects xmlns:a14="http://schemas.microsoft.com/office/drawing/2010/main" xmlns="">
+              <a14:hiddenEffects xmlns:a14="http://schemas.microsoft.com/office/drawing/2010/main">
                 <a:effectLst>
                   <a:outerShdw dist="35921" dir="2700000" algn="ctr" rotWithShape="0">
                     <a:schemeClr val="bg2"/>
@@ -7457,8 +7655,8 @@
         </p:nvSpPr>
         <p:spPr bwMode="auto">
           <a:xfrm>
-            <a:off x="4572000" y="548145"/>
-            <a:ext cx="4089511" cy="738664"/>
+            <a:off x="553752" y="4214827"/>
+            <a:ext cx="1669676" cy="307777"/>
           </a:xfrm>
           <a:prstGeom prst="rect">
             <a:avLst/>
@@ -7470,14 +7668,14 @@
           <a:effectLst/>
           <a:extLst>
             <a:ext uri="{909E8E84-426E-40DD-AFC4-6F175D3DCCD1}">
-              <a14:hiddenFill xmlns:a14="http://schemas.microsoft.com/office/drawing/2010/main" xmlns="">
+              <a14:hiddenFill xmlns:a14="http://schemas.microsoft.com/office/drawing/2010/main">
                 <a:solidFill>
                   <a:schemeClr val="accent1"/>
                 </a:solidFill>
               </a14:hiddenFill>
             </a:ext>
             <a:ext uri="{91240B29-F687-4F45-9708-019B960494DF}">
-              <a14:hiddenLine xmlns:a14="http://schemas.microsoft.com/office/drawing/2010/main" xmlns="" w="9525">
+              <a14:hiddenLine xmlns:a14="http://schemas.microsoft.com/office/drawing/2010/main" w="9525">
                 <a:solidFill>
                   <a:schemeClr val="tx1"/>
                 </a:solidFill>
@@ -7487,7 +7685,7 @@
               </a14:hiddenLine>
             </a:ext>
             <a:ext uri="{AF507438-7753-43E0-B8FC-AC1667EBCBE1}">
-              <a14:hiddenEffects xmlns:a14="http://schemas.microsoft.com/office/drawing/2010/main" xmlns="">
+              <a14:hiddenEffects xmlns:a14="http://schemas.microsoft.com/office/drawing/2010/main">
                 <a:effectLst>
                   <a:outerShdw dist="35921" dir="2700000" algn="ctr" rotWithShape="0">
                     <a:schemeClr val="bg2"/>
@@ -7523,67 +7721,11 @@
               <a:tabLst/>
             </a:pPr>
             <a:r>
-              <a:rPr kumimoji="0" lang="ru-RU" altLang="ru-RU" b="0" i="0" u="none" strike="noStrike" cap="none" normalizeH="0" baseline="0" dirty="0" smtClean="0">
-                <a:ln>
-                  <a:noFill/>
-                </a:ln>
-                <a:solidFill>
-                  <a:schemeClr val="tx1"/>
-                </a:solidFill>
-                <a:effectLst/>
+              <a:rPr lang="ru-RU" altLang="ru-RU" dirty="0" smtClean="0">
                 <a:latin typeface="Times New Roman" panose="02020603050405020304" pitchFamily="18" charset="0"/>
                 <a:cs typeface="Times New Roman" panose="02020603050405020304" pitchFamily="18" charset="0"/>
               </a:rPr>
-              <a:t>Данные</a:t>
-            </a:r>
-            <a:r>
-              <a:rPr kumimoji="0" lang="ru-RU" altLang="ru-RU" b="0" i="0" u="none" strike="noStrike" cap="none" normalizeH="0" dirty="0" smtClean="0">
-                <a:ln>
-                  <a:noFill/>
-                </a:ln>
-                <a:solidFill>
-                  <a:schemeClr val="tx1"/>
-                </a:solidFill>
-                <a:effectLst/>
-                <a:latin typeface="Times New Roman" panose="02020603050405020304" pitchFamily="18" charset="0"/>
-                <a:cs typeface="Times New Roman" panose="02020603050405020304" pitchFamily="18" charset="0"/>
-              </a:rPr>
-              <a:t> итерационные процедуры при определенных условиях позволяют построить </a:t>
-            </a:r>
-            <a:r>
-              <a:rPr lang="ru-RU" altLang="ru-RU" b="1" dirty="0" smtClean="0">
-                <a:latin typeface="Times New Roman" panose="02020603050405020304" pitchFamily="18" charset="0"/>
-                <a:cs typeface="Times New Roman" panose="02020603050405020304" pitchFamily="18" charset="0"/>
-              </a:rPr>
-              <a:t>п</a:t>
-            </a:r>
-            <a:r>
-              <a:rPr kumimoji="0" lang="ru-RU" altLang="ru-RU" b="1" i="0" u="none" strike="noStrike" cap="none" normalizeH="0" dirty="0" smtClean="0">
-                <a:ln>
-                  <a:noFill/>
-                </a:ln>
-                <a:solidFill>
-                  <a:schemeClr val="tx1"/>
-                </a:solidFill>
-                <a:effectLst/>
-                <a:latin typeface="Times New Roman" panose="02020603050405020304" pitchFamily="18" charset="0"/>
-                <a:cs typeface="Times New Roman" panose="02020603050405020304" pitchFamily="18" charset="0"/>
-              </a:rPr>
-              <a:t>оследовательность</a:t>
-            </a:r>
-            <a:r>
-              <a:rPr kumimoji="0" lang="ru-RU" altLang="ru-RU" b="0" i="0" u="none" strike="noStrike" cap="none" normalizeH="0" dirty="0" smtClean="0">
-                <a:ln>
-                  <a:noFill/>
-                </a:ln>
-                <a:solidFill>
-                  <a:schemeClr val="tx1"/>
-                </a:solidFill>
-                <a:effectLst/>
-                <a:latin typeface="Times New Roman" panose="02020603050405020304" pitchFamily="18" charset="0"/>
-                <a:cs typeface="Times New Roman" panose="02020603050405020304" pitchFamily="18" charset="0"/>
-              </a:rPr>
-              <a:t> вида</a:t>
+              <a:t>ЗАМЕНИТЬ</a:t>
             </a:r>
             <a:endParaRPr kumimoji="0" lang="ru-RU" altLang="ru-RU" b="0" i="0" u="none" strike="noStrike" cap="none" normalizeH="0" baseline="0" dirty="0" smtClean="0">
               <a:ln>
@@ -7622,14 +7764,14 @@
           <a:effectLst/>
           <a:extLst>
             <a:ext uri="{909E8E84-426E-40DD-AFC4-6F175D3DCCD1}">
-              <a14:hiddenFill xmlns:a14="http://schemas.microsoft.com/office/drawing/2010/main" xmlns="">
+              <a14:hiddenFill xmlns:a14="http://schemas.microsoft.com/office/drawing/2010/main">
                 <a:solidFill>
                   <a:schemeClr val="accent1"/>
                 </a:solidFill>
               </a14:hiddenFill>
             </a:ext>
             <a:ext uri="{91240B29-F687-4F45-9708-019B960494DF}">
-              <a14:hiddenLine xmlns:a14="http://schemas.microsoft.com/office/drawing/2010/main" xmlns="" w="9525">
+              <a14:hiddenLine xmlns:a14="http://schemas.microsoft.com/office/drawing/2010/main" w="9525">
                 <a:solidFill>
                   <a:schemeClr val="tx1"/>
                 </a:solidFill>
@@ -7639,7 +7781,7 @@
               </a14:hiddenLine>
             </a:ext>
             <a:ext uri="{AF507438-7753-43E0-B8FC-AC1667EBCBE1}">
-              <a14:hiddenEffects xmlns:a14="http://schemas.microsoft.com/office/drawing/2010/main" xmlns="">
+              <a14:hiddenEffects xmlns:a14="http://schemas.microsoft.com/office/drawing/2010/main">
                 <a:effectLst>
                   <a:outerShdw dist="35921" dir="2700000" algn="ctr" rotWithShape="0">
                     <a:schemeClr val="bg2"/>
@@ -7753,7 +7895,7 @@
           <p:nvPr>
             <p:extLst>
               <p:ext uri="{D42A27DB-BD31-4B8C-83A1-F6EECF244321}">
-                <p14:modId xmlns:p14="http://schemas.microsoft.com/office/powerpoint/2010/main" xmlns="" val="440798087"/>
+                <p14:modId xmlns:p14="http://schemas.microsoft.com/office/powerpoint/2010/main" val="440798087"/>
               </p:ext>
             </p:extLst>
           </p:nvPr>
@@ -7764,9 +7906,59 @@
         </p:xfrm>
         <a:graphic>
           <a:graphicData uri="http://schemas.openxmlformats.org/presentationml/2006/ole">
-            <p:oleObj spid="_x0000_s53470" name="Формула" r:id="rId6" imgW="1460160" imgH="291960" progId="Equation.3">
-              <p:embed/>
-            </p:oleObj>
+            <mc:AlternateContent xmlns:mc="http://schemas.openxmlformats.org/markup-compatibility/2006">
+              <mc:Choice xmlns:v="urn:schemas-microsoft-com:vml" Requires="v">
+                <p:oleObj spid="_x0000_s53494" name="Формула" r:id="rId7" imgW="1460160" imgH="291960" progId="Equation.3">
+                  <p:embed/>
+                </p:oleObj>
+              </mc:Choice>
+              <mc:Fallback>
+                <p:oleObj name="Формула" r:id="rId7" imgW="1460160" imgH="291960" progId="Equation.3">
+                  <p:embed/>
+                  <p:pic>
+                    <p:nvPicPr>
+                      <p:cNvPr id="0" name="Picture 222"/>
+                      <p:cNvPicPr>
+                        <a:picLocks noChangeAspect="1" noChangeArrowheads="1"/>
+                      </p:cNvPicPr>
+                      <p:nvPr/>
+                    </p:nvPicPr>
+                    <p:blipFill>
+                      <a:blip r:embed="rId8">
+                        <a:extLst>
+                          <a:ext uri="{28A0092B-C50C-407E-A947-70E740481C1C}">
+                            <a14:useLocalDpi xmlns:a14="http://schemas.microsoft.com/office/drawing/2010/main" val="0"/>
+                          </a:ext>
+                        </a:extLst>
+                      </a:blip>
+                      <a:srcRect/>
+                      <a:stretch>
+                        <a:fillRect/>
+                      </a:stretch>
+                    </p:blipFill>
+                    <p:spPr bwMode="auto">
+                      <a:xfrm>
+                        <a:off x="1388590" y="3063082"/>
+                        <a:ext cx="1450975" cy="296862"/>
+                      </a:xfrm>
+                      <a:prstGeom prst="rect">
+                        <a:avLst/>
+                      </a:prstGeom>
+                      <a:noFill/>
+                      <a:extLst>
+                        <a:ext uri="{909E8E84-426E-40DD-AFC4-6F175D3DCCD1}">
+                          <a14:hiddenFill xmlns:a14="http://schemas.microsoft.com/office/drawing/2010/main">
+                            <a:solidFill>
+                              <a:srgbClr val="FFFFFF"/>
+                            </a:solidFill>
+                          </a14:hiddenFill>
+                        </a:ext>
+                      </a:extLst>
+                    </p:spPr>
+                  </p:pic>
+                </p:oleObj>
+              </mc:Fallback>
+            </mc:AlternateContent>
           </a:graphicData>
         </a:graphic>
       </p:graphicFrame>
@@ -7779,7 +7971,7 @@
           <p:nvPr>
             <p:extLst>
               <p:ext uri="{D42A27DB-BD31-4B8C-83A1-F6EECF244321}">
-                <p14:modId xmlns:p14="http://schemas.microsoft.com/office/powerpoint/2010/main" xmlns="" val="1923646724"/>
+                <p14:modId xmlns:p14="http://schemas.microsoft.com/office/powerpoint/2010/main" val="1923646724"/>
               </p:ext>
             </p:extLst>
           </p:nvPr>
@@ -7790,9 +7982,59 @@
         </p:xfrm>
         <a:graphic>
           <a:graphicData uri="http://schemas.openxmlformats.org/presentationml/2006/ole">
-            <p:oleObj spid="_x0000_s53471" name="Формула" r:id="rId7" imgW="939600" imgH="291960" progId="Equation.3">
-              <p:embed/>
-            </p:oleObj>
+            <mc:AlternateContent xmlns:mc="http://schemas.openxmlformats.org/markup-compatibility/2006">
+              <mc:Choice xmlns:v="urn:schemas-microsoft-com:vml" Requires="v">
+                <p:oleObj spid="_x0000_s53495" name="Формула" r:id="rId9" imgW="939600" imgH="291960" progId="Equation.3">
+                  <p:embed/>
+                </p:oleObj>
+              </mc:Choice>
+              <mc:Fallback>
+                <p:oleObj name="Формула" r:id="rId9" imgW="939600" imgH="291960" progId="Equation.3">
+                  <p:embed/>
+                  <p:pic>
+                    <p:nvPicPr>
+                      <p:cNvPr id="0" name="Picture 223"/>
+                      <p:cNvPicPr>
+                        <a:picLocks noChangeAspect="1" noChangeArrowheads="1"/>
+                      </p:cNvPicPr>
+                      <p:nvPr/>
+                    </p:nvPicPr>
+                    <p:blipFill>
+                      <a:blip r:embed="rId10">
+                        <a:extLst>
+                          <a:ext uri="{28A0092B-C50C-407E-A947-70E740481C1C}">
+                            <a14:useLocalDpi xmlns:a14="http://schemas.microsoft.com/office/drawing/2010/main" val="0"/>
+                          </a:ext>
+                        </a:extLst>
+                      </a:blip>
+                      <a:srcRect/>
+                      <a:stretch>
+                        <a:fillRect/>
+                      </a:stretch>
+                    </p:blipFill>
+                    <p:spPr bwMode="auto">
+                      <a:xfrm>
+                        <a:off x="2909888" y="3060700"/>
+                        <a:ext cx="939800" cy="292100"/>
+                      </a:xfrm>
+                      <a:prstGeom prst="rect">
+                        <a:avLst/>
+                      </a:prstGeom>
+                      <a:noFill/>
+                      <a:extLst>
+                        <a:ext uri="{909E8E84-426E-40DD-AFC4-6F175D3DCCD1}">
+                          <a14:hiddenFill xmlns:a14="http://schemas.microsoft.com/office/drawing/2010/main">
+                            <a:solidFill>
+                              <a:srgbClr val="FFFFFF"/>
+                            </a:solidFill>
+                          </a14:hiddenFill>
+                        </a:ext>
+                      </a:extLst>
+                    </p:spPr>
+                  </p:pic>
+                </p:oleObj>
+              </mc:Fallback>
+            </mc:AlternateContent>
           </a:graphicData>
         </a:graphic>
       </p:graphicFrame>
@@ -7819,14 +8061,14 @@
           <a:effectLst/>
           <a:extLst>
             <a:ext uri="{909E8E84-426E-40DD-AFC4-6F175D3DCCD1}">
-              <a14:hiddenFill xmlns:a14="http://schemas.microsoft.com/office/drawing/2010/main" xmlns="">
+              <a14:hiddenFill xmlns:a14="http://schemas.microsoft.com/office/drawing/2010/main">
                 <a:solidFill>
                   <a:schemeClr val="accent1"/>
                 </a:solidFill>
               </a14:hiddenFill>
             </a:ext>
             <a:ext uri="{91240B29-F687-4F45-9708-019B960494DF}">
-              <a14:hiddenLine xmlns:a14="http://schemas.microsoft.com/office/drawing/2010/main" xmlns="" w="9525">
+              <a14:hiddenLine xmlns:a14="http://schemas.microsoft.com/office/drawing/2010/main" w="9525">
                 <a:solidFill>
                   <a:schemeClr val="tx1"/>
                 </a:solidFill>
@@ -7836,7 +8078,7 @@
               </a14:hiddenLine>
             </a:ext>
             <a:ext uri="{AF507438-7753-43E0-B8FC-AC1667EBCBE1}">
-              <a14:hiddenEffects xmlns:a14="http://schemas.microsoft.com/office/drawing/2010/main" xmlns="">
+              <a14:hiddenEffects xmlns:a14="http://schemas.microsoft.com/office/drawing/2010/main">
                 <a:effectLst>
                   <a:outerShdw dist="35921" dir="2700000" algn="ctr" rotWithShape="0">
                     <a:schemeClr val="bg2"/>
@@ -8043,20 +8285,64 @@
           <p:nvPr>
             <p:extLst>
               <p:ext uri="{D42A27DB-BD31-4B8C-83A1-F6EECF244321}">
-                <p14:modId xmlns:p14="http://schemas.microsoft.com/office/powerpoint/2010/main" xmlns="" val="429630532"/>
+                <p14:modId xmlns:p14="http://schemas.microsoft.com/office/powerpoint/2010/main" val="3842483258"/>
               </p:ext>
             </p:extLst>
           </p:nvPr>
         </p:nvGraphicFramePr>
         <p:xfrm>
-          <a:off x="5853113" y="2674890"/>
-          <a:ext cx="1666875" cy="242887"/>
+          <a:off x="5864225" y="2674938"/>
+          <a:ext cx="1644650" cy="242887"/>
         </p:xfrm>
         <a:graphic>
           <a:graphicData uri="http://schemas.openxmlformats.org/presentationml/2006/ole">
-            <p:oleObj spid="_x0000_s53472" name="Формула" r:id="rId8" imgW="1841400" imgH="253800" progId="Equation.3">
-              <p:embed/>
-            </p:oleObj>
+            <mc:AlternateContent xmlns:mc="http://schemas.openxmlformats.org/markup-compatibility/2006">
+              <mc:Choice xmlns:v="urn:schemas-microsoft-com:vml" Requires="v">
+                <p:oleObj spid="_x0000_s53496" name="Формула" r:id="rId11" imgW="1815840" imgH="253800" progId="Equation.3">
+                  <p:embed/>
+                </p:oleObj>
+              </mc:Choice>
+              <mc:Fallback>
+                <p:oleObj name="Формула" r:id="rId11" imgW="1815840" imgH="253800" progId="Equation.3">
+                  <p:embed/>
+                  <p:pic>
+                    <p:nvPicPr>
+                      <p:cNvPr id="0" name="Picture 224"/>
+                      <p:cNvPicPr>
+                        <a:picLocks noChangeAspect="1" noChangeArrowheads="1"/>
+                      </p:cNvPicPr>
+                      <p:nvPr/>
+                    </p:nvPicPr>
+                    <p:blipFill>
+                      <a:blip r:embed="rId12"/>
+                      <a:srcRect/>
+                      <a:stretch>
+                        <a:fillRect/>
+                      </a:stretch>
+                    </p:blipFill>
+                    <p:spPr bwMode="auto">
+                      <a:xfrm>
+                        <a:off x="5864225" y="2674938"/>
+                        <a:ext cx="1644650" cy="242887"/>
+                      </a:xfrm>
+                      <a:prstGeom prst="rect">
+                        <a:avLst/>
+                      </a:prstGeom>
+                      <a:noFill/>
+                      <a:extLst>
+                        <a:ext uri="{909E8E84-426E-40DD-AFC4-6F175D3DCCD1}">
+                          <a14:hiddenFill xmlns:a14="http://schemas.microsoft.com/office/drawing/2010/main">
+                            <a:solidFill>
+                              <a:srgbClr val="FFFFFF"/>
+                            </a:solidFill>
+                          </a14:hiddenFill>
+                        </a:ext>
+                      </a:extLst>
+                    </p:spPr>
+                  </p:pic>
+                </p:oleObj>
+              </mc:Fallback>
+            </mc:AlternateContent>
           </a:graphicData>
         </a:graphic>
       </p:graphicFrame>
@@ -8083,14 +8369,14 @@
           <a:effectLst/>
           <a:extLst>
             <a:ext uri="{909E8E84-426E-40DD-AFC4-6F175D3DCCD1}">
-              <a14:hiddenFill xmlns:a14="http://schemas.microsoft.com/office/drawing/2010/main" xmlns="">
+              <a14:hiddenFill xmlns:a14="http://schemas.microsoft.com/office/drawing/2010/main">
                 <a:solidFill>
                   <a:schemeClr val="accent1"/>
                 </a:solidFill>
               </a14:hiddenFill>
             </a:ext>
             <a:ext uri="{91240B29-F687-4F45-9708-019B960494DF}">
-              <a14:hiddenLine xmlns:a14="http://schemas.microsoft.com/office/drawing/2010/main" xmlns="" w="9525">
+              <a14:hiddenLine xmlns:a14="http://schemas.microsoft.com/office/drawing/2010/main" w="9525">
                 <a:solidFill>
                   <a:schemeClr val="tx1"/>
                 </a:solidFill>
@@ -8100,7 +8386,7 @@
               </a14:hiddenLine>
             </a:ext>
             <a:ext uri="{AF507438-7753-43E0-B8FC-AC1667EBCBE1}">
-              <a14:hiddenEffects xmlns:a14="http://schemas.microsoft.com/office/drawing/2010/main" xmlns="">
+              <a14:hiddenEffects xmlns:a14="http://schemas.microsoft.com/office/drawing/2010/main">
                 <a:effectLst>
                   <a:outerShdw dist="35921" dir="2700000" algn="ctr" rotWithShape="0">
                     <a:schemeClr val="bg2"/>
@@ -8153,20 +8439,64 @@
           <p:nvPr>
             <p:extLst>
               <p:ext uri="{D42A27DB-BD31-4B8C-83A1-F6EECF244321}">
-                <p14:modId xmlns:p14="http://schemas.microsoft.com/office/powerpoint/2010/main" xmlns="" val="3116606929"/>
+                <p14:modId xmlns:p14="http://schemas.microsoft.com/office/powerpoint/2010/main" val="672400258"/>
               </p:ext>
             </p:extLst>
           </p:nvPr>
         </p:nvGraphicFramePr>
         <p:xfrm>
-          <a:off x="5175014" y="3066969"/>
-          <a:ext cx="215900" cy="266700"/>
+          <a:off x="5191125" y="3078163"/>
+          <a:ext cx="182563" cy="242887"/>
         </p:xfrm>
         <a:graphic>
           <a:graphicData uri="http://schemas.openxmlformats.org/presentationml/2006/ole">
-            <p:oleObj spid="_x0000_s53473" name="Формула" r:id="rId9" imgW="241195" imgH="279279" progId="Equation.3">
-              <p:embed/>
-            </p:oleObj>
+            <mc:AlternateContent xmlns:mc="http://schemas.openxmlformats.org/markup-compatibility/2006">
+              <mc:Choice xmlns:v="urn:schemas-microsoft-com:vml" Requires="v">
+                <p:oleObj spid="_x0000_s53497" name="Формула" r:id="rId13" imgW="203040" imgH="253800" progId="Equation.3">
+                  <p:embed/>
+                </p:oleObj>
+              </mc:Choice>
+              <mc:Fallback>
+                <p:oleObj name="Формула" r:id="rId13" imgW="203040" imgH="253800" progId="Equation.3">
+                  <p:embed/>
+                  <p:pic>
+                    <p:nvPicPr>
+                      <p:cNvPr id="0" name="Picture 225"/>
+                      <p:cNvPicPr>
+                        <a:picLocks noChangeAspect="1" noChangeArrowheads="1"/>
+                      </p:cNvPicPr>
+                      <p:nvPr/>
+                    </p:nvPicPr>
+                    <p:blipFill>
+                      <a:blip r:embed="rId14"/>
+                      <a:srcRect/>
+                      <a:stretch>
+                        <a:fillRect/>
+                      </a:stretch>
+                    </p:blipFill>
+                    <p:spPr bwMode="auto">
+                      <a:xfrm>
+                        <a:off x="5191125" y="3078163"/>
+                        <a:ext cx="182563" cy="242887"/>
+                      </a:xfrm>
+                      <a:prstGeom prst="rect">
+                        <a:avLst/>
+                      </a:prstGeom>
+                      <a:noFill/>
+                      <a:extLst>
+                        <a:ext uri="{909E8E84-426E-40DD-AFC4-6F175D3DCCD1}">
+                          <a14:hiddenFill xmlns:a14="http://schemas.microsoft.com/office/drawing/2010/main">
+                            <a:solidFill>
+                              <a:srgbClr val="FFFFFF"/>
+                            </a:solidFill>
+                          </a14:hiddenFill>
+                        </a:ext>
+                      </a:extLst>
+                    </p:spPr>
+                  </p:pic>
+                </p:oleObj>
+              </mc:Fallback>
+            </mc:AlternateContent>
           </a:graphicData>
         </a:graphic>
       </p:graphicFrame>
@@ -8193,14 +8523,14 @@
           <a:effectLst/>
           <a:extLst>
             <a:ext uri="{909E8E84-426E-40DD-AFC4-6F175D3DCCD1}">
-              <a14:hiddenFill xmlns:a14="http://schemas.microsoft.com/office/drawing/2010/main" xmlns="">
+              <a14:hiddenFill xmlns:a14="http://schemas.microsoft.com/office/drawing/2010/main">
                 <a:solidFill>
                   <a:schemeClr val="accent1"/>
                 </a:solidFill>
               </a14:hiddenFill>
             </a:ext>
             <a:ext uri="{91240B29-F687-4F45-9708-019B960494DF}">
-              <a14:hiddenLine xmlns:a14="http://schemas.microsoft.com/office/drawing/2010/main" xmlns="" w="9525">
+              <a14:hiddenLine xmlns:a14="http://schemas.microsoft.com/office/drawing/2010/main" w="9525">
                 <a:solidFill>
                   <a:schemeClr val="tx1"/>
                 </a:solidFill>
@@ -8210,7 +8540,7 @@
               </a14:hiddenLine>
             </a:ext>
             <a:ext uri="{AF507438-7753-43E0-B8FC-AC1667EBCBE1}">
-              <a14:hiddenEffects xmlns:a14="http://schemas.microsoft.com/office/drawing/2010/main" xmlns="">
+              <a14:hiddenEffects xmlns:a14="http://schemas.microsoft.com/office/drawing/2010/main">
                 <a:effectLst>
                   <a:outerShdw dist="35921" dir="2700000" algn="ctr" rotWithShape="0">
                     <a:schemeClr val="bg2"/>
@@ -8316,7 +8646,7 @@
           <p:nvPr>
             <p:extLst>
               <p:ext uri="{D42A27DB-BD31-4B8C-83A1-F6EECF244321}">
-                <p14:modId xmlns:p14="http://schemas.microsoft.com/office/powerpoint/2010/main" xmlns="" val="2679820176"/>
+                <p14:modId xmlns:p14="http://schemas.microsoft.com/office/powerpoint/2010/main" val="2679820176"/>
               </p:ext>
             </p:extLst>
           </p:nvPr>
@@ -8327,9 +8657,59 @@
         </p:xfrm>
         <a:graphic>
           <a:graphicData uri="http://schemas.openxmlformats.org/presentationml/2006/ole">
-            <p:oleObj spid="_x0000_s53474" name="Формула" r:id="rId10" imgW="279360" imgH="203040" progId="Equation.3">
-              <p:embed/>
-            </p:oleObj>
+            <mc:AlternateContent xmlns:mc="http://schemas.openxmlformats.org/markup-compatibility/2006">
+              <mc:Choice xmlns:v="urn:schemas-microsoft-com:vml" Requires="v">
+                <p:oleObj spid="_x0000_s53498" name="Формула" r:id="rId15" imgW="279360" imgH="203040" progId="Equation.3">
+                  <p:embed/>
+                </p:oleObj>
+              </mc:Choice>
+              <mc:Fallback>
+                <p:oleObj name="Формула" r:id="rId15" imgW="279360" imgH="203040" progId="Equation.3">
+                  <p:embed/>
+                  <p:pic>
+                    <p:nvPicPr>
+                      <p:cNvPr id="0" name="Picture 226"/>
+                      <p:cNvPicPr>
+                        <a:picLocks noChangeAspect="1" noChangeArrowheads="1"/>
+                      </p:cNvPicPr>
+                      <p:nvPr/>
+                    </p:nvPicPr>
+                    <p:blipFill>
+                      <a:blip r:embed="rId16">
+                        <a:extLst>
+                          <a:ext uri="{28A0092B-C50C-407E-A947-70E740481C1C}">
+                            <a14:useLocalDpi xmlns:a14="http://schemas.microsoft.com/office/drawing/2010/main" val="0"/>
+                          </a:ext>
+                        </a:extLst>
+                      </a:blip>
+                      <a:srcRect/>
+                      <a:stretch>
+                        <a:fillRect/>
+                      </a:stretch>
+                    </p:blipFill>
+                    <p:spPr bwMode="auto">
+                      <a:xfrm>
+                        <a:off x="7588250" y="3113088"/>
+                        <a:ext cx="276225" cy="201612"/>
+                      </a:xfrm>
+                      <a:prstGeom prst="rect">
+                        <a:avLst/>
+                      </a:prstGeom>
+                      <a:noFill/>
+                      <a:extLst>
+                        <a:ext uri="{909E8E84-426E-40DD-AFC4-6F175D3DCCD1}">
+                          <a14:hiddenFill xmlns:a14="http://schemas.microsoft.com/office/drawing/2010/main">
+                            <a:solidFill>
+                              <a:srgbClr val="FFFFFF"/>
+                            </a:solidFill>
+                          </a14:hiddenFill>
+                        </a:ext>
+                      </a:extLst>
+                    </p:spPr>
+                  </p:pic>
+                </p:oleObj>
+              </mc:Fallback>
+            </mc:AlternateContent>
           </a:graphicData>
         </a:graphic>
       </p:graphicFrame>
@@ -8356,14 +8736,14 @@
           <a:effectLst/>
           <a:extLst>
             <a:ext uri="{909E8E84-426E-40DD-AFC4-6F175D3DCCD1}">
-              <a14:hiddenFill xmlns:a14="http://schemas.microsoft.com/office/drawing/2010/main" xmlns="">
+              <a14:hiddenFill xmlns:a14="http://schemas.microsoft.com/office/drawing/2010/main">
                 <a:solidFill>
                   <a:schemeClr val="accent1"/>
                 </a:solidFill>
               </a14:hiddenFill>
             </a:ext>
             <a:ext uri="{91240B29-F687-4F45-9708-019B960494DF}">
-              <a14:hiddenLine xmlns:a14="http://schemas.microsoft.com/office/drawing/2010/main" xmlns="" w="9525">
+              <a14:hiddenLine xmlns:a14="http://schemas.microsoft.com/office/drawing/2010/main" w="9525">
                 <a:solidFill>
                   <a:schemeClr val="tx1"/>
                 </a:solidFill>
@@ -8373,7 +8753,7 @@
               </a14:hiddenLine>
             </a:ext>
             <a:ext uri="{AF507438-7753-43E0-B8FC-AC1667EBCBE1}">
-              <a14:hiddenEffects xmlns:a14="http://schemas.microsoft.com/office/drawing/2010/main" xmlns="">
+              <a14:hiddenEffects xmlns:a14="http://schemas.microsoft.com/office/drawing/2010/main">
                 <a:effectLst>
                   <a:outerShdw dist="35921" dir="2700000" algn="ctr" rotWithShape="0">
                     <a:schemeClr val="bg2"/>
@@ -8437,7 +8817,7 @@
           <p:nvPr>
             <p:extLst>
               <p:ext uri="{D42A27DB-BD31-4B8C-83A1-F6EECF244321}">
-                <p14:modId xmlns:p14="http://schemas.microsoft.com/office/powerpoint/2010/main" xmlns="" val="2568596176"/>
+                <p14:modId xmlns:p14="http://schemas.microsoft.com/office/powerpoint/2010/main" val="2568596176"/>
               </p:ext>
             </p:extLst>
           </p:nvPr>
@@ -8448,9 +8828,59 @@
         </p:xfrm>
         <a:graphic>
           <a:graphicData uri="http://schemas.openxmlformats.org/presentationml/2006/ole">
-            <p:oleObj spid="_x0000_s53475" name="Формула" r:id="rId11" imgW="253800" imgH="241200" progId="Equation.3">
-              <p:embed/>
-            </p:oleObj>
+            <mc:AlternateContent xmlns:mc="http://schemas.openxmlformats.org/markup-compatibility/2006">
+              <mc:Choice xmlns:v="urn:schemas-microsoft-com:vml" Requires="v">
+                <p:oleObj spid="_x0000_s53499" name="Формула" r:id="rId17" imgW="253800" imgH="241200" progId="Equation.3">
+                  <p:embed/>
+                </p:oleObj>
+              </mc:Choice>
+              <mc:Fallback>
+                <p:oleObj name="Формула" r:id="rId17" imgW="253800" imgH="241200" progId="Equation.3">
+                  <p:embed/>
+                  <p:pic>
+                    <p:nvPicPr>
+                      <p:cNvPr id="0" name="Picture 227"/>
+                      <p:cNvPicPr>
+                        <a:picLocks noChangeAspect="1" noChangeArrowheads="1"/>
+                      </p:cNvPicPr>
+                      <p:nvPr/>
+                    </p:nvPicPr>
+                    <p:blipFill>
+                      <a:blip r:embed="rId18">
+                        <a:extLst>
+                          <a:ext uri="{28A0092B-C50C-407E-A947-70E740481C1C}">
+                            <a14:useLocalDpi xmlns:a14="http://schemas.microsoft.com/office/drawing/2010/main" val="0"/>
+                          </a:ext>
+                        </a:extLst>
+                      </a:blip>
+                      <a:srcRect/>
+                      <a:stretch>
+                        <a:fillRect/>
+                      </a:stretch>
+                    </p:blipFill>
+                    <p:spPr bwMode="auto">
+                      <a:xfrm>
+                        <a:off x="8604014" y="3105069"/>
+                        <a:ext cx="250825" cy="238125"/>
+                      </a:xfrm>
+                      <a:prstGeom prst="rect">
+                        <a:avLst/>
+                      </a:prstGeom>
+                      <a:noFill/>
+                      <a:extLst>
+                        <a:ext uri="{909E8E84-426E-40DD-AFC4-6F175D3DCCD1}">
+                          <a14:hiddenFill xmlns:a14="http://schemas.microsoft.com/office/drawing/2010/main">
+                            <a:solidFill>
+                              <a:srgbClr val="FFFFFF"/>
+                            </a:solidFill>
+                          </a14:hiddenFill>
+                        </a:ext>
+                      </a:extLst>
+                    </p:spPr>
+                  </p:pic>
+                </p:oleObj>
+              </mc:Fallback>
+            </mc:AlternateContent>
           </a:graphicData>
         </a:graphic>
       </p:graphicFrame>
@@ -8463,7 +8893,7 @@
           <p:nvPr>
             <p:extLst>
               <p:ext uri="{D42A27DB-BD31-4B8C-83A1-F6EECF244321}">
-                <p14:modId xmlns:p14="http://schemas.microsoft.com/office/powerpoint/2010/main" xmlns="" val="1995419951"/>
+                <p14:modId xmlns:p14="http://schemas.microsoft.com/office/powerpoint/2010/main" val="1995419951"/>
               </p:ext>
             </p:extLst>
           </p:nvPr>
@@ -8474,9 +8904,59 @@
         </p:xfrm>
         <a:graphic>
           <a:graphicData uri="http://schemas.openxmlformats.org/presentationml/2006/ole">
-            <p:oleObj spid="_x0000_s53476" name="Формула" r:id="rId12" imgW="228600" imgH="241300" progId="Equation.3">
-              <p:embed/>
-            </p:oleObj>
+            <mc:AlternateContent xmlns:mc="http://schemas.openxmlformats.org/markup-compatibility/2006">
+              <mc:Choice xmlns:v="urn:schemas-microsoft-com:vml" Requires="v">
+                <p:oleObj spid="_x0000_s53500" name="Формула" r:id="rId19" imgW="228600" imgH="241300" progId="Equation.3">
+                  <p:embed/>
+                </p:oleObj>
+              </mc:Choice>
+              <mc:Fallback>
+                <p:oleObj name="Формула" r:id="rId19" imgW="228600" imgH="241300" progId="Equation.3">
+                  <p:embed/>
+                  <p:pic>
+                    <p:nvPicPr>
+                      <p:cNvPr id="0" name="Picture 228"/>
+                      <p:cNvPicPr>
+                        <a:picLocks noChangeAspect="1" noChangeArrowheads="1"/>
+                      </p:cNvPicPr>
+                      <p:nvPr/>
+                    </p:nvPicPr>
+                    <p:blipFill>
+                      <a:blip r:embed="rId20">
+                        <a:extLst>
+                          <a:ext uri="{28A0092B-C50C-407E-A947-70E740481C1C}">
+                            <a14:useLocalDpi xmlns:a14="http://schemas.microsoft.com/office/drawing/2010/main" val="0"/>
+                          </a:ext>
+                        </a:extLst>
+                      </a:blip>
+                      <a:srcRect/>
+                      <a:stretch>
+                        <a:fillRect/>
+                      </a:stretch>
+                    </p:blipFill>
+                    <p:spPr bwMode="auto">
+                      <a:xfrm>
+                        <a:off x="4660747" y="3475814"/>
+                        <a:ext cx="238125" cy="238125"/>
+                      </a:xfrm>
+                      <a:prstGeom prst="rect">
+                        <a:avLst/>
+                      </a:prstGeom>
+                      <a:noFill/>
+                      <a:extLst>
+                        <a:ext uri="{909E8E84-426E-40DD-AFC4-6F175D3DCCD1}">
+                          <a14:hiddenFill xmlns:a14="http://schemas.microsoft.com/office/drawing/2010/main">
+                            <a:solidFill>
+                              <a:srgbClr val="FFFFFF"/>
+                            </a:solidFill>
+                          </a14:hiddenFill>
+                        </a:ext>
+                      </a:extLst>
+                    </p:spPr>
+                  </p:pic>
+                </p:oleObj>
+              </mc:Fallback>
+            </mc:AlternateContent>
           </a:graphicData>
         </a:graphic>
       </p:graphicFrame>
@@ -8542,7 +9022,7 @@
           <p:nvPr>
             <p:extLst>
               <p:ext uri="{D42A27DB-BD31-4B8C-83A1-F6EECF244321}">
-                <p14:modId xmlns:p14="http://schemas.microsoft.com/office/powerpoint/2010/main" xmlns="" val="3466569766"/>
+                <p14:modId xmlns:p14="http://schemas.microsoft.com/office/powerpoint/2010/main" val="3466569766"/>
               </p:ext>
             </p:extLst>
           </p:nvPr>
@@ -8553,9 +9033,59 @@
         </p:xfrm>
         <a:graphic>
           <a:graphicData uri="http://schemas.openxmlformats.org/presentationml/2006/ole">
-            <p:oleObj spid="_x0000_s53477" name="Формула" r:id="rId13" imgW="1130040" imgH="253800" progId="Equation.3">
-              <p:embed/>
-            </p:oleObj>
+            <mc:AlternateContent xmlns:mc="http://schemas.openxmlformats.org/markup-compatibility/2006">
+              <mc:Choice xmlns:v="urn:schemas-microsoft-com:vml" Requires="v">
+                <p:oleObj spid="_x0000_s53501" name="Формула" r:id="rId21" imgW="1130040" imgH="253800" progId="Equation.3">
+                  <p:embed/>
+                </p:oleObj>
+              </mc:Choice>
+              <mc:Fallback>
+                <p:oleObj name="Формула" r:id="rId21" imgW="1130040" imgH="253800" progId="Equation.3">
+                  <p:embed/>
+                  <p:pic>
+                    <p:nvPicPr>
+                      <p:cNvPr id="0" name="Picture 229"/>
+                      <p:cNvPicPr>
+                        <a:picLocks noChangeAspect="1" noChangeArrowheads="1"/>
+                      </p:cNvPicPr>
+                      <p:nvPr/>
+                    </p:nvPicPr>
+                    <p:blipFill>
+                      <a:blip r:embed="rId22">
+                        <a:extLst>
+                          <a:ext uri="{28A0092B-C50C-407E-A947-70E740481C1C}">
+                            <a14:useLocalDpi xmlns:a14="http://schemas.microsoft.com/office/drawing/2010/main" val="0"/>
+                          </a:ext>
+                        </a:extLst>
+                      </a:blip>
+                      <a:srcRect/>
+                      <a:stretch>
+                        <a:fillRect/>
+                      </a:stretch>
+                    </p:blipFill>
+                    <p:spPr bwMode="auto">
+                      <a:xfrm>
+                        <a:off x="6380163" y="3736488"/>
+                        <a:ext cx="1139825" cy="241300"/>
+                      </a:xfrm>
+                      <a:prstGeom prst="rect">
+                        <a:avLst/>
+                      </a:prstGeom>
+                      <a:noFill/>
+                      <a:extLst>
+                        <a:ext uri="{909E8E84-426E-40DD-AFC4-6F175D3DCCD1}">
+                          <a14:hiddenFill xmlns:a14="http://schemas.microsoft.com/office/drawing/2010/main">
+                            <a:solidFill>
+                              <a:srgbClr val="FFFFFF"/>
+                            </a:solidFill>
+                          </a14:hiddenFill>
+                        </a:ext>
+                      </a:extLst>
+                    </p:spPr>
+                  </p:pic>
+                </p:oleObj>
+              </mc:Fallback>
+            </mc:AlternateContent>
           </a:graphicData>
         </a:graphic>
       </p:graphicFrame>
@@ -8564,7 +9094,7 @@
           <p:cNvPr id="61" name="Прямоугольник 60">
             <a:extLst>
               <a:ext uri="{FF2B5EF4-FFF2-40B4-BE49-F238E27FC236}">
-                <a16:creationId xmlns="" xmlns:a16="http://schemas.microsoft.com/office/drawing/2014/main" id="{9E04601C-F75E-4D02-B7C1-8148ED14A96C}"/>
+                <a16:creationId xmlns:a16="http://schemas.microsoft.com/office/drawing/2014/main" xmlns="" id="{9E04601C-F75E-4D02-B7C1-8148ED14A96C}"/>
               </a:ext>
             </a:extLst>
           </p:cNvPr>
@@ -8573,7 +9103,7 @@
         </p:nvSpPr>
         <p:spPr>
           <a:xfrm>
-            <a:off x="2375091" y="4203360"/>
+            <a:off x="4898872" y="543984"/>
             <a:ext cx="3779368" cy="307777"/>
           </a:xfrm>
           <a:prstGeom prst="rect">
@@ -8657,20 +9187,70 @@
           <p:nvPr>
             <p:extLst>
               <p:ext uri="{D42A27DB-BD31-4B8C-83A1-F6EECF244321}">
-                <p14:modId xmlns:p14="http://schemas.microsoft.com/office/powerpoint/2010/main" xmlns="" val="1157573827"/>
+                <p14:modId xmlns:p14="http://schemas.microsoft.com/office/powerpoint/2010/main" val="3928808342"/>
               </p:ext>
             </p:extLst>
           </p:nvPr>
         </p:nvGraphicFramePr>
         <p:xfrm>
-          <a:off x="3205688" y="4565654"/>
+          <a:off x="5729469" y="906278"/>
           <a:ext cx="2212975" cy="215900"/>
         </p:xfrm>
         <a:graphic>
           <a:graphicData uri="http://schemas.openxmlformats.org/presentationml/2006/ole">
-            <p:oleObj spid="_x0000_s53478" name="Формула" r:id="rId14" imgW="2197080" imgH="228600" progId="Equation.3">
-              <p:embed/>
-            </p:oleObj>
+            <mc:AlternateContent xmlns:mc="http://schemas.openxmlformats.org/markup-compatibility/2006">
+              <mc:Choice xmlns:v="urn:schemas-microsoft-com:vml" Requires="v">
+                <p:oleObj spid="_x0000_s53502" name="Формула" r:id="rId23" imgW="2197080" imgH="228600" progId="Equation.3">
+                  <p:embed/>
+                </p:oleObj>
+              </mc:Choice>
+              <mc:Fallback>
+                <p:oleObj name="Формула" r:id="rId23" imgW="2197080" imgH="228600" progId="Equation.3">
+                  <p:embed/>
+                  <p:pic>
+                    <p:nvPicPr>
+                      <p:cNvPr id="0" name="Picture 230"/>
+                      <p:cNvPicPr>
+                        <a:picLocks noChangeAspect="1" noChangeArrowheads="1"/>
+                      </p:cNvPicPr>
+                      <p:nvPr/>
+                    </p:nvPicPr>
+                    <p:blipFill>
+                      <a:blip r:embed="rId24">
+                        <a:extLst>
+                          <a:ext uri="{28A0092B-C50C-407E-A947-70E740481C1C}">
+                            <a14:useLocalDpi xmlns:a14="http://schemas.microsoft.com/office/drawing/2010/main" val="0"/>
+                          </a:ext>
+                        </a:extLst>
+                      </a:blip>
+                      <a:srcRect/>
+                      <a:stretch>
+                        <a:fillRect/>
+                      </a:stretch>
+                    </p:blipFill>
+                    <p:spPr bwMode="auto">
+                      <a:xfrm>
+                        <a:off x="5729469" y="906278"/>
+                        <a:ext cx="2212975" cy="215900"/>
+                      </a:xfrm>
+                      <a:prstGeom prst="rect">
+                        <a:avLst/>
+                      </a:prstGeom>
+                      <a:noFill/>
+                      <a:extLst>
+                        <a:ext uri="{909E8E84-426E-40DD-AFC4-6F175D3DCCD1}">
+                          <a14:hiddenFill xmlns:a14="http://schemas.microsoft.com/office/drawing/2010/main">
+                            <a:solidFill>
+                              <a:srgbClr val="FFFFFF"/>
+                            </a:solidFill>
+                          </a14:hiddenFill>
+                        </a:ext>
+                      </a:extLst>
+                    </p:spPr>
+                  </p:pic>
+                </p:oleObj>
+              </mc:Fallback>
+            </mc:AlternateContent>
           </a:graphicData>
         </a:graphic>
       </p:graphicFrame>
@@ -8683,7 +9263,7 @@
           <p:nvPr>
             <p:extLst>
               <p:ext uri="{D42A27DB-BD31-4B8C-83A1-F6EECF244321}">
-                <p14:modId xmlns:p14="http://schemas.microsoft.com/office/powerpoint/2010/main" xmlns="" val="301088973"/>
+                <p14:modId xmlns:p14="http://schemas.microsoft.com/office/powerpoint/2010/main" val="301088973"/>
               </p:ext>
             </p:extLst>
           </p:nvPr>
@@ -8694,9 +9274,59 @@
         </p:xfrm>
         <a:graphic>
           <a:graphicData uri="http://schemas.openxmlformats.org/presentationml/2006/ole">
-            <p:oleObj spid="_x0000_s53479" name="Формула" r:id="rId15" imgW="1002960" imgH="291960" progId="Equation.3">
-              <p:embed/>
-            </p:oleObj>
+            <mc:AlternateContent xmlns:mc="http://schemas.openxmlformats.org/markup-compatibility/2006">
+              <mc:Choice xmlns:v="urn:schemas-microsoft-com:vml" Requires="v">
+                <p:oleObj spid="_x0000_s53503" name="Формула" r:id="rId25" imgW="1002960" imgH="291960" progId="Equation.3">
+                  <p:embed/>
+                </p:oleObj>
+              </mc:Choice>
+              <mc:Fallback>
+                <p:oleObj name="Формула" r:id="rId25" imgW="1002960" imgH="291960" progId="Equation.3">
+                  <p:embed/>
+                  <p:pic>
+                    <p:nvPicPr>
+                      <p:cNvPr id="0" name="Picture 231"/>
+                      <p:cNvPicPr>
+                        <a:picLocks noChangeAspect="1" noChangeArrowheads="1"/>
+                      </p:cNvPicPr>
+                      <p:nvPr/>
+                    </p:nvPicPr>
+                    <p:blipFill>
+                      <a:blip r:embed="rId26">
+                        <a:extLst>
+                          <a:ext uri="{28A0092B-C50C-407E-A947-70E740481C1C}">
+                            <a14:useLocalDpi xmlns:a14="http://schemas.microsoft.com/office/drawing/2010/main" val="0"/>
+                          </a:ext>
+                        </a:extLst>
+                      </a:blip>
+                      <a:srcRect/>
+                      <a:stretch>
+                        <a:fillRect/>
+                      </a:stretch>
+                    </p:blipFill>
+                    <p:spPr bwMode="auto">
+                      <a:xfrm>
+                        <a:off x="327025" y="3065463"/>
+                        <a:ext cx="1003300" cy="292100"/>
+                      </a:xfrm>
+                      <a:prstGeom prst="rect">
+                        <a:avLst/>
+                      </a:prstGeom>
+                      <a:noFill/>
+                      <a:extLst>
+                        <a:ext uri="{909E8E84-426E-40DD-AFC4-6F175D3DCCD1}">
+                          <a14:hiddenFill xmlns:a14="http://schemas.microsoft.com/office/drawing/2010/main">
+                            <a:solidFill>
+                              <a:srgbClr val="FFFFFF"/>
+                            </a:solidFill>
+                          </a14:hiddenFill>
+                        </a:ext>
+                      </a:extLst>
+                    </p:spPr>
+                  </p:pic>
+                </p:oleObj>
+              </mc:Fallback>
+            </mc:AlternateContent>
           </a:graphicData>
         </a:graphic>
       </p:graphicFrame>
@@ -8798,38 +9428,6 @@
       </p:sp>
       <p:sp>
         <p:nvSpPr>
-          <p:cNvPr id="35" name="Прямоугольник 34"/>
-          <p:cNvSpPr/>
-          <p:nvPr/>
-        </p:nvSpPr>
-        <p:spPr>
-          <a:xfrm>
-            <a:off x="8693090" y="1508978"/>
-            <a:ext cx="403298" cy="307777"/>
-          </a:xfrm>
-          <a:prstGeom prst="rect">
-            <a:avLst/>
-          </a:prstGeom>
-        </p:spPr>
-        <p:txBody>
-          <a:bodyPr wrap="square">
-            <a:spAutoFit/>
-          </a:bodyPr>
-          <a:lstStyle/>
-          <a:p>
-            <a:pPr algn="just"/>
-            <a:r>
-              <a:rPr lang="ru-RU" dirty="0" smtClean="0">
-                <a:latin typeface="Times New Roman" panose="02020603050405020304" pitchFamily="18" charset="0"/>
-                <a:ea typeface="Times New Roman" panose="02020603050405020304" pitchFamily="18" charset="0"/>
-              </a:rPr>
-              <a:t>(5)</a:t>
-            </a:r>
-          </a:p>
-        </p:txBody>
-      </p:sp>
-      <p:sp>
-        <p:nvSpPr>
           <p:cNvPr id="36" name="Прямоугольник 35"/>
           <p:cNvSpPr/>
           <p:nvPr/>
@@ -8895,7 +9493,7 @@
     </p:spTree>
     <p:extLst>
       <p:ext uri="{BB962C8B-B14F-4D97-AF65-F5344CB8AC3E}">
-        <p14:creationId xmlns:p14="http://schemas.microsoft.com/office/powerpoint/2010/main" xmlns="" val="1330185328"/>
+        <p14:creationId xmlns:p14="http://schemas.microsoft.com/office/powerpoint/2010/main" val="1330185328"/>
       </p:ext>
     </p:extLst>
   </p:cSld>
@@ -9000,7 +9598,7 @@
           <p:cNvPr id="5" name="Прямоугольник 4">
             <a:extLst>
               <a:ext uri="{FF2B5EF4-FFF2-40B4-BE49-F238E27FC236}">
-                <a16:creationId xmlns="" xmlns:a16="http://schemas.microsoft.com/office/drawing/2014/main" id="{9E04601C-F75E-4D02-B7C1-8148ED14A96C}"/>
+                <a16:creationId xmlns:a16="http://schemas.microsoft.com/office/drawing/2014/main" xmlns="" id="{9E04601C-F75E-4D02-B7C1-8148ED14A96C}"/>
               </a:ext>
             </a:extLst>
           </p:cNvPr>
@@ -9299,7 +9897,7 @@
           </a:ln>
           <a:extLst>
             <a:ext uri="{909E8E84-426E-40DD-AFC4-6F175D3DCCD1}">
-              <a14:hiddenFill xmlns:a14="http://schemas.microsoft.com/office/drawing/2010/main" xmlns="">
+              <a14:hiddenFill xmlns:a14="http://schemas.microsoft.com/office/drawing/2010/main">
                 <a:noFill/>
               </a14:hiddenFill>
             </a:ext>
@@ -9633,7 +10231,7 @@
           </a:ln>
           <a:extLst>
             <a:ext uri="{909E8E84-426E-40DD-AFC4-6F175D3DCCD1}">
-              <a14:hiddenFill xmlns:a14="http://schemas.microsoft.com/office/drawing/2010/main" xmlns="">
+              <a14:hiddenFill xmlns:a14="http://schemas.microsoft.com/office/drawing/2010/main">
                 <a:noFill/>
               </a14:hiddenFill>
             </a:ext>
@@ -9677,14 +10275,14 @@
           </a:ln>
           <a:extLst>
             <a:ext uri="{909E8E84-426E-40DD-AFC4-6F175D3DCCD1}">
-              <a14:hiddenFill xmlns:a14="http://schemas.microsoft.com/office/drawing/2010/main" xmlns="">
+              <a14:hiddenFill xmlns:a14="http://schemas.microsoft.com/office/drawing/2010/main">
                 <a:solidFill>
                   <a:srgbClr val="FFFFFF"/>
                 </a:solidFill>
               </a14:hiddenFill>
             </a:ext>
             <a:ext uri="{91240B29-F687-4F45-9708-019B960494DF}">
-              <a14:hiddenLine xmlns:a14="http://schemas.microsoft.com/office/drawing/2010/main" xmlns="" w="9525">
+              <a14:hiddenLine xmlns:a14="http://schemas.microsoft.com/office/drawing/2010/main" w="9525">
                 <a:solidFill>
                   <a:srgbClr val="000000"/>
                 </a:solidFill>
@@ -9811,17 +10409,7 @@
                 <a:latin typeface="Times New Roman" panose="02020603050405020304" pitchFamily="18" charset="0"/>
                 <a:cs typeface="Times New Roman" panose="02020603050405020304" pitchFamily="18" charset="0"/>
               </a:rPr>
-              <a:t>Мансуров Р. Р. </a:t>
-            </a:r>
-            <a:r>
-              <a:rPr lang="ru-RU" sz="1100" dirty="0" smtClean="0">
-                <a:solidFill>
-                  <a:schemeClr val="tx1"/>
-                </a:solidFill>
-                <a:latin typeface="Times New Roman" panose="02020603050405020304" pitchFamily="18" charset="0"/>
-                <a:cs typeface="Times New Roman" panose="02020603050405020304" pitchFamily="18" charset="0"/>
-              </a:rPr>
-              <a:t>«Методы оптимизации и теория оптимального управления»</a:t>
+              <a:t>Мансуров Р. Р. «Методы оптимизации и теория оптимального управления»</a:t>
             </a:r>
             <a:endParaRPr lang="ru-RU" sz="1100" dirty="0">
               <a:solidFill>
@@ -10347,7 +10935,7 @@
           <p:nvPr>
             <p:extLst>
               <p:ext uri="{D42A27DB-BD31-4B8C-83A1-F6EECF244321}">
-                <p14:modId xmlns:p14="http://schemas.microsoft.com/office/powerpoint/2010/main" xmlns="" val="1623798456"/>
+                <p14:modId xmlns:p14="http://schemas.microsoft.com/office/powerpoint/2010/main" val="1623798456"/>
               </p:ext>
             </p:extLst>
           </p:nvPr>
@@ -10358,9 +10946,59 @@
         </p:xfrm>
         <a:graphic>
           <a:graphicData uri="http://schemas.openxmlformats.org/presentationml/2006/ole">
-            <p:oleObj spid="_x0000_s52296" name="Формула" r:id="rId3" imgW="1524000" imgH="254000" progId="Equation.3">
-              <p:embed/>
-            </p:oleObj>
+            <mc:AlternateContent xmlns:mc="http://schemas.openxmlformats.org/markup-compatibility/2006">
+              <mc:Choice xmlns:v="urn:schemas-microsoft-com:vml" Requires="v">
+                <p:oleObj spid="_x0000_s52314" name="Формула" r:id="rId3" imgW="1524000" imgH="254000" progId="Equation.3">
+                  <p:embed/>
+                </p:oleObj>
+              </mc:Choice>
+              <mc:Fallback>
+                <p:oleObj name="Формула" r:id="rId3" imgW="1524000" imgH="254000" progId="Equation.3">
+                  <p:embed/>
+                  <p:pic>
+                    <p:nvPicPr>
+                      <p:cNvPr id="0" name="Picture 72"/>
+                      <p:cNvPicPr>
+                        <a:picLocks noChangeAspect="1" noChangeArrowheads="1"/>
+                      </p:cNvPicPr>
+                      <p:nvPr/>
+                    </p:nvPicPr>
+                    <p:blipFill>
+                      <a:blip r:embed="rId4">
+                        <a:extLst>
+                          <a:ext uri="{28A0092B-C50C-407E-A947-70E740481C1C}">
+                            <a14:useLocalDpi xmlns:a14="http://schemas.microsoft.com/office/drawing/2010/main" val="0"/>
+                          </a:ext>
+                        </a:extLst>
+                      </a:blip>
+                      <a:srcRect/>
+                      <a:stretch>
+                        <a:fillRect/>
+                      </a:stretch>
+                    </p:blipFill>
+                    <p:spPr bwMode="auto">
+                      <a:xfrm>
+                        <a:off x="2654300" y="876300"/>
+                        <a:ext cx="1524000" cy="241300"/>
+                      </a:xfrm>
+                      <a:prstGeom prst="rect">
+                        <a:avLst/>
+                      </a:prstGeom>
+                      <a:noFill/>
+                      <a:extLst>
+                        <a:ext uri="{909E8E84-426E-40DD-AFC4-6F175D3DCCD1}">
+                          <a14:hiddenFill xmlns:a14="http://schemas.microsoft.com/office/drawing/2010/main">
+                            <a:solidFill>
+                              <a:srgbClr val="FFFFFF"/>
+                            </a:solidFill>
+                          </a14:hiddenFill>
+                        </a:ext>
+                      </a:extLst>
+                    </p:spPr>
+                  </p:pic>
+                </p:oleObj>
+              </mc:Fallback>
+            </mc:AlternateContent>
           </a:graphicData>
         </a:graphic>
       </p:graphicFrame>
@@ -10373,7 +11011,7 @@
           <p:nvPr>
             <p:extLst>
               <p:ext uri="{D42A27DB-BD31-4B8C-83A1-F6EECF244321}">
-                <p14:modId xmlns:p14="http://schemas.microsoft.com/office/powerpoint/2010/main" xmlns="" val="2946147925"/>
+                <p14:modId xmlns:p14="http://schemas.microsoft.com/office/powerpoint/2010/main" val="2946147925"/>
               </p:ext>
             </p:extLst>
           </p:nvPr>
@@ -10384,9 +11022,59 @@
         </p:xfrm>
         <a:graphic>
           <a:graphicData uri="http://schemas.openxmlformats.org/presentationml/2006/ole">
-            <p:oleObj spid="_x0000_s52297" name="Формула" r:id="rId4" imgW="228600" imgH="241300" progId="Equation.3">
-              <p:embed/>
-            </p:oleObj>
+            <mc:AlternateContent xmlns:mc="http://schemas.openxmlformats.org/markup-compatibility/2006">
+              <mc:Choice xmlns:v="urn:schemas-microsoft-com:vml" Requires="v">
+                <p:oleObj spid="_x0000_s52315" name="Формула" r:id="rId5" imgW="228600" imgH="241300" progId="Equation.3">
+                  <p:embed/>
+                </p:oleObj>
+              </mc:Choice>
+              <mc:Fallback>
+                <p:oleObj name="Формула" r:id="rId5" imgW="228600" imgH="241300" progId="Equation.3">
+                  <p:embed/>
+                  <p:pic>
+                    <p:nvPicPr>
+                      <p:cNvPr id="0" name="Picture 73"/>
+                      <p:cNvPicPr>
+                        <a:picLocks noChangeAspect="1" noChangeArrowheads="1"/>
+                      </p:cNvPicPr>
+                      <p:nvPr/>
+                    </p:nvPicPr>
+                    <p:blipFill>
+                      <a:blip r:embed="rId6">
+                        <a:extLst>
+                          <a:ext uri="{28A0092B-C50C-407E-A947-70E740481C1C}">
+                            <a14:useLocalDpi xmlns:a14="http://schemas.microsoft.com/office/drawing/2010/main" val="0"/>
+                          </a:ext>
+                        </a:extLst>
+                      </a:blip>
+                      <a:srcRect/>
+                      <a:stretch>
+                        <a:fillRect/>
+                      </a:stretch>
+                    </p:blipFill>
+                    <p:spPr bwMode="auto">
+                      <a:xfrm>
+                        <a:off x="1111807" y="1204486"/>
+                        <a:ext cx="238125" cy="238125"/>
+                      </a:xfrm>
+                      <a:prstGeom prst="rect">
+                        <a:avLst/>
+                      </a:prstGeom>
+                      <a:noFill/>
+                      <a:extLst>
+                        <a:ext uri="{909E8E84-426E-40DD-AFC4-6F175D3DCCD1}">
+                          <a14:hiddenFill xmlns:a14="http://schemas.microsoft.com/office/drawing/2010/main">
+                            <a:solidFill>
+                              <a:srgbClr val="FFFFFF"/>
+                            </a:solidFill>
+                          </a14:hiddenFill>
+                        </a:ext>
+                      </a:extLst>
+                    </p:spPr>
+                  </p:pic>
+                </p:oleObj>
+              </mc:Fallback>
+            </mc:AlternateContent>
           </a:graphicData>
         </a:graphic>
       </p:graphicFrame>
@@ -10399,7 +11087,7 @@
           <p:nvPr>
             <p:extLst>
               <p:ext uri="{D42A27DB-BD31-4B8C-83A1-F6EECF244321}">
-                <p14:modId xmlns:p14="http://schemas.microsoft.com/office/powerpoint/2010/main" xmlns="" val="1593305834"/>
+                <p14:modId xmlns:p14="http://schemas.microsoft.com/office/powerpoint/2010/main" val="1593305834"/>
               </p:ext>
             </p:extLst>
           </p:nvPr>
@@ -10410,9 +11098,59 @@
         </p:xfrm>
         <a:graphic>
           <a:graphicData uri="http://schemas.openxmlformats.org/presentationml/2006/ole">
-            <p:oleObj spid="_x0000_s52298" name="Формула" r:id="rId5" imgW="2425700" imgH="279400" progId="Equation.3">
-              <p:embed/>
-            </p:oleObj>
+            <mc:AlternateContent xmlns:mc="http://schemas.openxmlformats.org/markup-compatibility/2006">
+              <mc:Choice xmlns:v="urn:schemas-microsoft-com:vml" Requires="v">
+                <p:oleObj spid="_x0000_s52316" name="Формула" r:id="rId7" imgW="2425700" imgH="279400" progId="Equation.3">
+                  <p:embed/>
+                </p:oleObj>
+              </mc:Choice>
+              <mc:Fallback>
+                <p:oleObj name="Формула" r:id="rId7" imgW="2425700" imgH="279400" progId="Equation.3">
+                  <p:embed/>
+                  <p:pic>
+                    <p:nvPicPr>
+                      <p:cNvPr id="0" name="Picture 74"/>
+                      <p:cNvPicPr>
+                        <a:picLocks noChangeAspect="1" noChangeArrowheads="1"/>
+                      </p:cNvPicPr>
+                      <p:nvPr/>
+                    </p:nvPicPr>
+                    <p:blipFill>
+                      <a:blip r:embed="rId8">
+                        <a:extLst>
+                          <a:ext uri="{28A0092B-C50C-407E-A947-70E740481C1C}">
+                            <a14:useLocalDpi xmlns:a14="http://schemas.microsoft.com/office/drawing/2010/main" val="0"/>
+                          </a:ext>
+                        </a:extLst>
+                      </a:blip>
+                      <a:srcRect/>
+                      <a:stretch>
+                        <a:fillRect/>
+                      </a:stretch>
+                    </p:blipFill>
+                    <p:spPr bwMode="auto">
+                      <a:xfrm>
+                        <a:off x="1128710" y="1487061"/>
+                        <a:ext cx="2409825" cy="266700"/>
+                      </a:xfrm>
+                      <a:prstGeom prst="rect">
+                        <a:avLst/>
+                      </a:prstGeom>
+                      <a:noFill/>
+                      <a:extLst>
+                        <a:ext uri="{909E8E84-426E-40DD-AFC4-6F175D3DCCD1}">
+                          <a14:hiddenFill xmlns:a14="http://schemas.microsoft.com/office/drawing/2010/main">
+                            <a:solidFill>
+                              <a:srgbClr val="FFFFFF"/>
+                            </a:solidFill>
+                          </a14:hiddenFill>
+                        </a:ext>
+                      </a:extLst>
+                    </p:spPr>
+                  </p:pic>
+                </p:oleObj>
+              </mc:Fallback>
+            </mc:AlternateContent>
           </a:graphicData>
         </a:graphic>
       </p:graphicFrame>
@@ -10425,7 +11163,7 @@
           <p:nvPr>
             <p:extLst>
               <p:ext uri="{D42A27DB-BD31-4B8C-83A1-F6EECF244321}">
-                <p14:modId xmlns:p14="http://schemas.microsoft.com/office/powerpoint/2010/main" xmlns="" val="3552468921"/>
+                <p14:modId xmlns:p14="http://schemas.microsoft.com/office/powerpoint/2010/main" val="3552468921"/>
               </p:ext>
             </p:extLst>
           </p:nvPr>
@@ -10436,9 +11174,59 @@
         </p:xfrm>
         <a:graphic>
           <a:graphicData uri="http://schemas.openxmlformats.org/presentationml/2006/ole">
-            <p:oleObj spid="_x0000_s52299" name="Формула" r:id="rId6" imgW="2044700" imgH="254000" progId="Equation.3">
-              <p:embed/>
-            </p:oleObj>
+            <mc:AlternateContent xmlns:mc="http://schemas.openxmlformats.org/markup-compatibility/2006">
+              <mc:Choice xmlns:v="urn:schemas-microsoft-com:vml" Requires="v">
+                <p:oleObj spid="_x0000_s52317" name="Формула" r:id="rId9" imgW="2044700" imgH="254000" progId="Equation.3">
+                  <p:embed/>
+                </p:oleObj>
+              </mc:Choice>
+              <mc:Fallback>
+                <p:oleObj name="Формула" r:id="rId9" imgW="2044700" imgH="254000" progId="Equation.3">
+                  <p:embed/>
+                  <p:pic>
+                    <p:nvPicPr>
+                      <p:cNvPr id="0" name="Picture 75"/>
+                      <p:cNvPicPr>
+                        <a:picLocks noChangeAspect="1" noChangeArrowheads="1"/>
+                      </p:cNvPicPr>
+                      <p:nvPr/>
+                    </p:nvPicPr>
+                    <p:blipFill>
+                      <a:blip r:embed="rId10">
+                        <a:extLst>
+                          <a:ext uri="{28A0092B-C50C-407E-A947-70E740481C1C}">
+                            <a14:useLocalDpi xmlns:a14="http://schemas.microsoft.com/office/drawing/2010/main" val="0"/>
+                          </a:ext>
+                        </a:extLst>
+                      </a:blip>
+                      <a:srcRect/>
+                      <a:stretch>
+                        <a:fillRect/>
+                      </a:stretch>
+                    </p:blipFill>
+                    <p:spPr bwMode="auto">
+                      <a:xfrm>
+                        <a:off x="2638425" y="2187794"/>
+                        <a:ext cx="2047875" cy="242888"/>
+                      </a:xfrm>
+                      <a:prstGeom prst="rect">
+                        <a:avLst/>
+                      </a:prstGeom>
+                      <a:noFill/>
+                      <a:extLst>
+                        <a:ext uri="{909E8E84-426E-40DD-AFC4-6F175D3DCCD1}">
+                          <a14:hiddenFill xmlns:a14="http://schemas.microsoft.com/office/drawing/2010/main">
+                            <a:solidFill>
+                              <a:srgbClr val="FFFFFF"/>
+                            </a:solidFill>
+                          </a14:hiddenFill>
+                        </a:ext>
+                      </a:extLst>
+                    </p:spPr>
+                  </p:pic>
+                </p:oleObj>
+              </mc:Fallback>
+            </mc:AlternateContent>
           </a:graphicData>
         </a:graphic>
       </p:graphicFrame>
@@ -10451,7 +11239,7 @@
           <p:nvPr>
             <p:extLst>
               <p:ext uri="{D42A27DB-BD31-4B8C-83A1-F6EECF244321}">
-                <p14:modId xmlns:p14="http://schemas.microsoft.com/office/powerpoint/2010/main" xmlns="" val="662720993"/>
+                <p14:modId xmlns:p14="http://schemas.microsoft.com/office/powerpoint/2010/main" val="662720993"/>
               </p:ext>
             </p:extLst>
           </p:nvPr>
@@ -10462,9 +11250,59 @@
         </p:xfrm>
         <a:graphic>
           <a:graphicData uri="http://schemas.openxmlformats.org/presentationml/2006/ole">
-            <p:oleObj spid="_x0000_s52300" name="Формула" r:id="rId7" imgW="203024" imgH="215713" progId="Equation.3">
-              <p:embed/>
-            </p:oleObj>
+            <mc:AlternateContent xmlns:mc="http://schemas.openxmlformats.org/markup-compatibility/2006">
+              <mc:Choice xmlns:v="urn:schemas-microsoft-com:vml" Requires="v">
+                <p:oleObj spid="_x0000_s52318" name="Формула" r:id="rId11" imgW="203024" imgH="215713" progId="Equation.3">
+                  <p:embed/>
+                </p:oleObj>
+              </mc:Choice>
+              <mc:Fallback>
+                <p:oleObj name="Формула" r:id="rId11" imgW="203024" imgH="215713" progId="Equation.3">
+                  <p:embed/>
+                  <p:pic>
+                    <p:nvPicPr>
+                      <p:cNvPr id="0" name="Picture 76"/>
+                      <p:cNvPicPr>
+                        <a:picLocks noChangeAspect="1" noChangeArrowheads="1"/>
+                      </p:cNvPicPr>
+                      <p:nvPr/>
+                    </p:nvPicPr>
+                    <p:blipFill>
+                      <a:blip r:embed="rId12">
+                        <a:extLst>
+                          <a:ext uri="{28A0092B-C50C-407E-A947-70E740481C1C}">
+                            <a14:useLocalDpi xmlns:a14="http://schemas.microsoft.com/office/drawing/2010/main" val="0"/>
+                          </a:ext>
+                        </a:extLst>
+                      </a:blip>
+                      <a:srcRect/>
+                      <a:stretch>
+                        <a:fillRect/>
+                      </a:stretch>
+                    </p:blipFill>
+                    <p:spPr bwMode="auto">
+                      <a:xfrm>
+                        <a:off x="1139029" y="2503024"/>
+                        <a:ext cx="203200" cy="206375"/>
+                      </a:xfrm>
+                      <a:prstGeom prst="rect">
+                        <a:avLst/>
+                      </a:prstGeom>
+                      <a:noFill/>
+                      <a:extLst>
+                        <a:ext uri="{909E8E84-426E-40DD-AFC4-6F175D3DCCD1}">
+                          <a14:hiddenFill xmlns:a14="http://schemas.microsoft.com/office/drawing/2010/main">
+                            <a:solidFill>
+                              <a:srgbClr val="FFFFFF"/>
+                            </a:solidFill>
+                          </a14:hiddenFill>
+                        </a:ext>
+                      </a:extLst>
+                    </p:spPr>
+                  </p:pic>
+                </p:oleObj>
+              </mc:Fallback>
+            </mc:AlternateContent>
           </a:graphicData>
         </a:graphic>
       </p:graphicFrame>
@@ -10491,14 +11329,14 @@
           <a:effectLst/>
           <a:extLst>
             <a:ext uri="{909E8E84-426E-40DD-AFC4-6F175D3DCCD1}">
-              <a14:hiddenFill xmlns:a14="http://schemas.microsoft.com/office/drawing/2010/main" xmlns="">
+              <a14:hiddenFill xmlns:a14="http://schemas.microsoft.com/office/drawing/2010/main">
                 <a:solidFill>
                   <a:schemeClr val="accent1"/>
                 </a:solidFill>
               </a14:hiddenFill>
             </a:ext>
             <a:ext uri="{91240B29-F687-4F45-9708-019B960494DF}">
-              <a14:hiddenLine xmlns:a14="http://schemas.microsoft.com/office/drawing/2010/main" xmlns="" w="9525">
+              <a14:hiddenLine xmlns:a14="http://schemas.microsoft.com/office/drawing/2010/main" w="9525">
                 <a:solidFill>
                   <a:schemeClr val="tx1"/>
                 </a:solidFill>
@@ -10508,7 +11346,7 @@
               </a14:hiddenLine>
             </a:ext>
             <a:ext uri="{AF507438-7753-43E0-B8FC-AC1667EBCBE1}">
-              <a14:hiddenEffects xmlns:a14="http://schemas.microsoft.com/office/drawing/2010/main" xmlns="">
+              <a14:hiddenEffects xmlns:a14="http://schemas.microsoft.com/office/drawing/2010/main">
                 <a:effectLst>
                   <a:outerShdw dist="35921" dir="2700000" algn="ctr" rotWithShape="0">
                     <a:schemeClr val="bg2"/>
@@ -10540,7 +11378,7 @@
           <p:nvPr>
             <p:extLst>
               <p:ext uri="{D42A27DB-BD31-4B8C-83A1-F6EECF244321}">
-                <p14:modId xmlns:p14="http://schemas.microsoft.com/office/powerpoint/2010/main" xmlns="" val="1572600534"/>
+                <p14:modId xmlns:p14="http://schemas.microsoft.com/office/powerpoint/2010/main" val="1572600534"/>
               </p:ext>
             </p:extLst>
           </p:nvPr>
@@ -10551,9 +11389,59 @@
         </p:xfrm>
         <a:graphic>
           <a:graphicData uri="http://schemas.openxmlformats.org/presentationml/2006/ole">
-            <p:oleObj spid="_x0000_s52301" name="Формула" r:id="rId8" imgW="1930400" imgH="508000" progId="Equation.3">
-              <p:embed/>
-            </p:oleObj>
+            <mc:AlternateContent xmlns:mc="http://schemas.openxmlformats.org/markup-compatibility/2006">
+              <mc:Choice xmlns:v="urn:schemas-microsoft-com:vml" Requires="v">
+                <p:oleObj spid="_x0000_s52319" name="Формула" r:id="rId13" imgW="1930400" imgH="508000" progId="Equation.3">
+                  <p:embed/>
+                </p:oleObj>
+              </mc:Choice>
+              <mc:Fallback>
+                <p:oleObj name="Формула" r:id="rId13" imgW="1930400" imgH="508000" progId="Equation.3">
+                  <p:embed/>
+                  <p:pic>
+                    <p:nvPicPr>
+                      <p:cNvPr id="0" name="Picture 77"/>
+                      <p:cNvPicPr>
+                        <a:picLocks noChangeAspect="1" noChangeArrowheads="1"/>
+                      </p:cNvPicPr>
+                      <p:nvPr/>
+                    </p:nvPicPr>
+                    <p:blipFill>
+                      <a:blip r:embed="rId14">
+                        <a:extLst>
+                          <a:ext uri="{28A0092B-C50C-407E-A947-70E740481C1C}">
+                            <a14:useLocalDpi xmlns:a14="http://schemas.microsoft.com/office/drawing/2010/main" val="0"/>
+                          </a:ext>
+                        </a:extLst>
+                      </a:blip>
+                      <a:srcRect/>
+                      <a:stretch>
+                        <a:fillRect/>
+                      </a:stretch>
+                    </p:blipFill>
+                    <p:spPr bwMode="auto">
+                      <a:xfrm>
+                        <a:off x="2583417" y="3448560"/>
+                        <a:ext cx="1933575" cy="485775"/>
+                      </a:xfrm>
+                      <a:prstGeom prst="rect">
+                        <a:avLst/>
+                      </a:prstGeom>
+                      <a:noFill/>
+                      <a:extLst>
+                        <a:ext uri="{909E8E84-426E-40DD-AFC4-6F175D3DCCD1}">
+                          <a14:hiddenFill xmlns:a14="http://schemas.microsoft.com/office/drawing/2010/main">
+                            <a:solidFill>
+                              <a:srgbClr val="FFFFFF"/>
+                            </a:solidFill>
+                          </a14:hiddenFill>
+                        </a:ext>
+                      </a:extLst>
+                    </p:spPr>
+                  </p:pic>
+                </p:oleObj>
+              </mc:Fallback>
+            </mc:AlternateContent>
           </a:graphicData>
         </a:graphic>
       </p:graphicFrame>
@@ -10566,7 +11454,7 @@
           <p:nvPr>
             <p:extLst>
               <p:ext uri="{D42A27DB-BD31-4B8C-83A1-F6EECF244321}">
-                <p14:modId xmlns:p14="http://schemas.microsoft.com/office/powerpoint/2010/main" xmlns="" val="3075349577"/>
+                <p14:modId xmlns:p14="http://schemas.microsoft.com/office/powerpoint/2010/main" val="3075349577"/>
               </p:ext>
             </p:extLst>
           </p:nvPr>
@@ -10577,9 +11465,59 @@
         </p:xfrm>
         <a:graphic>
           <a:graphicData uri="http://schemas.openxmlformats.org/presentationml/2006/ole">
-            <p:oleObj spid="_x0000_s52302" name="Формула" r:id="rId9" imgW="215713" imgH="241091" progId="Equation.3">
-              <p:embed/>
-            </p:oleObj>
+            <mc:AlternateContent xmlns:mc="http://schemas.openxmlformats.org/markup-compatibility/2006">
+              <mc:Choice xmlns:v="urn:schemas-microsoft-com:vml" Requires="v">
+                <p:oleObj spid="_x0000_s52320" name="Формула" r:id="rId15" imgW="215713" imgH="241091" progId="Equation.3">
+                  <p:embed/>
+                </p:oleObj>
+              </mc:Choice>
+              <mc:Fallback>
+                <p:oleObj name="Формула" r:id="rId15" imgW="215713" imgH="241091" progId="Equation.3">
+                  <p:embed/>
+                  <p:pic>
+                    <p:nvPicPr>
+                      <p:cNvPr id="0" name="Picture 78"/>
+                      <p:cNvPicPr>
+                        <a:picLocks noChangeAspect="1" noChangeArrowheads="1"/>
+                      </p:cNvPicPr>
+                      <p:nvPr/>
+                    </p:nvPicPr>
+                    <p:blipFill>
+                      <a:blip r:embed="rId16">
+                        <a:extLst>
+                          <a:ext uri="{28A0092B-C50C-407E-A947-70E740481C1C}">
+                            <a14:useLocalDpi xmlns:a14="http://schemas.microsoft.com/office/drawing/2010/main" val="0"/>
+                          </a:ext>
+                        </a:extLst>
+                      </a:blip>
+                      <a:srcRect/>
+                      <a:stretch>
+                        <a:fillRect/>
+                      </a:stretch>
+                    </p:blipFill>
+                    <p:spPr bwMode="auto">
+                      <a:xfrm>
+                        <a:off x="1111807" y="4460957"/>
+                        <a:ext cx="223838" cy="238125"/>
+                      </a:xfrm>
+                      <a:prstGeom prst="rect">
+                        <a:avLst/>
+                      </a:prstGeom>
+                      <a:noFill/>
+                      <a:extLst>
+                        <a:ext uri="{909E8E84-426E-40DD-AFC4-6F175D3DCCD1}">
+                          <a14:hiddenFill xmlns:a14="http://schemas.microsoft.com/office/drawing/2010/main">
+                            <a:solidFill>
+                              <a:srgbClr val="FFFFFF"/>
+                            </a:solidFill>
+                          </a14:hiddenFill>
+                        </a:ext>
+                      </a:extLst>
+                    </p:spPr>
+                  </p:pic>
+                </p:oleObj>
+              </mc:Fallback>
+            </mc:AlternateContent>
           </a:graphicData>
         </a:graphic>
       </p:graphicFrame>
@@ -10592,7 +11530,7 @@
           <p:nvPr>
             <p:extLst>
               <p:ext uri="{D42A27DB-BD31-4B8C-83A1-F6EECF244321}">
-                <p14:modId xmlns:p14="http://schemas.microsoft.com/office/powerpoint/2010/main" xmlns="" val="270792018"/>
+                <p14:modId xmlns:p14="http://schemas.microsoft.com/office/powerpoint/2010/main" val="270792018"/>
               </p:ext>
             </p:extLst>
           </p:nvPr>
@@ -10603,9 +11541,59 @@
         </p:xfrm>
         <a:graphic>
           <a:graphicData uri="http://schemas.openxmlformats.org/presentationml/2006/ole">
-            <p:oleObj spid="_x0000_s52303" name="Формула" r:id="rId10" imgW="508000" imgH="241300" progId="Equation.3">
-              <p:embed/>
-            </p:oleObj>
+            <mc:AlternateContent xmlns:mc="http://schemas.openxmlformats.org/markup-compatibility/2006">
+              <mc:Choice xmlns:v="urn:schemas-microsoft-com:vml" Requires="v">
+                <p:oleObj spid="_x0000_s52321" name="Формула" r:id="rId17" imgW="508000" imgH="241300" progId="Equation.3">
+                  <p:embed/>
+                </p:oleObj>
+              </mc:Choice>
+              <mc:Fallback>
+                <p:oleObj name="Формула" r:id="rId17" imgW="508000" imgH="241300" progId="Equation.3">
+                  <p:embed/>
+                  <p:pic>
+                    <p:nvPicPr>
+                      <p:cNvPr id="0" name="Picture 79"/>
+                      <p:cNvPicPr>
+                        <a:picLocks noChangeAspect="1" noChangeArrowheads="1"/>
+                      </p:cNvPicPr>
+                      <p:nvPr/>
+                    </p:nvPicPr>
+                    <p:blipFill>
+                      <a:blip r:embed="rId18">
+                        <a:extLst>
+                          <a:ext uri="{28A0092B-C50C-407E-A947-70E740481C1C}">
+                            <a14:useLocalDpi xmlns:a14="http://schemas.microsoft.com/office/drawing/2010/main" val="0"/>
+                          </a:ext>
+                        </a:extLst>
+                      </a:blip>
+                      <a:srcRect/>
+                      <a:stretch>
+                        <a:fillRect/>
+                      </a:stretch>
+                    </p:blipFill>
+                    <p:spPr bwMode="auto">
+                      <a:xfrm>
+                        <a:off x="3351125" y="4430858"/>
+                        <a:ext cx="533400" cy="238125"/>
+                      </a:xfrm>
+                      <a:prstGeom prst="rect">
+                        <a:avLst/>
+                      </a:prstGeom>
+                      <a:noFill/>
+                      <a:extLst>
+                        <a:ext uri="{909E8E84-426E-40DD-AFC4-6F175D3DCCD1}">
+                          <a14:hiddenFill xmlns:a14="http://schemas.microsoft.com/office/drawing/2010/main">
+                            <a:solidFill>
+                              <a:srgbClr val="FFFFFF"/>
+                            </a:solidFill>
+                          </a14:hiddenFill>
+                        </a:ext>
+                      </a:extLst>
+                    </p:spPr>
+                  </p:pic>
+                </p:oleObj>
+              </mc:Fallback>
+            </mc:AlternateContent>
           </a:graphicData>
         </a:graphic>
       </p:graphicFrame>
@@ -10618,7 +11606,7 @@
           <p:nvPr>
             <p:extLst>
               <p:ext uri="{D42A27DB-BD31-4B8C-83A1-F6EECF244321}">
-                <p14:modId xmlns:p14="http://schemas.microsoft.com/office/powerpoint/2010/main" xmlns="" val="3050927479"/>
+                <p14:modId xmlns:p14="http://schemas.microsoft.com/office/powerpoint/2010/main" val="3050927479"/>
               </p:ext>
             </p:extLst>
           </p:nvPr>
@@ -10629,16 +11617,66 @@
         </p:xfrm>
         <a:graphic>
           <a:graphicData uri="http://schemas.openxmlformats.org/presentationml/2006/ole">
-            <p:oleObj spid="_x0000_s52304" name="Формула" r:id="rId11" imgW="1016000" imgH="241300" progId="Equation.3">
-              <p:embed/>
-            </p:oleObj>
+            <mc:AlternateContent xmlns:mc="http://schemas.openxmlformats.org/markup-compatibility/2006">
+              <mc:Choice xmlns:v="urn:schemas-microsoft-com:vml" Requires="v">
+                <p:oleObj spid="_x0000_s52322" name="Формула" r:id="rId19" imgW="1016000" imgH="241300" progId="Equation.3">
+                  <p:embed/>
+                </p:oleObj>
+              </mc:Choice>
+              <mc:Fallback>
+                <p:oleObj name="Формула" r:id="rId19" imgW="1016000" imgH="241300" progId="Equation.3">
+                  <p:embed/>
+                  <p:pic>
+                    <p:nvPicPr>
+                      <p:cNvPr id="0" name="Picture 80"/>
+                      <p:cNvPicPr>
+                        <a:picLocks noChangeAspect="1" noChangeArrowheads="1"/>
+                      </p:cNvPicPr>
+                      <p:nvPr/>
+                    </p:nvPicPr>
+                    <p:blipFill>
+                      <a:blip r:embed="rId20">
+                        <a:extLst>
+                          <a:ext uri="{28A0092B-C50C-407E-A947-70E740481C1C}">
+                            <a14:useLocalDpi xmlns:a14="http://schemas.microsoft.com/office/drawing/2010/main" val="0"/>
+                          </a:ext>
+                        </a:extLst>
+                      </a:blip>
+                      <a:srcRect/>
+                      <a:stretch>
+                        <a:fillRect/>
+                      </a:stretch>
+                    </p:blipFill>
+                    <p:spPr bwMode="auto">
+                      <a:xfrm>
+                        <a:off x="1230488" y="3891723"/>
+                        <a:ext cx="1038225" cy="238125"/>
+                      </a:xfrm>
+                      <a:prstGeom prst="rect">
+                        <a:avLst/>
+                      </a:prstGeom>
+                      <a:noFill/>
+                      <a:extLst>
+                        <a:ext uri="{909E8E84-426E-40DD-AFC4-6F175D3DCCD1}">
+                          <a14:hiddenFill xmlns:a14="http://schemas.microsoft.com/office/drawing/2010/main">
+                            <a:solidFill>
+                              <a:srgbClr val="FFFFFF"/>
+                            </a:solidFill>
+                          </a14:hiddenFill>
+                        </a:ext>
+                      </a:extLst>
+                    </p:spPr>
+                  </p:pic>
+                </p:oleObj>
+              </mc:Fallback>
+            </mc:AlternateContent>
           </a:graphicData>
         </a:graphic>
       </p:graphicFrame>
     </p:spTree>
     <p:extLst>
       <p:ext uri="{BB962C8B-B14F-4D97-AF65-F5344CB8AC3E}">
-        <p14:creationId xmlns:p14="http://schemas.microsoft.com/office/powerpoint/2010/main" xmlns="" val="867806306"/>
+        <p14:creationId xmlns:p14="http://schemas.microsoft.com/office/powerpoint/2010/main" val="867806306"/>
       </p:ext>
     </p:extLst>
   </p:cSld>
@@ -10910,7 +11948,7 @@
   <a:extraClrSchemeLst/>
   <a:extLst>
     <a:ext uri="{05A4C25C-085E-4340-85A3-A5531E510DB2}">
-      <thm15:themeFamily xmlns:thm15="http://schemas.microsoft.com/office/thememl/2012/main" xmlns="" name="Office Theme" id="{62F939B6-93AF-4DB8-9C6B-D6C7DFDC589F}" vid="{4A3C46E8-61CC-4603-A589-7422A47A8E4A}"/>
+      <thm15:themeFamily xmlns:thm15="http://schemas.microsoft.com/office/thememl/2012/main" name="Office Theme" id="{62F939B6-93AF-4DB8-9C6B-D6C7DFDC589F}" vid="{4A3C46E8-61CC-4603-A589-7422A47A8E4A}"/>
     </a:ext>
   </a:extLst>
 </a:theme>
@@ -11171,7 +12209,7 @@
   <a:extraClrSchemeLst/>
   <a:extLst>
     <a:ext uri="{05A4C25C-085E-4340-85A3-A5531E510DB2}">
-      <thm15:themeFamily xmlns:thm15="http://schemas.microsoft.com/office/thememl/2012/main" xmlns="" name="Office Theme" id="{62F939B6-93AF-4DB8-9C6B-D6C7DFDC589F}" vid="{4A3C46E8-61CC-4603-A589-7422A47A8E4A}"/>
+      <thm15:themeFamily xmlns:thm15="http://schemas.microsoft.com/office/thememl/2012/main" name="Office Theme" id="{62F939B6-93AF-4DB8-9C6B-D6C7DFDC589F}" vid="{4A3C46E8-61CC-4603-A589-7422A47A8E4A}"/>
     </a:ext>
   </a:extLst>
 </a:theme>

--- a/Домашнее задание Мансуров.pptx
+++ b/Домашнее задание Мансуров.pptx
@@ -5,15 +5,14 @@
     <p:sldMasterId id="2147483648" r:id="rId1"/>
   </p:sldMasterIdLst>
   <p:notesMasterIdLst>
-    <p:notesMasterId r:id="rId8"/>
+    <p:notesMasterId r:id="rId7"/>
   </p:notesMasterIdLst>
   <p:sldIdLst>
     <p:sldId id="306" r:id="rId2"/>
     <p:sldId id="264" r:id="rId3"/>
     <p:sldId id="311" r:id="rId4"/>
     <p:sldId id="308" r:id="rId5"/>
-    <p:sldId id="312" r:id="rId6"/>
-    <p:sldId id="309" r:id="rId7"/>
+    <p:sldId id="309" r:id="rId6"/>
   </p:sldIdLst>
   <p:sldSz cx="9144000" cy="5143500" type="screen16x9"/>
   <p:notesSz cx="6858000" cy="9144000"/>
@@ -3585,7 +3584,7 @@
           <p:cNvPr id="6" name="Заголовок 16">
             <a:extLst>
               <a:ext uri="{FF2B5EF4-FFF2-40B4-BE49-F238E27FC236}">
-                <a16:creationId xmlns:a16="http://schemas.microsoft.com/office/drawing/2014/main" xmlns="" id="{85FFDCB6-DCBF-4F9C-90C4-2AB70E81D8A0}"/>
+                <a16:creationId xmlns:a16="http://schemas.microsoft.com/office/drawing/2014/main" id="{85FFDCB6-DCBF-4F9C-90C4-2AB70E81D8A0}"/>
               </a:ext>
             </a:extLst>
           </p:cNvPr>
@@ -3651,7 +3650,7 @@
           <p:cNvPr id="9" name="TextBox 8">
             <a:extLst>
               <a:ext uri="{FF2B5EF4-FFF2-40B4-BE49-F238E27FC236}">
-                <a16:creationId xmlns:a16="http://schemas.microsoft.com/office/drawing/2014/main" xmlns="" id="{769CF103-AC91-48FF-AA34-D8B9DB5E2763}"/>
+                <a16:creationId xmlns:a16="http://schemas.microsoft.com/office/drawing/2014/main" id="{769CF103-AC91-48FF-AA34-D8B9DB5E2763}"/>
               </a:ext>
             </a:extLst>
           </p:cNvPr>
@@ -3779,7 +3778,7 @@
           <p:cNvPr id="12" name="TextBox 11">
             <a:extLst>
               <a:ext uri="{FF2B5EF4-FFF2-40B4-BE49-F238E27FC236}">
-                <a16:creationId xmlns:a16="http://schemas.microsoft.com/office/drawing/2014/main" xmlns="" id="{769CF103-AC91-48FF-AA34-D8B9DB5E2763}"/>
+                <a16:creationId xmlns:a16="http://schemas.microsoft.com/office/drawing/2014/main" id="{769CF103-AC91-48FF-AA34-D8B9DB5E2763}"/>
               </a:ext>
             </a:extLst>
           </p:cNvPr>
@@ -3890,7 +3889,7 @@
           <p:cNvPr id="7" name="Заголовок 16">
             <a:extLst>
               <a:ext uri="{FF2B5EF4-FFF2-40B4-BE49-F238E27FC236}">
-                <a16:creationId xmlns:a16="http://schemas.microsoft.com/office/drawing/2014/main" xmlns="" id="{00B113A3-4A38-44F4-8FDE-3CF2561C426F}"/>
+                <a16:creationId xmlns:a16="http://schemas.microsoft.com/office/drawing/2014/main" id="{00B113A3-4A38-44F4-8FDE-3CF2561C426F}"/>
               </a:ext>
             </a:extLst>
           </p:cNvPr>
@@ -5088,7 +5087,7 @@
           <a:graphicData uri="http://schemas.openxmlformats.org/presentationml/2006/ole">
             <mc:AlternateContent xmlns:mc="http://schemas.openxmlformats.org/markup-compatibility/2006">
               <mc:Choice xmlns:v="urn:schemas-microsoft-com:vml" Requires="v">
-                <p:oleObj spid="_x0000_s57354" name="Picture" r:id="rId3" imgW="6301080" imgH="1961640" progId="Word.Picture.8">
+                <p:oleObj spid="_x0000_s57356" name="Picture" r:id="rId3" imgW="6301080" imgH="1961640" progId="Word.Picture.8">
                   <p:embed/>
                 </p:oleObj>
               </mc:Choice>
@@ -6067,7 +6066,7 @@
           <a:graphicData uri="http://schemas.openxmlformats.org/presentationml/2006/ole">
             <mc:AlternateContent xmlns:mc="http://schemas.openxmlformats.org/markup-compatibility/2006">
               <mc:Choice xmlns:v="urn:schemas-microsoft-com:vml" Requires="v">
-                <p:oleObj spid="_x0000_s55340" name="Формула" r:id="rId3" imgW="3352680" imgH="1206360" progId="Equation.3">
+                <p:oleObj spid="_x0000_s55343" name="Формула" r:id="rId3" imgW="3352680" imgH="1206360" progId="Equation.3">
                   <p:embed/>
                 </p:oleObj>
               </mc:Choice>
@@ -6162,19 +6161,8 @@
                 <a:latin typeface="Times New Roman" panose="02020603050405020304" pitchFamily="18" charset="0"/>
                 <a:ea typeface="Times New Roman" panose="02020603050405020304" pitchFamily="18" charset="0"/>
               </a:rPr>
-              <a:t>, как устроен </a:t>
-            </a:r>
-            <a:r>
-              <a:rPr lang="ru-RU" dirty="0" smtClean="0">
-                <a:latin typeface="Times New Roman" panose="02020603050405020304" pitchFamily="18" charset="0"/>
-                <a:ea typeface="Times New Roman" panose="02020603050405020304" pitchFamily="18" charset="0"/>
-              </a:rPr>
-              <a:t>объект, система:</a:t>
-            </a:r>
-            <a:endParaRPr lang="ru-RU" dirty="0" smtClean="0">
-              <a:latin typeface="Times New Roman" panose="02020603050405020304" pitchFamily="18" charset="0"/>
-              <a:ea typeface="Times New Roman" panose="02020603050405020304" pitchFamily="18" charset="0"/>
-            </a:endParaRPr>
+              <a:t>, как устроен объект, система:</a:t>
+            </a:r>
           </a:p>
           <a:p>
             <a:pPr algn="just"/>
@@ -6264,19 +6252,8 @@
                 <a:latin typeface="Times New Roman" panose="02020603050405020304" pitchFamily="18" charset="0"/>
                 <a:ea typeface="Times New Roman" panose="02020603050405020304" pitchFamily="18" charset="0"/>
               </a:rPr>
-              <a:t>При решении задачи увеличения дальности определяются оптимальные </a:t>
-            </a:r>
-            <a:r>
-              <a:rPr lang="ru-RU" dirty="0" smtClean="0">
-                <a:latin typeface="Times New Roman" panose="02020603050405020304" pitchFamily="18" charset="0"/>
-                <a:ea typeface="Times New Roman" panose="02020603050405020304" pitchFamily="18" charset="0"/>
-              </a:rPr>
-              <a:t>баллистические параметры выстрела.</a:t>
-            </a:r>
-            <a:endParaRPr lang="ru-RU" dirty="0" smtClean="0">
-              <a:latin typeface="Times New Roman" panose="02020603050405020304" pitchFamily="18" charset="0"/>
-              <a:ea typeface="Times New Roman" panose="02020603050405020304" pitchFamily="18" charset="0"/>
-            </a:endParaRPr>
+              <a:t>При решении задачи увеличения дальности определяются оптимальные баллистические параметры выстрела.</a:t>
+            </a:r>
           </a:p>
         </p:txBody>
       </p:sp>
@@ -6338,19 +6315,8 @@
                 <a:latin typeface="Times New Roman" panose="02020603050405020304" pitchFamily="18" charset="0"/>
                 <a:ea typeface="Times New Roman" panose="02020603050405020304" pitchFamily="18" charset="0"/>
               </a:rPr>
-              <a:t>Возможность управлять снарядом выражается через влияние начальных заданных параметров </a:t>
-            </a:r>
-            <a:r>
-              <a:rPr lang="ru-RU" dirty="0" smtClean="0">
-                <a:latin typeface="Times New Roman" panose="02020603050405020304" pitchFamily="18" charset="0"/>
-                <a:ea typeface="Times New Roman" panose="02020603050405020304" pitchFamily="18" charset="0"/>
-              </a:rPr>
-              <a:t>на устойчивость движения, дальность и точность стрельбы.</a:t>
-            </a:r>
-            <a:endParaRPr lang="ru-RU" dirty="0" smtClean="0">
-              <a:latin typeface="Times New Roman" panose="02020603050405020304" pitchFamily="18" charset="0"/>
-              <a:ea typeface="Times New Roman" panose="02020603050405020304" pitchFamily="18" charset="0"/>
-            </a:endParaRPr>
+              <a:t>Возможность управлять снарядом выражается через влияние начальных заданных параметров на устойчивость движения, дальность и точность стрельбы.</a:t>
+            </a:r>
           </a:p>
         </p:txBody>
       </p:sp>
@@ -6412,14 +6378,7 @@
                 <a:latin typeface="Times New Roman" panose="02020603050405020304" pitchFamily="18" charset="0"/>
                 <a:ea typeface="Times New Roman" panose="02020603050405020304" pitchFamily="18" charset="0"/>
               </a:rPr>
-              <a:t>Прогнозирование </a:t>
-            </a:r>
-            <a:r>
-              <a:rPr lang="ru-RU" dirty="0" smtClean="0">
-                <a:latin typeface="Times New Roman" panose="02020603050405020304" pitchFamily="18" charset="0"/>
-                <a:ea typeface="Times New Roman" panose="02020603050405020304" pitchFamily="18" charset="0"/>
-              </a:rPr>
-              <a:t>влияния внешних факторов на точность попадания снаряда в заданную цель.</a:t>
+              <a:t>Прогнозирование влияния внешних факторов на точность попадания снаряда в заданную цель.</a:t>
             </a:r>
             <a:endParaRPr lang="ru-RU" dirty="0">
               <a:latin typeface="Times New Roman" panose="02020603050405020304" pitchFamily="18" charset="0"/>
@@ -7257,7 +7216,7 @@
           <a:graphicData uri="http://schemas.openxmlformats.org/presentationml/2006/ole">
             <mc:AlternateContent xmlns:mc="http://schemas.openxmlformats.org/markup-compatibility/2006">
               <mc:Choice xmlns:v="urn:schemas-microsoft-com:vml" Requires="v">
-                <p:oleObj spid="_x0000_s53492" name="Формула" r:id="rId3" imgW="1396800" imgH="241200" progId="Equation.3">
+                <p:oleObj spid="_x0000_s53532" name="Формула" r:id="rId3" imgW="1396800" imgH="241200" progId="Equation.3">
                   <p:embed/>
                 </p:oleObj>
               </mc:Choice>
@@ -7333,7 +7292,7 @@
           <a:graphicData uri="http://schemas.openxmlformats.org/presentationml/2006/ole">
             <mc:AlternateContent xmlns:mc="http://schemas.openxmlformats.org/markup-compatibility/2006">
               <mc:Choice xmlns:v="urn:schemas-microsoft-com:vml" Requires="v">
-                <p:oleObj spid="_x0000_s53493" name="Формула" r:id="rId5" imgW="1600200" imgH="253800" progId="Equation.3">
+                <p:oleObj spid="_x0000_s53533" name="Формула" r:id="rId5" imgW="1600200" imgH="253800" progId="Equation.3">
                   <p:embed/>
                 </p:oleObj>
               </mc:Choice>
@@ -7647,7 +7606,7 @@
       </p:sp>
       <p:sp>
         <p:nvSpPr>
-          <p:cNvPr id="19" name="Rectangle 5"/>
+          <p:cNvPr id="20" name="Rectangle 5"/>
           <p:cNvSpPr>
             <a:spLocks noChangeArrowheads="1"/>
           </p:cNvSpPr>
@@ -7655,8 +7614,8 @@
         </p:nvSpPr>
         <p:spPr bwMode="auto">
           <a:xfrm>
-            <a:off x="553752" y="4214827"/>
-            <a:ext cx="1669676" cy="307777"/>
+            <a:off x="50491" y="2444526"/>
+            <a:ext cx="4214284" cy="523220"/>
           </a:xfrm>
           <a:prstGeom prst="rect">
             <a:avLst/>
@@ -7721,102 +7680,6 @@
               <a:tabLst/>
             </a:pPr>
             <a:r>
-              <a:rPr lang="ru-RU" altLang="ru-RU" dirty="0" smtClean="0">
-                <a:latin typeface="Times New Roman" panose="02020603050405020304" pitchFamily="18" charset="0"/>
-                <a:cs typeface="Times New Roman" panose="02020603050405020304" pitchFamily="18" charset="0"/>
-              </a:rPr>
-              <a:t>ЗАМЕНИТЬ</a:t>
-            </a:r>
-            <a:endParaRPr kumimoji="0" lang="ru-RU" altLang="ru-RU" b="0" i="0" u="none" strike="noStrike" cap="none" normalizeH="0" baseline="0" dirty="0" smtClean="0">
-              <a:ln>
-                <a:noFill/>
-              </a:ln>
-              <a:solidFill>
-                <a:schemeClr val="tx1"/>
-              </a:solidFill>
-              <a:effectLst/>
-              <a:latin typeface="Times New Roman" panose="02020603050405020304" pitchFamily="18" charset="0"/>
-              <a:cs typeface="Times New Roman" panose="02020603050405020304" pitchFamily="18" charset="0"/>
-            </a:endParaRPr>
-          </a:p>
-        </p:txBody>
-      </p:sp>
-      <p:sp>
-        <p:nvSpPr>
-          <p:cNvPr id="20" name="Rectangle 5"/>
-          <p:cNvSpPr>
-            <a:spLocks noChangeArrowheads="1"/>
-          </p:cNvSpPr>
-          <p:nvPr/>
-        </p:nvSpPr>
-        <p:spPr bwMode="auto">
-          <a:xfrm>
-            <a:off x="50491" y="2444526"/>
-            <a:ext cx="4214284" cy="523220"/>
-          </a:xfrm>
-          <a:prstGeom prst="rect">
-            <a:avLst/>
-          </a:prstGeom>
-          <a:noFill/>
-          <a:ln>
-            <a:noFill/>
-          </a:ln>
-          <a:effectLst/>
-          <a:extLst>
-            <a:ext uri="{909E8E84-426E-40DD-AFC4-6F175D3DCCD1}">
-              <a14:hiddenFill xmlns:a14="http://schemas.microsoft.com/office/drawing/2010/main">
-                <a:solidFill>
-                  <a:schemeClr val="accent1"/>
-                </a:solidFill>
-              </a14:hiddenFill>
-            </a:ext>
-            <a:ext uri="{91240B29-F687-4F45-9708-019B960494DF}">
-              <a14:hiddenLine xmlns:a14="http://schemas.microsoft.com/office/drawing/2010/main" w="9525">
-                <a:solidFill>
-                  <a:schemeClr val="tx1"/>
-                </a:solidFill>
-                <a:miter lim="800000"/>
-                <a:headEnd/>
-                <a:tailEnd/>
-              </a14:hiddenLine>
-            </a:ext>
-            <a:ext uri="{AF507438-7753-43E0-B8FC-AC1667EBCBE1}">
-              <a14:hiddenEffects xmlns:a14="http://schemas.microsoft.com/office/drawing/2010/main">
-                <a:effectLst>
-                  <a:outerShdw dist="35921" dir="2700000" algn="ctr" rotWithShape="0">
-                    <a:schemeClr val="bg2"/>
-                  </a:outerShdw>
-                </a:effectLst>
-              </a14:hiddenEffects>
-            </a:ext>
-          </a:extLst>
-        </p:spPr>
-        <p:txBody>
-          <a:bodyPr vert="horz" wrap="square" lIns="91440" tIns="45720" rIns="91440" bIns="45720" numCol="1" anchor="ctr" anchorCtr="0" compatLnSpc="1">
-            <a:prstTxWarp prst="textNoShape">
-              <a:avLst/>
-            </a:prstTxWarp>
-            <a:spAutoFit/>
-          </a:bodyPr>
-          <a:lstStyle/>
-          <a:p>
-            <a:pPr marL="0" marR="0" lvl="0" indent="342900" algn="just" defTabSz="914400" rtl="0" eaLnBrk="0" fontAlgn="base" latinLnBrk="0" hangingPunct="0">
-              <a:lnSpc>
-                <a:spcPct val="100000"/>
-              </a:lnSpc>
-              <a:spcBef>
-                <a:spcPct val="0"/>
-              </a:spcBef>
-              <a:spcAft>
-                <a:spcPct val="0"/>
-              </a:spcAft>
-              <a:buClrTx/>
-              <a:buSzTx/>
-              <a:buFontTx/>
-              <a:buNone/>
-              <a:tabLst/>
-            </a:pPr>
-            <a:r>
               <a:rPr kumimoji="0" lang="ru-RU" altLang="ru-RU" b="0" i="0" u="none" strike="noStrike" cap="none" normalizeH="0" baseline="0" dirty="0" smtClean="0">
                 <a:ln>
                   <a:noFill/>
@@ -7908,7 +7771,7 @@
           <a:graphicData uri="http://schemas.openxmlformats.org/presentationml/2006/ole">
             <mc:AlternateContent xmlns:mc="http://schemas.openxmlformats.org/markup-compatibility/2006">
               <mc:Choice xmlns:v="urn:schemas-microsoft-com:vml" Requires="v">
-                <p:oleObj spid="_x0000_s53494" name="Формула" r:id="rId7" imgW="1460160" imgH="291960" progId="Equation.3">
+                <p:oleObj spid="_x0000_s53534" name="Формула" r:id="rId7" imgW="1460160" imgH="291960" progId="Equation.3">
                   <p:embed/>
                 </p:oleObj>
               </mc:Choice>
@@ -7984,7 +7847,7 @@
           <a:graphicData uri="http://schemas.openxmlformats.org/presentationml/2006/ole">
             <mc:AlternateContent xmlns:mc="http://schemas.openxmlformats.org/markup-compatibility/2006">
               <mc:Choice xmlns:v="urn:schemas-microsoft-com:vml" Requires="v">
-                <p:oleObj spid="_x0000_s53495" name="Формула" r:id="rId9" imgW="939600" imgH="291960" progId="Equation.3">
+                <p:oleObj spid="_x0000_s53535" name="Формула" r:id="rId9" imgW="939600" imgH="291960" progId="Equation.3">
                   <p:embed/>
                 </p:oleObj>
               </mc:Choice>
@@ -8214,7 +8077,7 @@
         </p:nvSpPr>
         <p:spPr>
           <a:xfrm>
-            <a:off x="4577868" y="1942495"/>
+            <a:off x="4577868" y="492943"/>
             <a:ext cx="4433263" cy="738664"/>
           </a:xfrm>
           <a:prstGeom prst="rect">
@@ -8285,20 +8148,20 @@
           <p:nvPr>
             <p:extLst>
               <p:ext uri="{D42A27DB-BD31-4B8C-83A1-F6EECF244321}">
-                <p14:modId xmlns:p14="http://schemas.microsoft.com/office/powerpoint/2010/main" val="3842483258"/>
+                <p14:modId xmlns:p14="http://schemas.microsoft.com/office/powerpoint/2010/main" val="747572936"/>
               </p:ext>
             </p:extLst>
           </p:nvPr>
         </p:nvGraphicFramePr>
         <p:xfrm>
-          <a:off x="5864225" y="2674938"/>
+          <a:off x="5864225" y="1225386"/>
           <a:ext cx="1644650" cy="242887"/>
         </p:xfrm>
         <a:graphic>
           <a:graphicData uri="http://schemas.openxmlformats.org/presentationml/2006/ole">
             <mc:AlternateContent xmlns:mc="http://schemas.openxmlformats.org/markup-compatibility/2006">
               <mc:Choice xmlns:v="urn:schemas-microsoft-com:vml" Requires="v">
-                <p:oleObj spid="_x0000_s53496" name="Формула" r:id="rId11" imgW="1815840" imgH="253800" progId="Equation.3">
+                <p:oleObj spid="_x0000_s53536" name="Формула" r:id="rId11" imgW="1815840" imgH="253800" progId="Equation.3">
                   <p:embed/>
                 </p:oleObj>
               </mc:Choice>
@@ -8322,7 +8185,7 @@
                     </p:blipFill>
                     <p:spPr bwMode="auto">
                       <a:xfrm>
-                        <a:off x="5864225" y="2674938"/>
+                        <a:off x="5864225" y="1225386"/>
                         <a:ext cx="1644650" cy="242887"/>
                       </a:xfrm>
                       <a:prstGeom prst="rect">
@@ -8356,7 +8219,7 @@
         </p:nvSpPr>
         <p:spPr bwMode="auto">
           <a:xfrm>
-            <a:off x="4572000" y="3061192"/>
+            <a:off x="4572000" y="1611640"/>
             <a:ext cx="653744" cy="307777"/>
           </a:xfrm>
           <a:prstGeom prst="rect">
@@ -8439,20 +8302,20 @@
           <p:nvPr>
             <p:extLst>
               <p:ext uri="{D42A27DB-BD31-4B8C-83A1-F6EECF244321}">
-                <p14:modId xmlns:p14="http://schemas.microsoft.com/office/powerpoint/2010/main" val="672400258"/>
+                <p14:modId xmlns:p14="http://schemas.microsoft.com/office/powerpoint/2010/main" val="666836263"/>
               </p:ext>
             </p:extLst>
           </p:nvPr>
         </p:nvGraphicFramePr>
         <p:xfrm>
-          <a:off x="5191125" y="3078163"/>
+          <a:off x="5191125" y="1628611"/>
           <a:ext cx="182563" cy="242887"/>
         </p:xfrm>
         <a:graphic>
           <a:graphicData uri="http://schemas.openxmlformats.org/presentationml/2006/ole">
             <mc:AlternateContent xmlns:mc="http://schemas.openxmlformats.org/markup-compatibility/2006">
               <mc:Choice xmlns:v="urn:schemas-microsoft-com:vml" Requires="v">
-                <p:oleObj spid="_x0000_s53497" name="Формула" r:id="rId13" imgW="203040" imgH="253800" progId="Equation.3">
+                <p:oleObj spid="_x0000_s53537" name="Формула" r:id="rId13" imgW="203040" imgH="253800" progId="Equation.3">
                   <p:embed/>
                 </p:oleObj>
               </mc:Choice>
@@ -8476,7 +8339,7 @@
                     </p:blipFill>
                     <p:spPr bwMode="auto">
                       <a:xfrm>
-                        <a:off x="5191125" y="3078163"/>
+                        <a:off x="5191125" y="1628611"/>
                         <a:ext cx="182563" cy="242887"/>
                       </a:xfrm>
                       <a:prstGeom prst="rect">
@@ -8510,7 +8373,7 @@
         </p:nvSpPr>
         <p:spPr bwMode="auto">
           <a:xfrm>
-            <a:off x="5329723" y="3061192"/>
+            <a:off x="5329723" y="1611640"/>
             <a:ext cx="2734164" cy="307777"/>
           </a:xfrm>
           <a:prstGeom prst="rect">
@@ -8646,20 +8509,20 @@
           <p:nvPr>
             <p:extLst>
               <p:ext uri="{D42A27DB-BD31-4B8C-83A1-F6EECF244321}">
-                <p14:modId xmlns:p14="http://schemas.microsoft.com/office/powerpoint/2010/main" val="2679820176"/>
+                <p14:modId xmlns:p14="http://schemas.microsoft.com/office/powerpoint/2010/main" val="2860782851"/>
               </p:ext>
             </p:extLst>
           </p:nvPr>
         </p:nvGraphicFramePr>
         <p:xfrm>
-          <a:off x="7588250" y="3113088"/>
+          <a:off x="7588250" y="1663536"/>
           <a:ext cx="276225" cy="201612"/>
         </p:xfrm>
         <a:graphic>
           <a:graphicData uri="http://schemas.openxmlformats.org/presentationml/2006/ole">
             <mc:AlternateContent xmlns:mc="http://schemas.openxmlformats.org/markup-compatibility/2006">
               <mc:Choice xmlns:v="urn:schemas-microsoft-com:vml" Requires="v">
-                <p:oleObj spid="_x0000_s53498" name="Формула" r:id="rId15" imgW="279360" imgH="203040" progId="Equation.3">
+                <p:oleObj spid="_x0000_s53538" name="Формула" r:id="rId15" imgW="279360" imgH="203040" progId="Equation.3">
                   <p:embed/>
                 </p:oleObj>
               </mc:Choice>
@@ -8689,7 +8552,7 @@
                     </p:blipFill>
                     <p:spPr bwMode="auto">
                       <a:xfrm>
-                        <a:off x="7588250" y="3113088"/>
+                        <a:off x="7588250" y="1663536"/>
                         <a:ext cx="276225" cy="201612"/>
                       </a:xfrm>
                       <a:prstGeom prst="rect">
@@ -8723,7 +8586,7 @@
         </p:nvSpPr>
         <p:spPr bwMode="auto">
           <a:xfrm>
-            <a:off x="7849713" y="3081052"/>
+            <a:off x="7849713" y="1631500"/>
             <a:ext cx="843377" cy="307777"/>
           </a:xfrm>
           <a:prstGeom prst="rect">
@@ -8817,20 +8680,20 @@
           <p:nvPr>
             <p:extLst>
               <p:ext uri="{D42A27DB-BD31-4B8C-83A1-F6EECF244321}">
-                <p14:modId xmlns:p14="http://schemas.microsoft.com/office/powerpoint/2010/main" val="2568596176"/>
+                <p14:modId xmlns:p14="http://schemas.microsoft.com/office/powerpoint/2010/main" val="2264448853"/>
               </p:ext>
             </p:extLst>
           </p:nvPr>
         </p:nvGraphicFramePr>
         <p:xfrm>
-          <a:off x="8604014" y="3105069"/>
+          <a:off x="8604014" y="1655517"/>
           <a:ext cx="250825" cy="238125"/>
         </p:xfrm>
         <a:graphic>
           <a:graphicData uri="http://schemas.openxmlformats.org/presentationml/2006/ole">
             <mc:AlternateContent xmlns:mc="http://schemas.openxmlformats.org/markup-compatibility/2006">
               <mc:Choice xmlns:v="urn:schemas-microsoft-com:vml" Requires="v">
-                <p:oleObj spid="_x0000_s53499" name="Формула" r:id="rId17" imgW="253800" imgH="241200" progId="Equation.3">
+                <p:oleObj spid="_x0000_s53539" name="Формула" r:id="rId17" imgW="253800" imgH="241200" progId="Equation.3">
                   <p:embed/>
                 </p:oleObj>
               </mc:Choice>
@@ -8860,7 +8723,7 @@
                     </p:blipFill>
                     <p:spPr bwMode="auto">
                       <a:xfrm>
-                        <a:off x="8604014" y="3105069"/>
+                        <a:off x="8604014" y="1655517"/>
                         <a:ext cx="250825" cy="238125"/>
                       </a:xfrm>
                       <a:prstGeom prst="rect">
@@ -8893,20 +8756,20 @@
           <p:nvPr>
             <p:extLst>
               <p:ext uri="{D42A27DB-BD31-4B8C-83A1-F6EECF244321}">
-                <p14:modId xmlns:p14="http://schemas.microsoft.com/office/powerpoint/2010/main" val="1995419951"/>
+                <p14:modId xmlns:p14="http://schemas.microsoft.com/office/powerpoint/2010/main" val="2011549934"/>
               </p:ext>
             </p:extLst>
           </p:nvPr>
         </p:nvGraphicFramePr>
         <p:xfrm>
-          <a:off x="4660747" y="3475814"/>
+          <a:off x="4660747" y="2075038"/>
           <a:ext cx="238125" cy="238125"/>
         </p:xfrm>
         <a:graphic>
           <a:graphicData uri="http://schemas.openxmlformats.org/presentationml/2006/ole">
             <mc:AlternateContent xmlns:mc="http://schemas.openxmlformats.org/markup-compatibility/2006">
               <mc:Choice xmlns:v="urn:schemas-microsoft-com:vml" Requires="v">
-                <p:oleObj spid="_x0000_s53500" name="Формула" r:id="rId19" imgW="228600" imgH="241300" progId="Equation.3">
+                <p:oleObj spid="_x0000_s53540" name="Формула" r:id="rId19" imgW="228600" imgH="241300" progId="Equation.3">
                   <p:embed/>
                 </p:oleObj>
               </mc:Choice>
@@ -8936,7 +8799,7 @@
                     </p:blipFill>
                     <p:spPr bwMode="auto">
                       <a:xfrm>
-                        <a:off x="4660747" y="3475814"/>
+                        <a:off x="4660747" y="2075038"/>
                         <a:ext cx="238125" cy="238125"/>
                       </a:xfrm>
                       <a:prstGeom prst="rect">
@@ -8968,7 +8831,7 @@
         </p:nvSpPr>
         <p:spPr>
           <a:xfrm>
-            <a:off x="4572000" y="3468934"/>
+            <a:off x="4572000" y="2019382"/>
             <a:ext cx="4249612" cy="523220"/>
           </a:xfrm>
           <a:prstGeom prst="rect">
@@ -9022,20 +8885,20 @@
           <p:nvPr>
             <p:extLst>
               <p:ext uri="{D42A27DB-BD31-4B8C-83A1-F6EECF244321}">
-                <p14:modId xmlns:p14="http://schemas.microsoft.com/office/powerpoint/2010/main" val="3466569766"/>
+                <p14:modId xmlns:p14="http://schemas.microsoft.com/office/powerpoint/2010/main" val="374792372"/>
               </p:ext>
             </p:extLst>
           </p:nvPr>
         </p:nvGraphicFramePr>
         <p:xfrm>
-          <a:off x="6380163" y="3736488"/>
+          <a:off x="6448425" y="2254260"/>
           <a:ext cx="1139825" cy="241300"/>
         </p:xfrm>
         <a:graphic>
           <a:graphicData uri="http://schemas.openxmlformats.org/presentationml/2006/ole">
             <mc:AlternateContent xmlns:mc="http://schemas.openxmlformats.org/markup-compatibility/2006">
               <mc:Choice xmlns:v="urn:schemas-microsoft-com:vml" Requires="v">
-                <p:oleObj spid="_x0000_s53501" name="Формула" r:id="rId21" imgW="1130040" imgH="253800" progId="Equation.3">
+                <p:oleObj spid="_x0000_s53541" name="Формула" r:id="rId21" imgW="1130040" imgH="253800" progId="Equation.3">
                   <p:embed/>
                 </p:oleObj>
               </mc:Choice>
@@ -9065,7 +8928,7 @@
                     </p:blipFill>
                     <p:spPr bwMode="auto">
                       <a:xfrm>
-                        <a:off x="6380163" y="3736488"/>
+                        <a:off x="6448425" y="2254260"/>
                         <a:ext cx="1139825" cy="241300"/>
                       </a:xfrm>
                       <a:prstGeom prst="rect">
@@ -9094,7 +8957,7 @@
           <p:cNvPr id="61" name="Прямоугольник 60">
             <a:extLst>
               <a:ext uri="{FF2B5EF4-FFF2-40B4-BE49-F238E27FC236}">
-                <a16:creationId xmlns:a16="http://schemas.microsoft.com/office/drawing/2014/main" xmlns="" id="{9E04601C-F75E-4D02-B7C1-8148ED14A96C}"/>
+                <a16:creationId xmlns:a16="http://schemas.microsoft.com/office/drawing/2014/main" id="{9E04601C-F75E-4D02-B7C1-8148ED14A96C}"/>
               </a:ext>
             </a:extLst>
           </p:cNvPr>
@@ -9103,7 +8966,7 @@
         </p:nvSpPr>
         <p:spPr>
           <a:xfrm>
-            <a:off x="4898872" y="543984"/>
+            <a:off x="4643608" y="2897452"/>
             <a:ext cx="3779368" cy="307777"/>
           </a:xfrm>
           <a:prstGeom prst="rect">
@@ -9187,20 +9050,20 @@
           <p:nvPr>
             <p:extLst>
               <p:ext uri="{D42A27DB-BD31-4B8C-83A1-F6EECF244321}">
-                <p14:modId xmlns:p14="http://schemas.microsoft.com/office/powerpoint/2010/main" val="3928808342"/>
+                <p14:modId xmlns:p14="http://schemas.microsoft.com/office/powerpoint/2010/main" val="2843347664"/>
               </p:ext>
             </p:extLst>
           </p:nvPr>
         </p:nvGraphicFramePr>
         <p:xfrm>
-          <a:off x="5729469" y="906278"/>
+          <a:off x="5474205" y="3259746"/>
           <a:ext cx="2212975" cy="215900"/>
         </p:xfrm>
         <a:graphic>
           <a:graphicData uri="http://schemas.openxmlformats.org/presentationml/2006/ole">
             <mc:AlternateContent xmlns:mc="http://schemas.openxmlformats.org/markup-compatibility/2006">
               <mc:Choice xmlns:v="urn:schemas-microsoft-com:vml" Requires="v">
-                <p:oleObj spid="_x0000_s53502" name="Формула" r:id="rId23" imgW="2197080" imgH="228600" progId="Equation.3">
+                <p:oleObj spid="_x0000_s53542" name="Формула" r:id="rId23" imgW="2197080" imgH="228600" progId="Equation.3">
                   <p:embed/>
                 </p:oleObj>
               </mc:Choice>
@@ -9230,7 +9093,7 @@
                     </p:blipFill>
                     <p:spPr bwMode="auto">
                       <a:xfrm>
-                        <a:off x="5729469" y="906278"/>
+                        <a:off x="5474205" y="3259746"/>
                         <a:ext cx="2212975" cy="215900"/>
                       </a:xfrm>
                       <a:prstGeom prst="rect">
@@ -9276,7 +9139,7 @@
           <a:graphicData uri="http://schemas.openxmlformats.org/presentationml/2006/ole">
             <mc:AlternateContent xmlns:mc="http://schemas.openxmlformats.org/markup-compatibility/2006">
               <mc:Choice xmlns:v="urn:schemas-microsoft-com:vml" Requires="v">
-                <p:oleObj spid="_x0000_s53503" name="Формула" r:id="rId25" imgW="1002960" imgH="291960" progId="Equation.3">
+                <p:oleObj spid="_x0000_s53543" name="Формула" r:id="rId25" imgW="1002960" imgH="291960" progId="Equation.3">
                   <p:embed/>
                 </p:oleObj>
               </mc:Choice>
@@ -9434,7 +9297,7 @@
         </p:nvSpPr>
         <p:spPr>
           <a:xfrm>
-            <a:off x="8693090" y="2621788"/>
+            <a:off x="8693090" y="1172236"/>
             <a:ext cx="403298" cy="307777"/>
           </a:xfrm>
           <a:prstGeom prst="rect">
@@ -9453,8 +9316,12 @@
                 <a:latin typeface="Times New Roman" panose="02020603050405020304" pitchFamily="18" charset="0"/>
                 <a:ea typeface="Times New Roman" panose="02020603050405020304" pitchFamily="18" charset="0"/>
               </a:rPr>
-              <a:t>(6)</a:t>
-            </a:r>
+              <a:t>(5)</a:t>
+            </a:r>
+            <a:endParaRPr lang="ru-RU" dirty="0" smtClean="0">
+              <a:latin typeface="Times New Roman" panose="02020603050405020304" pitchFamily="18" charset="0"/>
+              <a:ea typeface="Times New Roman" panose="02020603050405020304" pitchFamily="18" charset="0"/>
+            </a:endParaRPr>
           </a:p>
         </p:txBody>
       </p:sp>
@@ -9466,7 +9333,7 @@
         </p:nvSpPr>
         <p:spPr>
           <a:xfrm>
-            <a:off x="8693090" y="4436942"/>
+            <a:off x="8693090" y="3206055"/>
             <a:ext cx="403298" cy="307777"/>
           </a:xfrm>
           <a:prstGeom prst="rect">
@@ -9485,8 +9352,415 @@
                 <a:latin typeface="Times New Roman" panose="02020603050405020304" pitchFamily="18" charset="0"/>
                 <a:ea typeface="Times New Roman" panose="02020603050405020304" pitchFamily="18" charset="0"/>
               </a:rPr>
+              <a:t>(6)</a:t>
+            </a:r>
+            <a:endParaRPr lang="ru-RU" dirty="0" smtClean="0">
+              <a:latin typeface="Times New Roman" panose="02020603050405020304" pitchFamily="18" charset="0"/>
+              <a:ea typeface="Times New Roman" panose="02020603050405020304" pitchFamily="18" charset="0"/>
+            </a:endParaRPr>
+          </a:p>
+        </p:txBody>
+      </p:sp>
+      <p:sp>
+        <p:nvSpPr>
+          <p:cNvPr id="43" name="Rectangle 22"/>
+          <p:cNvSpPr>
+            <a:spLocks noChangeArrowheads="1"/>
+          </p:cNvSpPr>
+          <p:nvPr/>
+        </p:nvSpPr>
+        <p:spPr bwMode="auto">
+          <a:xfrm>
+            <a:off x="0" y="3879733"/>
+            <a:ext cx="9144000" cy="523220"/>
+          </a:xfrm>
+          <a:prstGeom prst="rect">
+            <a:avLst/>
+          </a:prstGeom>
+          <a:noFill/>
+          <a:ln>
+            <a:noFill/>
+          </a:ln>
+          <a:effectLst/>
+          <a:extLst>
+            <a:ext uri="{909E8E84-426E-40DD-AFC4-6F175D3DCCD1}">
+              <a14:hiddenFill xmlns:a14="http://schemas.microsoft.com/office/drawing/2010/main">
+                <a:solidFill>
+                  <a:schemeClr val="accent1"/>
+                </a:solidFill>
+              </a14:hiddenFill>
+            </a:ext>
+            <a:ext uri="{91240B29-F687-4F45-9708-019B960494DF}">
+              <a14:hiddenLine xmlns:a14="http://schemas.microsoft.com/office/drawing/2010/main" w="9525">
+                <a:solidFill>
+                  <a:schemeClr val="tx1"/>
+                </a:solidFill>
+                <a:miter lim="800000"/>
+                <a:headEnd/>
+                <a:tailEnd/>
+              </a14:hiddenLine>
+            </a:ext>
+            <a:ext uri="{AF507438-7753-43E0-B8FC-AC1667EBCBE1}">
+              <a14:hiddenEffects xmlns:a14="http://schemas.microsoft.com/office/drawing/2010/main">
+                <a:effectLst>
+                  <a:outerShdw dist="35921" dir="2700000" algn="ctr" rotWithShape="0">
+                    <a:schemeClr val="bg2"/>
+                  </a:outerShdw>
+                </a:effectLst>
+              </a14:hiddenEffects>
+            </a:ext>
+          </a:extLst>
+        </p:spPr>
+        <p:txBody>
+          <a:bodyPr vert="horz" wrap="square" lIns="91440" tIns="45720" rIns="91440" bIns="45720" numCol="1" anchor="ctr" anchorCtr="0" compatLnSpc="1">
+            <a:prstTxWarp prst="textNoShape">
+              <a:avLst/>
+            </a:prstTxWarp>
+            <a:spAutoFit/>
+          </a:bodyPr>
+          <a:lstStyle/>
+          <a:p>
+            <a:pPr lvl="0" algn="just" defTabSz="914400" eaLnBrk="0" fontAlgn="base" hangingPunct="0">
+              <a:spcBef>
+                <a:spcPct val="0"/>
+              </a:spcBef>
+              <a:spcAft>
+                <a:spcPct val="0"/>
+              </a:spcAft>
+            </a:pPr>
+            <a:r>
+              <a:rPr lang="ru-RU" altLang="ru-RU" dirty="0" smtClean="0">
+                <a:latin typeface="Times New Roman" panose="02020603050405020304" pitchFamily="18" charset="0"/>
+                <a:cs typeface="Times New Roman" panose="02020603050405020304" pitchFamily="18" charset="0"/>
+              </a:rPr>
+              <a:t>В итерационном процесс</a:t>
+            </a:r>
+            <a:r>
+              <a:rPr lang="ru-RU" altLang="ru-RU" dirty="0">
+                <a:latin typeface="Times New Roman" panose="02020603050405020304" pitchFamily="18" charset="0"/>
+                <a:cs typeface="Times New Roman" panose="02020603050405020304" pitchFamily="18" charset="0"/>
+              </a:rPr>
+              <a:t>е</a:t>
+            </a:r>
+            <a:r>
+              <a:rPr lang="ru-RU" altLang="ru-RU" dirty="0" smtClean="0">
+                <a:latin typeface="Times New Roman" panose="02020603050405020304" pitchFamily="18" charset="0"/>
+                <a:cs typeface="Times New Roman" panose="02020603050405020304" pitchFamily="18" charset="0"/>
+              </a:rPr>
+              <a:t> (3) производится </a:t>
+            </a:r>
+            <a:r>
+              <a:rPr lang="ru-RU" altLang="ru-RU" b="1" dirty="0" smtClean="0">
+                <a:latin typeface="Times New Roman" panose="02020603050405020304" pitchFamily="18" charset="0"/>
+                <a:cs typeface="Times New Roman" panose="02020603050405020304" pitchFamily="18" charset="0"/>
+              </a:rPr>
+              <a:t>исчерпывающий спуск</a:t>
+            </a:r>
+            <a:r>
+              <a:rPr lang="ru-RU" altLang="ru-RU" dirty="0" smtClean="0">
+                <a:latin typeface="Times New Roman" panose="02020603050405020304" pitchFamily="18" charset="0"/>
+                <a:cs typeface="Times New Roman" panose="02020603050405020304" pitchFamily="18" charset="0"/>
+              </a:rPr>
+              <a:t>, е</a:t>
+            </a:r>
+            <a:r>
+              <a:rPr lang="ru-RU" altLang="ru-RU" dirty="0" smtClean="0">
+                <a:latin typeface="Times New Roman" panose="02020603050405020304" pitchFamily="18" charset="0"/>
+                <a:cs typeface="Times New Roman" panose="02020603050405020304" pitchFamily="18" charset="0"/>
+              </a:rPr>
+              <a:t>сли величина шага </a:t>
+            </a:r>
+            <a:r>
+              <a:rPr lang="el-GR" altLang="ru-RU" dirty="0" smtClean="0">
+                <a:latin typeface="Times New Roman" panose="02020603050405020304" pitchFamily="18" charset="0"/>
+                <a:cs typeface="Times New Roman" panose="02020603050405020304" pitchFamily="18" charset="0"/>
+              </a:rPr>
+              <a:t>α</a:t>
+            </a:r>
+            <a:r>
+              <a:rPr lang="en-US" altLang="ru-RU" i="1" baseline="-25000" dirty="0" smtClean="0">
+                <a:latin typeface="Times New Roman" panose="02020603050405020304" pitchFamily="18" charset="0"/>
+                <a:cs typeface="Times New Roman" panose="02020603050405020304" pitchFamily="18" charset="0"/>
+              </a:rPr>
+              <a:t>k</a:t>
+            </a:r>
+            <a:r>
+              <a:rPr lang="ru-RU" altLang="ru-RU" dirty="0">
+                <a:latin typeface="Times New Roman" panose="02020603050405020304" pitchFamily="18" charset="0"/>
+                <a:cs typeface="Times New Roman" panose="02020603050405020304" pitchFamily="18" charset="0"/>
+              </a:rPr>
+              <a:t> </a:t>
+            </a:r>
+            <a:r>
+              <a:rPr lang="ru-RU" altLang="ru-RU" dirty="0" smtClean="0">
+                <a:latin typeface="Times New Roman" panose="02020603050405020304" pitchFamily="18" charset="0"/>
+                <a:cs typeface="Times New Roman" panose="02020603050405020304" pitchFamily="18" charset="0"/>
+              </a:rPr>
+              <a:t>находится </a:t>
+            </a:r>
+            <a:r>
+              <a:rPr lang="ru-RU" altLang="ru-RU" dirty="0">
+                <a:latin typeface="Times New Roman" panose="02020603050405020304" pitchFamily="18" charset="0"/>
+                <a:cs typeface="Times New Roman" panose="02020603050405020304" pitchFamily="18" charset="0"/>
+              </a:rPr>
+              <a:t>из решения одномерной задачи </a:t>
+            </a:r>
+            <a:r>
+              <a:rPr lang="ru-RU" altLang="ru-RU" dirty="0" smtClean="0">
+                <a:latin typeface="Times New Roman" panose="02020603050405020304" pitchFamily="18" charset="0"/>
+                <a:cs typeface="Times New Roman" panose="02020603050405020304" pitchFamily="18" charset="0"/>
+              </a:rPr>
+              <a:t>минимизации:</a:t>
+            </a:r>
+            <a:endParaRPr lang="ru-RU" altLang="ru-RU" i="1" dirty="0" smtClean="0">
+              <a:latin typeface="Times New Roman" panose="02020603050405020304" pitchFamily="18" charset="0"/>
+              <a:cs typeface="Times New Roman" panose="02020603050405020304" pitchFamily="18" charset="0"/>
+            </a:endParaRPr>
+          </a:p>
+        </p:txBody>
+      </p:sp>
+      <p:sp>
+        <p:nvSpPr>
+          <p:cNvPr id="25" name="Rectangle 267"/>
+          <p:cNvSpPr>
+            <a:spLocks noChangeArrowheads="1"/>
+          </p:cNvSpPr>
+          <p:nvPr/>
+        </p:nvSpPr>
+        <p:spPr bwMode="auto">
+          <a:xfrm>
+            <a:off x="0" y="0"/>
+            <a:ext cx="9144000" cy="0"/>
+          </a:xfrm>
+          <a:prstGeom prst="rect">
+            <a:avLst/>
+          </a:prstGeom>
+          <a:noFill/>
+          <a:ln>
+            <a:noFill/>
+          </a:ln>
+          <a:effectLst/>
+          <a:extLst>
+            <a:ext uri="{909E8E84-426E-40DD-AFC4-6F175D3DCCD1}">
+              <a14:hiddenFill xmlns:a14="http://schemas.microsoft.com/office/drawing/2010/main">
+                <a:solidFill>
+                  <a:schemeClr val="accent1"/>
+                </a:solidFill>
+              </a14:hiddenFill>
+            </a:ext>
+            <a:ext uri="{91240B29-F687-4F45-9708-019B960494DF}">
+              <a14:hiddenLine xmlns:a14="http://schemas.microsoft.com/office/drawing/2010/main" w="9525">
+                <a:solidFill>
+                  <a:schemeClr val="tx1"/>
+                </a:solidFill>
+                <a:miter lim="800000"/>
+                <a:headEnd/>
+                <a:tailEnd/>
+              </a14:hiddenLine>
+            </a:ext>
+            <a:ext uri="{AF507438-7753-43E0-B8FC-AC1667EBCBE1}">
+              <a14:hiddenEffects xmlns:a14="http://schemas.microsoft.com/office/drawing/2010/main">
+                <a:effectLst>
+                  <a:outerShdw dist="35921" dir="2700000" algn="ctr" rotWithShape="0">
+                    <a:schemeClr val="bg2"/>
+                  </a:outerShdw>
+                </a:effectLst>
+              </a14:hiddenEffects>
+            </a:ext>
+          </a:extLst>
+        </p:spPr>
+        <p:txBody>
+          <a:bodyPr vert="horz" wrap="none" lIns="91440" tIns="45720" rIns="91440" bIns="45720" numCol="1" anchor="ctr" anchorCtr="0" compatLnSpc="1">
+            <a:prstTxWarp prst="textNoShape">
+              <a:avLst/>
+            </a:prstTxWarp>
+            <a:spAutoFit/>
+          </a:bodyPr>
+          <a:lstStyle/>
+          <a:p>
+            <a:endParaRPr lang="ru-RU"/>
+          </a:p>
+        </p:txBody>
+      </p:sp>
+      <p:graphicFrame>
+        <p:nvGraphicFramePr>
+          <p:cNvPr id="27" name="Объект 26"/>
+          <p:cNvGraphicFramePr>
+            <a:graphicFrameLocks noChangeAspect="1"/>
+          </p:cNvGraphicFramePr>
+          <p:nvPr>
+            <p:extLst>
+              <p:ext uri="{D42A27DB-BD31-4B8C-83A1-F6EECF244321}">
+                <p14:modId xmlns:p14="http://schemas.microsoft.com/office/powerpoint/2010/main" val="1608577376"/>
+              </p:ext>
+            </p:extLst>
+          </p:nvPr>
+        </p:nvGraphicFramePr>
+        <p:xfrm>
+          <a:off x="3328987" y="4423831"/>
+          <a:ext cx="1057275" cy="238125"/>
+        </p:xfrm>
+        <a:graphic>
+          <a:graphicData uri="http://schemas.openxmlformats.org/presentationml/2006/ole">
+            <mc:AlternateContent xmlns:mc="http://schemas.openxmlformats.org/markup-compatibility/2006">
+              <mc:Choice xmlns:v="urn:schemas-microsoft-com:vml" Requires="v">
+                <p:oleObj spid="_x0000_s53544" name="Уравнение" r:id="rId27" imgW="1054080" imgH="241200" progId="Equation.3">
+                  <p:embed/>
+                </p:oleObj>
+              </mc:Choice>
+              <mc:Fallback>
+                <p:oleObj name="Уравнение" r:id="rId27" imgW="1054080" imgH="241200" progId="Equation.3">
+                  <p:embed/>
+                  <p:pic>
+                    <p:nvPicPr>
+                      <p:cNvPr id="0" name="Object 266"/>
+                      <p:cNvPicPr>
+                        <a:picLocks noChangeAspect="1" noChangeArrowheads="1"/>
+                      </p:cNvPicPr>
+                      <p:nvPr/>
+                    </p:nvPicPr>
+                    <p:blipFill>
+                      <a:blip r:embed="rId28"/>
+                      <a:srcRect/>
+                      <a:stretch>
+                        <a:fillRect/>
+                      </a:stretch>
+                    </p:blipFill>
+                    <p:spPr bwMode="auto">
+                      <a:xfrm>
+                        <a:off x="3328987" y="4423831"/>
+                        <a:ext cx="1057275" cy="238125"/>
+                      </a:xfrm>
+                      <a:prstGeom prst="rect">
+                        <a:avLst/>
+                      </a:prstGeom>
+                      <a:noFill/>
+                      <a:extLst>
+                        <a:ext uri="{909E8E84-426E-40DD-AFC4-6F175D3DCCD1}">
+                          <a14:hiddenFill xmlns:a14="http://schemas.microsoft.com/office/drawing/2010/main">
+                            <a:solidFill>
+                              <a:srgbClr val="FFFFFF"/>
+                            </a:solidFill>
+                          </a14:hiddenFill>
+                        </a:ext>
+                      </a:extLst>
+                    </p:spPr>
+                  </p:pic>
+                </p:oleObj>
+              </mc:Fallback>
+            </mc:AlternateContent>
+          </a:graphicData>
+        </a:graphic>
+      </p:graphicFrame>
+      <p:graphicFrame>
+        <p:nvGraphicFramePr>
+          <p:cNvPr id="30" name="Объект 29"/>
+          <p:cNvGraphicFramePr>
+            <a:graphicFrameLocks noChangeAspect="1"/>
+          </p:cNvGraphicFramePr>
+          <p:nvPr>
+            <p:extLst>
+              <p:ext uri="{D42A27DB-BD31-4B8C-83A1-F6EECF244321}">
+                <p14:modId xmlns:p14="http://schemas.microsoft.com/office/powerpoint/2010/main" val="3884266291"/>
+              </p:ext>
+            </p:extLst>
+          </p:nvPr>
+        </p:nvGraphicFramePr>
+        <p:xfrm>
+          <a:off x="4386262" y="4402953"/>
+          <a:ext cx="1609725" cy="266700"/>
+        </p:xfrm>
+        <a:graphic>
+          <a:graphicData uri="http://schemas.openxmlformats.org/presentationml/2006/ole">
+            <mc:AlternateContent xmlns:mc="http://schemas.openxmlformats.org/markup-compatibility/2006">
+              <mc:Choice xmlns:v="urn:schemas-microsoft-com:vml" Requires="v">
+                <p:oleObj spid="_x0000_s53545" name="Уравнение" r:id="rId29" imgW="1625600" imgH="279400" progId="Equation.3">
+                  <p:embed/>
+                </p:oleObj>
+              </mc:Choice>
+              <mc:Fallback>
+                <p:oleObj name="Уравнение" r:id="rId29" imgW="1625600" imgH="279400" progId="Equation.3">
+                  <p:embed/>
+                  <p:pic>
+                    <p:nvPicPr>
+                      <p:cNvPr id="0" name="Object 268"/>
+                      <p:cNvPicPr>
+                        <a:picLocks noChangeAspect="1" noChangeArrowheads="1"/>
+                      </p:cNvPicPr>
+                      <p:nvPr/>
+                    </p:nvPicPr>
+                    <p:blipFill>
+                      <a:blip r:embed="rId30">
+                        <a:extLst>
+                          <a:ext uri="{28A0092B-C50C-407E-A947-70E740481C1C}">
+                            <a14:useLocalDpi xmlns:a14="http://schemas.microsoft.com/office/drawing/2010/main" val="0"/>
+                          </a:ext>
+                        </a:extLst>
+                      </a:blip>
+                      <a:srcRect/>
+                      <a:stretch>
+                        <a:fillRect/>
+                      </a:stretch>
+                    </p:blipFill>
+                    <p:spPr bwMode="auto">
+                      <a:xfrm>
+                        <a:off x="4386262" y="4402953"/>
+                        <a:ext cx="1609725" cy="266700"/>
+                      </a:xfrm>
+                      <a:prstGeom prst="rect">
+                        <a:avLst/>
+                      </a:prstGeom>
+                      <a:noFill/>
+                      <a:extLst>
+                        <a:ext uri="{909E8E84-426E-40DD-AFC4-6F175D3DCCD1}">
+                          <a14:hiddenFill xmlns:a14="http://schemas.microsoft.com/office/drawing/2010/main">
+                            <a:solidFill>
+                              <a:srgbClr val="FFFFFF"/>
+                            </a:solidFill>
+                          </a14:hiddenFill>
+                        </a:ext>
+                      </a:extLst>
+                    </p:spPr>
+                  </p:pic>
+                </p:oleObj>
+              </mc:Fallback>
+            </mc:AlternateContent>
+          </a:graphicData>
+        </a:graphic>
+      </p:graphicFrame>
+      <p:sp>
+        <p:nvSpPr>
+          <p:cNvPr id="52" name="Прямоугольник 51"/>
+          <p:cNvSpPr/>
+          <p:nvPr/>
+        </p:nvSpPr>
+        <p:spPr>
+          <a:xfrm>
+            <a:off x="8693090" y="4391495"/>
+            <a:ext cx="403298" cy="307777"/>
+          </a:xfrm>
+          <a:prstGeom prst="rect">
+            <a:avLst/>
+          </a:prstGeom>
+        </p:spPr>
+        <p:txBody>
+          <a:bodyPr wrap="square">
+            <a:spAutoFit/>
+          </a:bodyPr>
+          <a:lstStyle/>
+          <a:p>
+            <a:pPr algn="just"/>
+            <a:r>
+              <a:rPr lang="ru-RU" dirty="0" smtClean="0">
+                <a:latin typeface="Times New Roman" panose="02020603050405020304" pitchFamily="18" charset="0"/>
+                <a:ea typeface="Times New Roman" panose="02020603050405020304" pitchFamily="18" charset="0"/>
+              </a:rPr>
               <a:t>(7)</a:t>
             </a:r>
+            <a:endParaRPr lang="ru-RU" dirty="0" smtClean="0">
+              <a:latin typeface="Times New Roman" panose="02020603050405020304" pitchFamily="18" charset="0"/>
+              <a:ea typeface="Times New Roman" panose="02020603050405020304" pitchFamily="18" charset="0"/>
+            </a:endParaRPr>
           </a:p>
         </p:txBody>
       </p:sp>
@@ -9511,251 +9785,6 @@
 </file>
 
 <file path=ppt/slides/slide5.xml><?xml version="1.0" encoding="utf-8"?>
-<p:sld xmlns:a="http://schemas.openxmlformats.org/drawingml/2006/main" xmlns:r="http://schemas.openxmlformats.org/officeDocument/2006/relationships" xmlns:p="http://schemas.openxmlformats.org/presentationml/2006/main">
-  <p:cSld>
-    <p:spTree>
-      <p:nvGrpSpPr>
-        <p:cNvPr id="1" name=""/>
-        <p:cNvGrpSpPr/>
-        <p:nvPr/>
-      </p:nvGrpSpPr>
-      <p:grpSpPr>
-        <a:xfrm>
-          <a:off x="0" y="0"/>
-          <a:ext cx="0" cy="0"/>
-          <a:chOff x="0" y="0"/>
-          <a:chExt cx="0" cy="0"/>
-        </a:xfrm>
-      </p:grpSpPr>
-      <p:sp>
-        <p:nvSpPr>
-          <p:cNvPr id="2" name="Заголовок 1"/>
-          <p:cNvSpPr>
-            <a:spLocks noGrp="1"/>
-          </p:cNvSpPr>
-          <p:nvPr>
-            <p:ph type="title"/>
-          </p:nvPr>
-        </p:nvSpPr>
-        <p:spPr/>
-        <p:txBody>
-          <a:bodyPr/>
-          <a:lstStyle/>
-          <a:p>
-            <a:endParaRPr lang="ru-RU"/>
-          </a:p>
-        </p:txBody>
-      </p:sp>
-      <p:sp>
-        <p:nvSpPr>
-          <p:cNvPr id="3" name="Содержимое 2"/>
-          <p:cNvSpPr>
-            <a:spLocks noGrp="1"/>
-          </p:cNvSpPr>
-          <p:nvPr>
-            <p:ph idx="1"/>
-          </p:nvPr>
-        </p:nvSpPr>
-        <p:spPr/>
-        <p:txBody>
-          <a:bodyPr/>
-          <a:lstStyle/>
-          <a:p>
-            <a:endParaRPr lang="ru-RU"/>
-          </a:p>
-        </p:txBody>
-      </p:sp>
-      <p:sp>
-        <p:nvSpPr>
-          <p:cNvPr id="4" name="Номер слайда 3"/>
-          <p:cNvSpPr>
-            <a:spLocks noGrp="1"/>
-          </p:cNvSpPr>
-          <p:nvPr>
-            <p:ph type="sldNum" sz="quarter" idx="12"/>
-          </p:nvPr>
-        </p:nvSpPr>
-        <p:spPr/>
-        <p:txBody>
-          <a:bodyPr/>
-          <a:lstStyle/>
-          <a:p>
-            <a:fld id="{3F40BB91-0964-49A4-9512-E2C8E3C4E070}" type="slidenum">
-              <a:rPr lang="ru-RU" smtClean="0"/>
-              <a:pPr/>
-              <a:t>5</a:t>
-            </a:fld>
-            <a:r>
-              <a:rPr lang="en-US" smtClean="0"/>
-              <a:t>/11</a:t>
-            </a:r>
-            <a:endParaRPr lang="ru-RU" dirty="0"/>
-          </a:p>
-        </p:txBody>
-      </p:sp>
-      <p:sp>
-        <p:nvSpPr>
-          <p:cNvPr id="5" name="Прямоугольник 4">
-            <a:extLst>
-              <a:ext uri="{FF2B5EF4-FFF2-40B4-BE49-F238E27FC236}">
-                <a16:creationId xmlns:a16="http://schemas.microsoft.com/office/drawing/2014/main" xmlns="" id="{9E04601C-F75E-4D02-B7C1-8148ED14A96C}"/>
-              </a:ext>
-            </a:extLst>
-          </p:cNvPr>
-          <p:cNvSpPr/>
-          <p:nvPr/>
-        </p:nvSpPr>
-        <p:spPr>
-          <a:xfrm>
-            <a:off x="2564027" y="1859696"/>
-            <a:ext cx="3367216" cy="1384995"/>
-          </a:xfrm>
-          <a:prstGeom prst="rect">
-            <a:avLst/>
-          </a:prstGeom>
-        </p:spPr>
-        <p:txBody>
-          <a:bodyPr wrap="square">
-            <a:spAutoFit/>
-          </a:bodyPr>
-          <a:lstStyle/>
-          <a:p>
-            <a:r>
-              <a:rPr lang="en-US" b="1" dirty="0" smtClean="0">
-                <a:solidFill>
-                  <a:srgbClr val="292929"/>
-                </a:solidFill>
-                <a:latin typeface="Times New Roman" panose="02020603050405020304" pitchFamily="18" charset="0"/>
-                <a:ea typeface="Times New Roman" panose="02020603050405020304" pitchFamily="18" charset="0"/>
-                <a:cs typeface="Times New Roman" panose="02020603050405020304" pitchFamily="18" charset="0"/>
-              </a:rPr>
-              <a:t>En </a:t>
-            </a:r>
-            <a:r>
-              <a:rPr lang="en-US" dirty="0" smtClean="0">
-                <a:solidFill>
-                  <a:srgbClr val="292929"/>
-                </a:solidFill>
-                <a:latin typeface="Times New Roman" panose="02020603050405020304" pitchFamily="18" charset="0"/>
-                <a:ea typeface="Times New Roman" panose="02020603050405020304" pitchFamily="18" charset="0"/>
-                <a:cs typeface="Times New Roman" panose="02020603050405020304" pitchFamily="18" charset="0"/>
-              </a:rPr>
-              <a:t>– </a:t>
-            </a:r>
-            <a:r>
-              <a:rPr lang="ru-RU" dirty="0" err="1" smtClean="0">
-                <a:solidFill>
-                  <a:srgbClr val="292929"/>
-                </a:solidFill>
-                <a:latin typeface="Times New Roman" panose="02020603050405020304" pitchFamily="18" charset="0"/>
-                <a:ea typeface="Times New Roman" panose="02020603050405020304" pitchFamily="18" charset="0"/>
-                <a:cs typeface="Times New Roman" panose="02020603050405020304" pitchFamily="18" charset="0"/>
-              </a:rPr>
-              <a:t>н-мерное</a:t>
-            </a:r>
-            <a:r>
-              <a:rPr lang="ru-RU" dirty="0" smtClean="0">
-                <a:solidFill>
-                  <a:srgbClr val="292929"/>
-                </a:solidFill>
-                <a:latin typeface="Times New Roman" panose="02020603050405020304" pitchFamily="18" charset="0"/>
-                <a:ea typeface="Times New Roman" panose="02020603050405020304" pitchFamily="18" charset="0"/>
-                <a:cs typeface="Times New Roman" panose="02020603050405020304" pitchFamily="18" charset="0"/>
-              </a:rPr>
-              <a:t> векторное пространство (евклидово)</a:t>
-            </a:r>
-            <a:endParaRPr lang="en-US" b="1" dirty="0" smtClean="0">
-              <a:solidFill>
-                <a:srgbClr val="292929"/>
-              </a:solidFill>
-              <a:latin typeface="Times New Roman" panose="02020603050405020304" pitchFamily="18" charset="0"/>
-              <a:ea typeface="Times New Roman" panose="02020603050405020304" pitchFamily="18" charset="0"/>
-              <a:cs typeface="Times New Roman" panose="02020603050405020304" pitchFamily="18" charset="0"/>
-            </a:endParaRPr>
-          </a:p>
-          <a:p>
-            <a:r>
-              <a:rPr lang="en-US" b="1" dirty="0" smtClean="0">
-                <a:solidFill>
-                  <a:srgbClr val="292929"/>
-                </a:solidFill>
-                <a:latin typeface="Times New Roman" panose="02020603050405020304" pitchFamily="18" charset="0"/>
-                <a:ea typeface="Times New Roman" panose="02020603050405020304" pitchFamily="18" charset="0"/>
-                <a:cs typeface="Times New Roman" panose="02020603050405020304" pitchFamily="18" charset="0"/>
-              </a:rPr>
-              <a:t>U </a:t>
-            </a:r>
-            <a:r>
-              <a:rPr lang="ru-RU" dirty="0" smtClean="0">
-                <a:solidFill>
-                  <a:srgbClr val="292929"/>
-                </a:solidFill>
-                <a:latin typeface="Times New Roman" panose="02020603050405020304" pitchFamily="18" charset="0"/>
-                <a:ea typeface="Times New Roman" panose="02020603050405020304" pitchFamily="18" charset="0"/>
-                <a:cs typeface="Times New Roman" panose="02020603050405020304" pitchFamily="18" charset="0"/>
-              </a:rPr>
-              <a:t>– подмножество Е</a:t>
-            </a:r>
-            <a:r>
-              <a:rPr lang="en-US" dirty="0" smtClean="0">
-                <a:solidFill>
-                  <a:srgbClr val="292929"/>
-                </a:solidFill>
-                <a:latin typeface="Times New Roman" panose="02020603050405020304" pitchFamily="18" charset="0"/>
-                <a:ea typeface="Times New Roman" panose="02020603050405020304" pitchFamily="18" charset="0"/>
-                <a:cs typeface="Times New Roman" panose="02020603050405020304" pitchFamily="18" charset="0"/>
-              </a:rPr>
-              <a:t>n</a:t>
-            </a:r>
-            <a:r>
-              <a:rPr lang="ru-RU" dirty="0" smtClean="0">
-                <a:solidFill>
-                  <a:srgbClr val="292929"/>
-                </a:solidFill>
-                <a:latin typeface="Times New Roman" panose="02020603050405020304" pitchFamily="18" charset="0"/>
-                <a:ea typeface="Times New Roman" panose="02020603050405020304" pitchFamily="18" charset="0"/>
-                <a:cs typeface="Times New Roman" panose="02020603050405020304" pitchFamily="18" charset="0"/>
-              </a:rPr>
-              <a:t> содержит вектора </a:t>
-            </a:r>
-            <a:r>
-              <a:rPr lang="en-US" dirty="0" smtClean="0">
-                <a:solidFill>
-                  <a:srgbClr val="292929"/>
-                </a:solidFill>
-                <a:latin typeface="Times New Roman" panose="02020603050405020304" pitchFamily="18" charset="0"/>
-                <a:ea typeface="Times New Roman" panose="02020603050405020304" pitchFamily="18" charset="0"/>
-                <a:cs typeface="Times New Roman" panose="02020603050405020304" pitchFamily="18" charset="0"/>
-              </a:rPr>
-              <a:t>x </a:t>
-            </a:r>
-            <a:r>
-              <a:rPr lang="ru-RU" dirty="0" smtClean="0">
-                <a:solidFill>
-                  <a:srgbClr val="292929"/>
-                </a:solidFill>
-                <a:latin typeface="Times New Roman" panose="02020603050405020304" pitchFamily="18" charset="0"/>
-                <a:ea typeface="Times New Roman" panose="02020603050405020304" pitchFamily="18" charset="0"/>
-                <a:cs typeface="Times New Roman" panose="02020603050405020304" pitchFamily="18" charset="0"/>
-              </a:rPr>
-              <a:t>допустимое множество, заданное ограничениями на управляемые переменные</a:t>
-            </a:r>
-            <a:endParaRPr lang="ru-RU" b="1" dirty="0">
-              <a:latin typeface="Times New Roman" panose="02020603050405020304" pitchFamily="18" charset="0"/>
-              <a:cs typeface="Times New Roman" panose="02020603050405020304" pitchFamily="18" charset="0"/>
-            </a:endParaRPr>
-          </a:p>
-        </p:txBody>
-      </p:sp>
-    </p:spTree>
-  </p:cSld>
-  <p:clrMapOvr>
-    <a:masterClrMapping/>
-  </p:clrMapOvr>
-</p:sld>
-</file>
-
-<file path=ppt/slides/slide6.xml><?xml version="1.0" encoding="utf-8"?>
 <p:sld xmlns:a="http://schemas.openxmlformats.org/drawingml/2006/main" xmlns:r="http://schemas.openxmlformats.org/officeDocument/2006/relationships" xmlns:p="http://schemas.openxmlformats.org/presentationml/2006/main">
   <p:cSld>
     <p:spTree>
@@ -10948,7 +10977,7 @@
           <a:graphicData uri="http://schemas.openxmlformats.org/presentationml/2006/ole">
             <mc:AlternateContent xmlns:mc="http://schemas.openxmlformats.org/markup-compatibility/2006">
               <mc:Choice xmlns:v="urn:schemas-microsoft-com:vml" Requires="v">
-                <p:oleObj spid="_x0000_s52314" name="Формула" r:id="rId3" imgW="1524000" imgH="254000" progId="Equation.3">
+                <p:oleObj spid="_x0000_s52429" name="Формула" r:id="rId3" imgW="1524000" imgH="254000" progId="Equation.3">
                   <p:embed/>
                 </p:oleObj>
               </mc:Choice>
@@ -11024,7 +11053,7 @@
           <a:graphicData uri="http://schemas.openxmlformats.org/presentationml/2006/ole">
             <mc:AlternateContent xmlns:mc="http://schemas.openxmlformats.org/markup-compatibility/2006">
               <mc:Choice xmlns:v="urn:schemas-microsoft-com:vml" Requires="v">
-                <p:oleObj spid="_x0000_s52315" name="Формула" r:id="rId5" imgW="228600" imgH="241300" progId="Equation.3">
+                <p:oleObj spid="_x0000_s52430" name="Формула" r:id="rId5" imgW="228600" imgH="241300" progId="Equation.3">
                   <p:embed/>
                 </p:oleObj>
               </mc:Choice>
@@ -11100,7 +11129,7 @@
           <a:graphicData uri="http://schemas.openxmlformats.org/presentationml/2006/ole">
             <mc:AlternateContent xmlns:mc="http://schemas.openxmlformats.org/markup-compatibility/2006">
               <mc:Choice xmlns:v="urn:schemas-microsoft-com:vml" Requires="v">
-                <p:oleObj spid="_x0000_s52316" name="Формула" r:id="rId7" imgW="2425700" imgH="279400" progId="Equation.3">
+                <p:oleObj spid="_x0000_s52431" name="Формула" r:id="rId7" imgW="2425700" imgH="279400" progId="Equation.3">
                   <p:embed/>
                 </p:oleObj>
               </mc:Choice>
@@ -11176,7 +11205,7 @@
           <a:graphicData uri="http://schemas.openxmlformats.org/presentationml/2006/ole">
             <mc:AlternateContent xmlns:mc="http://schemas.openxmlformats.org/markup-compatibility/2006">
               <mc:Choice xmlns:v="urn:schemas-microsoft-com:vml" Requires="v">
-                <p:oleObj spid="_x0000_s52317" name="Формула" r:id="rId9" imgW="2044700" imgH="254000" progId="Equation.3">
+                <p:oleObj spid="_x0000_s52432" name="Формула" r:id="rId9" imgW="2044700" imgH="254000" progId="Equation.3">
                   <p:embed/>
                 </p:oleObj>
               </mc:Choice>
@@ -11252,7 +11281,7 @@
           <a:graphicData uri="http://schemas.openxmlformats.org/presentationml/2006/ole">
             <mc:AlternateContent xmlns:mc="http://schemas.openxmlformats.org/markup-compatibility/2006">
               <mc:Choice xmlns:v="urn:schemas-microsoft-com:vml" Requires="v">
-                <p:oleObj spid="_x0000_s52318" name="Формула" r:id="rId11" imgW="203024" imgH="215713" progId="Equation.3">
+                <p:oleObj spid="_x0000_s52433" name="Формула" r:id="rId11" imgW="203024" imgH="215713" progId="Equation.3">
                   <p:embed/>
                 </p:oleObj>
               </mc:Choice>
@@ -11391,7 +11420,7 @@
           <a:graphicData uri="http://schemas.openxmlformats.org/presentationml/2006/ole">
             <mc:AlternateContent xmlns:mc="http://schemas.openxmlformats.org/markup-compatibility/2006">
               <mc:Choice xmlns:v="urn:schemas-microsoft-com:vml" Requires="v">
-                <p:oleObj spid="_x0000_s52319" name="Формула" r:id="rId13" imgW="1930400" imgH="508000" progId="Equation.3">
+                <p:oleObj spid="_x0000_s52434" name="Формула" r:id="rId13" imgW="1930400" imgH="508000" progId="Equation.3">
                   <p:embed/>
                 </p:oleObj>
               </mc:Choice>
@@ -11467,7 +11496,7 @@
           <a:graphicData uri="http://schemas.openxmlformats.org/presentationml/2006/ole">
             <mc:AlternateContent xmlns:mc="http://schemas.openxmlformats.org/markup-compatibility/2006">
               <mc:Choice xmlns:v="urn:schemas-microsoft-com:vml" Requires="v">
-                <p:oleObj spid="_x0000_s52320" name="Формула" r:id="rId15" imgW="215713" imgH="241091" progId="Equation.3">
+                <p:oleObj spid="_x0000_s52435" name="Формула" r:id="rId15" imgW="215713" imgH="241091" progId="Equation.3">
                   <p:embed/>
                 </p:oleObj>
               </mc:Choice>
@@ -11543,7 +11572,7 @@
           <a:graphicData uri="http://schemas.openxmlformats.org/presentationml/2006/ole">
             <mc:AlternateContent xmlns:mc="http://schemas.openxmlformats.org/markup-compatibility/2006">
               <mc:Choice xmlns:v="urn:schemas-microsoft-com:vml" Requires="v">
-                <p:oleObj spid="_x0000_s52321" name="Формула" r:id="rId17" imgW="508000" imgH="241300" progId="Equation.3">
+                <p:oleObj spid="_x0000_s52436" name="Формула" r:id="rId17" imgW="508000" imgH="241300" progId="Equation.3">
                   <p:embed/>
                 </p:oleObj>
               </mc:Choice>
@@ -11619,7 +11648,7 @@
           <a:graphicData uri="http://schemas.openxmlformats.org/presentationml/2006/ole">
             <mc:AlternateContent xmlns:mc="http://schemas.openxmlformats.org/markup-compatibility/2006">
               <mc:Choice xmlns:v="urn:schemas-microsoft-com:vml" Requires="v">
-                <p:oleObj spid="_x0000_s52322" name="Формула" r:id="rId19" imgW="1016000" imgH="241300" progId="Equation.3">
+                <p:oleObj spid="_x0000_s52437" name="Формула" r:id="rId19" imgW="1016000" imgH="241300" progId="Equation.3">
                   <p:embed/>
                 </p:oleObj>
               </mc:Choice>
@@ -11673,6 +11702,2256 @@
           </a:graphicData>
         </a:graphic>
       </p:graphicFrame>
+      <p:sp>
+        <p:nvSpPr>
+          <p:cNvPr id="19" name="Прямоугольник 18"/>
+          <p:cNvSpPr/>
+          <p:nvPr/>
+        </p:nvSpPr>
+        <p:spPr>
+          <a:xfrm>
+            <a:off x="4831696" y="802947"/>
+            <a:ext cx="403298" cy="307777"/>
+          </a:xfrm>
+          <a:prstGeom prst="rect">
+            <a:avLst/>
+          </a:prstGeom>
+        </p:spPr>
+        <p:txBody>
+          <a:bodyPr wrap="square">
+            <a:spAutoFit/>
+          </a:bodyPr>
+          <a:lstStyle/>
+          <a:p>
+            <a:pPr algn="just"/>
+            <a:r>
+              <a:rPr lang="ru-RU" dirty="0" smtClean="0">
+                <a:latin typeface="Times New Roman" panose="02020603050405020304" pitchFamily="18" charset="0"/>
+                <a:ea typeface="Times New Roman" panose="02020603050405020304" pitchFamily="18" charset="0"/>
+              </a:rPr>
+              <a:t>(8)</a:t>
+            </a:r>
+            <a:endParaRPr lang="ru-RU" dirty="0" smtClean="0">
+              <a:latin typeface="Times New Roman" panose="02020603050405020304" pitchFamily="18" charset="0"/>
+              <a:ea typeface="Times New Roman" panose="02020603050405020304" pitchFamily="18" charset="0"/>
+            </a:endParaRPr>
+          </a:p>
+        </p:txBody>
+      </p:sp>
+      <p:sp>
+        <p:nvSpPr>
+          <p:cNvPr id="20" name="Прямоугольник 19"/>
+          <p:cNvSpPr/>
+          <p:nvPr/>
+        </p:nvSpPr>
+        <p:spPr>
+          <a:xfrm>
+            <a:off x="4831696" y="1436548"/>
+            <a:ext cx="403298" cy="307777"/>
+          </a:xfrm>
+          <a:prstGeom prst="rect">
+            <a:avLst/>
+          </a:prstGeom>
+        </p:spPr>
+        <p:txBody>
+          <a:bodyPr wrap="square">
+            <a:spAutoFit/>
+          </a:bodyPr>
+          <a:lstStyle/>
+          <a:p>
+            <a:pPr algn="just"/>
+            <a:r>
+              <a:rPr lang="ru-RU" dirty="0" smtClean="0">
+                <a:latin typeface="Times New Roman" panose="02020603050405020304" pitchFamily="18" charset="0"/>
+                <a:ea typeface="Times New Roman" panose="02020603050405020304" pitchFamily="18" charset="0"/>
+              </a:rPr>
+              <a:t>(9)</a:t>
+            </a:r>
+            <a:endParaRPr lang="ru-RU" dirty="0" smtClean="0">
+              <a:latin typeface="Times New Roman" panose="02020603050405020304" pitchFamily="18" charset="0"/>
+              <a:ea typeface="Times New Roman" panose="02020603050405020304" pitchFamily="18" charset="0"/>
+            </a:endParaRPr>
+          </a:p>
+        </p:txBody>
+      </p:sp>
+      <p:sp>
+        <p:nvSpPr>
+          <p:cNvPr id="22" name="Прямоугольник 21"/>
+          <p:cNvSpPr/>
+          <p:nvPr/>
+        </p:nvSpPr>
+        <p:spPr>
+          <a:xfrm>
+            <a:off x="4831695" y="2113469"/>
+            <a:ext cx="580171" cy="307777"/>
+          </a:xfrm>
+          <a:prstGeom prst="rect">
+            <a:avLst/>
+          </a:prstGeom>
+        </p:spPr>
+        <p:txBody>
+          <a:bodyPr wrap="square">
+            <a:spAutoFit/>
+          </a:bodyPr>
+          <a:lstStyle/>
+          <a:p>
+            <a:pPr algn="just"/>
+            <a:r>
+              <a:rPr lang="ru-RU" dirty="0" smtClean="0">
+                <a:latin typeface="Times New Roman" panose="02020603050405020304" pitchFamily="18" charset="0"/>
+                <a:ea typeface="Times New Roman" panose="02020603050405020304" pitchFamily="18" charset="0"/>
+              </a:rPr>
+              <a:t>(10)</a:t>
+            </a:r>
+            <a:endParaRPr lang="ru-RU" dirty="0" smtClean="0">
+              <a:latin typeface="Times New Roman" panose="02020603050405020304" pitchFamily="18" charset="0"/>
+              <a:ea typeface="Times New Roman" panose="02020603050405020304" pitchFamily="18" charset="0"/>
+            </a:endParaRPr>
+          </a:p>
+        </p:txBody>
+      </p:sp>
+      <p:sp>
+        <p:nvSpPr>
+          <p:cNvPr id="24" name="Прямоугольник 23"/>
+          <p:cNvSpPr/>
+          <p:nvPr/>
+        </p:nvSpPr>
+        <p:spPr>
+          <a:xfrm>
+            <a:off x="4831696" y="3439124"/>
+            <a:ext cx="580170" cy="307777"/>
+          </a:xfrm>
+          <a:prstGeom prst="rect">
+            <a:avLst/>
+          </a:prstGeom>
+        </p:spPr>
+        <p:txBody>
+          <a:bodyPr wrap="square">
+            <a:spAutoFit/>
+          </a:bodyPr>
+          <a:lstStyle/>
+          <a:p>
+            <a:pPr algn="just"/>
+            <a:r>
+              <a:rPr lang="ru-RU" dirty="0" smtClean="0">
+                <a:latin typeface="Times New Roman" panose="02020603050405020304" pitchFamily="18" charset="0"/>
+                <a:ea typeface="Times New Roman" panose="02020603050405020304" pitchFamily="18" charset="0"/>
+              </a:rPr>
+              <a:t>(11)</a:t>
+            </a:r>
+            <a:endParaRPr lang="ru-RU" dirty="0" smtClean="0">
+              <a:latin typeface="Times New Roman" panose="02020603050405020304" pitchFamily="18" charset="0"/>
+              <a:ea typeface="Times New Roman" panose="02020603050405020304" pitchFamily="18" charset="0"/>
+            </a:endParaRPr>
+          </a:p>
+        </p:txBody>
+      </p:sp>
+      <p:sp>
+        <p:nvSpPr>
+          <p:cNvPr id="28" name="Прямоугольник 27"/>
+          <p:cNvSpPr/>
+          <p:nvPr/>
+        </p:nvSpPr>
+        <p:spPr>
+          <a:xfrm>
+            <a:off x="5570958" y="4559035"/>
+            <a:ext cx="3318216" cy="276999"/>
+          </a:xfrm>
+          <a:prstGeom prst="rect">
+            <a:avLst/>
+          </a:prstGeom>
+        </p:spPr>
+        <p:txBody>
+          <a:bodyPr wrap="none">
+            <a:spAutoFit/>
+          </a:bodyPr>
+          <a:lstStyle/>
+          <a:p>
+            <a:r>
+              <a:rPr lang="ru-RU" sz="1200" dirty="0" smtClean="0">
+                <a:latin typeface="Times New Roman" panose="02020603050405020304" pitchFamily="18" charset="0"/>
+                <a:ea typeface="Times New Roman" panose="02020603050405020304" pitchFamily="18" charset="0"/>
+              </a:rPr>
+              <a:t>Рисунок – </a:t>
+            </a:r>
+            <a:r>
+              <a:rPr lang="ru-RU" sz="1200" dirty="0" smtClean="0">
+                <a:latin typeface="Times New Roman" panose="02020603050405020304" pitchFamily="18" charset="0"/>
+                <a:ea typeface="Times New Roman" panose="02020603050405020304" pitchFamily="18" charset="0"/>
+              </a:rPr>
+              <a:t>3. Блок – схема метода Хука-Дживса.</a:t>
+            </a:r>
+            <a:endParaRPr lang="ru-RU" sz="1200" dirty="0"/>
+          </a:p>
+        </p:txBody>
+      </p:sp>
+      <p:sp>
+        <p:nvSpPr>
+          <p:cNvPr id="52320" name="Rectangle 151"/>
+          <p:cNvSpPr>
+            <a:spLocks noChangeArrowheads="1"/>
+          </p:cNvSpPr>
+          <p:nvPr/>
+        </p:nvSpPr>
+        <p:spPr bwMode="auto">
+          <a:xfrm>
+            <a:off x="0" y="0"/>
+            <a:ext cx="9144000" cy="0"/>
+          </a:xfrm>
+          <a:prstGeom prst="rect">
+            <a:avLst/>
+          </a:prstGeom>
+          <a:noFill/>
+          <a:ln>
+            <a:noFill/>
+          </a:ln>
+          <a:effectLst/>
+          <a:extLst>
+            <a:ext uri="{909E8E84-426E-40DD-AFC4-6F175D3DCCD1}">
+              <a14:hiddenFill xmlns:a14="http://schemas.microsoft.com/office/drawing/2010/main">
+                <a:solidFill>
+                  <a:schemeClr val="accent1"/>
+                </a:solidFill>
+              </a14:hiddenFill>
+            </a:ext>
+            <a:ext uri="{91240B29-F687-4F45-9708-019B960494DF}">
+              <a14:hiddenLine xmlns:a14="http://schemas.microsoft.com/office/drawing/2010/main" w="9525">
+                <a:solidFill>
+                  <a:schemeClr val="tx1"/>
+                </a:solidFill>
+                <a:miter lim="800000"/>
+                <a:headEnd/>
+                <a:tailEnd/>
+              </a14:hiddenLine>
+            </a:ext>
+            <a:ext uri="{AF507438-7753-43E0-B8FC-AC1667EBCBE1}">
+              <a14:hiddenEffects xmlns:a14="http://schemas.microsoft.com/office/drawing/2010/main">
+                <a:effectLst>
+                  <a:outerShdw dist="35921" dir="2700000" algn="ctr" rotWithShape="0">
+                    <a:schemeClr val="bg2"/>
+                  </a:outerShdw>
+                </a:effectLst>
+              </a14:hiddenEffects>
+            </a:ext>
+          </a:extLst>
+        </p:spPr>
+        <p:txBody>
+          <a:bodyPr vert="horz" wrap="none" lIns="91440" tIns="45720" rIns="91440" bIns="45720" numCol="1" anchor="ctr" anchorCtr="0" compatLnSpc="1">
+            <a:prstTxWarp prst="textNoShape">
+              <a:avLst/>
+            </a:prstTxWarp>
+            <a:spAutoFit/>
+          </a:bodyPr>
+          <a:lstStyle/>
+          <a:p>
+            <a:endParaRPr lang="ru-RU"/>
+          </a:p>
+        </p:txBody>
+      </p:sp>
+      <p:grpSp>
+        <p:nvGrpSpPr>
+          <p:cNvPr id="52323" name="Группа 52322"/>
+          <p:cNvGrpSpPr/>
+          <p:nvPr/>
+        </p:nvGrpSpPr>
+        <p:grpSpPr>
+          <a:xfrm>
+            <a:off x="5223291" y="423528"/>
+            <a:ext cx="3902574" cy="3874687"/>
+            <a:chOff x="5223291" y="423528"/>
+            <a:chExt cx="3902574" cy="3874687"/>
+          </a:xfrm>
+        </p:grpSpPr>
+        <p:grpSp>
+          <p:nvGrpSpPr>
+            <p:cNvPr id="35" name="Группа 34"/>
+            <p:cNvGrpSpPr/>
+            <p:nvPr/>
+          </p:nvGrpSpPr>
+          <p:grpSpPr>
+            <a:xfrm>
+              <a:off x="5223291" y="423528"/>
+              <a:ext cx="3902574" cy="3874687"/>
+              <a:chOff x="6261046" y="106851"/>
+              <a:chExt cx="5935970" cy="6165605"/>
+            </a:xfrm>
+          </p:grpSpPr>
+          <p:grpSp>
+            <p:nvGrpSpPr>
+              <p:cNvPr id="37" name="Группа 36">
+                <a:extLst>
+                  <a:ext uri="{FF2B5EF4-FFF2-40B4-BE49-F238E27FC236}">
+                    <a16:creationId xmlns:a16="http://schemas.microsoft.com/office/drawing/2014/main" id="{7E260CCE-1FBC-4CFA-89C4-2EF31AB02ADA}"/>
+                  </a:ext>
+                </a:extLst>
+              </p:cNvPr>
+              <p:cNvGrpSpPr/>
+              <p:nvPr/>
+            </p:nvGrpSpPr>
+            <p:grpSpPr>
+              <a:xfrm>
+                <a:off x="6261046" y="106851"/>
+                <a:ext cx="5821035" cy="6165605"/>
+                <a:chOff x="5988143" y="168290"/>
+                <a:chExt cx="5821035" cy="6165605"/>
+              </a:xfrm>
+            </p:grpSpPr>
+            <p:grpSp>
+              <p:nvGrpSpPr>
+                <p:cNvPr id="40" name="Группа 39">
+                  <a:extLst>
+                    <a:ext uri="{FF2B5EF4-FFF2-40B4-BE49-F238E27FC236}">
+                      <a16:creationId xmlns:a16="http://schemas.microsoft.com/office/drawing/2014/main" id="{0BFD4746-2A1E-4049-826F-2B0E6ED9E5A9}"/>
+                    </a:ext>
+                  </a:extLst>
+                </p:cNvPr>
+                <p:cNvGrpSpPr/>
+                <p:nvPr/>
+              </p:nvGrpSpPr>
+              <p:grpSpPr>
+                <a:xfrm>
+                  <a:off x="5988143" y="168290"/>
+                  <a:ext cx="5821035" cy="6165605"/>
+                  <a:chOff x="-208303" y="176812"/>
+                  <a:chExt cx="5821035" cy="6165605"/>
+                </a:xfrm>
+              </p:grpSpPr>
+              <p:grpSp>
+                <p:nvGrpSpPr>
+                  <p:cNvPr id="51" name="Группа 50">
+                    <a:extLst>
+                      <a:ext uri="{FF2B5EF4-FFF2-40B4-BE49-F238E27FC236}">
+                        <a16:creationId xmlns:a16="http://schemas.microsoft.com/office/drawing/2014/main" id="{6B376FCA-4080-408A-953F-159576C34A12}"/>
+                      </a:ext>
+                    </a:extLst>
+                  </p:cNvPr>
+                  <p:cNvGrpSpPr/>
+                  <p:nvPr/>
+                </p:nvGrpSpPr>
+                <p:grpSpPr>
+                  <a:xfrm>
+                    <a:off x="-208303" y="176812"/>
+                    <a:ext cx="5821035" cy="6165605"/>
+                    <a:chOff x="-208303" y="176812"/>
+                    <a:chExt cx="5821035" cy="6165605"/>
+                  </a:xfrm>
+                </p:grpSpPr>
+                <p:grpSp>
+                  <p:nvGrpSpPr>
+                    <p:cNvPr id="66" name="Полотно 1">
+                      <a:extLst>
+                        <a:ext uri="{FF2B5EF4-FFF2-40B4-BE49-F238E27FC236}">
+                          <a16:creationId xmlns:a16="http://schemas.microsoft.com/office/drawing/2014/main" id="{7AB81697-BC5C-4E9B-BB62-ED0F4A3838E3}"/>
+                        </a:ext>
+                      </a:extLst>
+                    </p:cNvPr>
+                    <p:cNvGrpSpPr/>
+                    <p:nvPr/>
+                  </p:nvGrpSpPr>
+                  <p:grpSpPr>
+                    <a:xfrm>
+                      <a:off x="-208303" y="176812"/>
+                      <a:ext cx="5710338" cy="5043448"/>
+                      <a:chOff x="-432241" y="-390650"/>
+                      <a:chExt cx="5710338" cy="6532364"/>
+                    </a:xfrm>
+                  </p:grpSpPr>
+                  <p:sp>
+                    <p:nvSpPr>
+                      <p:cNvPr id="75" name="Прямоугольник 74">
+                        <a:extLst>
+                          <a:ext uri="{FF2B5EF4-FFF2-40B4-BE49-F238E27FC236}">
+                            <a16:creationId xmlns:a16="http://schemas.microsoft.com/office/drawing/2014/main" id="{51C33F8C-E928-42BA-8F5D-F2136070BF95}"/>
+                          </a:ext>
+                        </a:extLst>
+                      </p:cNvPr>
+                      <p:cNvSpPr/>
+                      <p:nvPr/>
+                    </p:nvSpPr>
+                    <p:spPr>
+                      <a:xfrm>
+                        <a:off x="-432241" y="-390650"/>
+                        <a:ext cx="5710338" cy="6532364"/>
+                      </a:xfrm>
+                      <a:prstGeom prst="rect">
+                        <a:avLst/>
+                      </a:prstGeom>
+                      <a:solidFill>
+                        <a:prstClr val="white"/>
+                      </a:solidFill>
+                    </p:spPr>
+                  </p:sp>
+                  <p:sp>
+                    <p:nvSpPr>
+                      <p:cNvPr id="76" name="Блок-схема: знак завершения 75">
+                        <a:extLst>
+                          <a:ext uri="{FF2B5EF4-FFF2-40B4-BE49-F238E27FC236}">
+                            <a16:creationId xmlns:a16="http://schemas.microsoft.com/office/drawing/2014/main" id="{CA0FBDFF-3F64-456C-99C7-395C958E7CB3}"/>
+                          </a:ext>
+                        </a:extLst>
+                      </p:cNvPr>
+                      <p:cNvSpPr/>
+                      <p:nvPr/>
+                    </p:nvSpPr>
+                    <p:spPr>
+                      <a:xfrm>
+                        <a:off x="410532" y="-275763"/>
+                        <a:ext cx="1905002" cy="498072"/>
+                      </a:xfrm>
+                      <a:prstGeom prst="flowChartTerminator">
+                        <a:avLst/>
+                      </a:prstGeom>
+                      <a:ln w="38100"/>
+                    </p:spPr>
+                    <p:style>
+                      <a:lnRef idx="2">
+                        <a:schemeClr val="accent5"/>
+                      </a:lnRef>
+                      <a:fillRef idx="1">
+                        <a:schemeClr val="lt1"/>
+                      </a:fillRef>
+                      <a:effectRef idx="0">
+                        <a:schemeClr val="accent5"/>
+                      </a:effectRef>
+                      <a:fontRef idx="minor">
+                        <a:schemeClr val="dk1"/>
+                      </a:fontRef>
+                    </p:style>
+                    <p:txBody>
+                      <a:bodyPr rot="0" spcFirstLastPara="0" vert="horz" wrap="square" lIns="91440" tIns="45720" rIns="91440" bIns="45720" numCol="1" spcCol="0" rtlCol="0" fromWordArt="0" anchor="ctr" anchorCtr="0" forceAA="0" compatLnSpc="1">
+                        <a:prstTxWarp prst="textNoShape">
+                          <a:avLst/>
+                        </a:prstTxWarp>
+                        <a:noAutofit/>
+                      </a:bodyPr>
+                      <a:lstStyle/>
+                      <a:p>
+                        <a:pPr algn="ctr">
+                          <a:lnSpc>
+                            <a:spcPct val="150000"/>
+                          </a:lnSpc>
+                        </a:pPr>
+                        <a:r>
+                          <a:rPr lang="ru-RU" sz="1400" b="1" dirty="0">
+                            <a:effectLst/>
+                            <a:latin typeface="Bookman Old Style" panose="02050604050505020204" pitchFamily="18" charset="0"/>
+                            <a:ea typeface="Calibri" panose="020F0502020204030204" pitchFamily="34" charset="0"/>
+                            <a:cs typeface="Times New Roman" panose="02020603050405020304" pitchFamily="18" charset="0"/>
+                          </a:rPr>
+                          <a:t>Начало</a:t>
+                        </a:r>
+                        <a:endParaRPr lang="ru-RU" sz="1400" dirty="0">
+                          <a:effectLst/>
+                          <a:latin typeface="Times New Roman" panose="02020603050405020304" pitchFamily="18" charset="0"/>
+                          <a:ea typeface="Calibri" panose="020F0502020204030204" pitchFamily="34" charset="0"/>
+                          <a:cs typeface="Times New Roman" panose="02020603050405020304" pitchFamily="18" charset="0"/>
+                        </a:endParaRPr>
+                      </a:p>
+                    </p:txBody>
+                  </p:sp>
+                  <p:sp>
+                    <p:nvSpPr>
+                      <p:cNvPr id="77" name="Блок-схема: данные 76">
+                        <a:extLst>
+                          <a:ext uri="{FF2B5EF4-FFF2-40B4-BE49-F238E27FC236}">
+                            <a16:creationId xmlns:a16="http://schemas.microsoft.com/office/drawing/2014/main" id="{8BB5AE21-F90A-404E-A212-A99A7A18D3C8}"/>
+                          </a:ext>
+                        </a:extLst>
+                      </p:cNvPr>
+                      <p:cNvSpPr/>
+                      <p:nvPr/>
+                    </p:nvSpPr>
+                    <p:spPr>
+                      <a:xfrm>
+                        <a:off x="124210" y="570269"/>
+                        <a:ext cx="2477645" cy="920987"/>
+                      </a:xfrm>
+                      <a:prstGeom prst="flowChartInputOutput">
+                        <a:avLst/>
+                      </a:prstGeom>
+                      <a:ln w="38100"/>
+                    </p:spPr>
+                    <p:style>
+                      <a:lnRef idx="2">
+                        <a:schemeClr val="accent5"/>
+                      </a:lnRef>
+                      <a:fillRef idx="1">
+                        <a:schemeClr val="lt1"/>
+                      </a:fillRef>
+                      <a:effectRef idx="0">
+                        <a:schemeClr val="accent5"/>
+                      </a:effectRef>
+                      <a:fontRef idx="minor">
+                        <a:schemeClr val="dk1"/>
+                      </a:fontRef>
+                    </p:style>
+                    <p:txBody>
+                      <a:bodyPr rot="0" spcFirstLastPara="0" vert="horz" wrap="square" lIns="91440" tIns="45720" rIns="91440" bIns="45720" numCol="1" spcCol="0" rtlCol="0" fromWordArt="0" anchor="ctr" anchorCtr="0" forceAA="0" compatLnSpc="1">
+                        <a:prstTxWarp prst="textNoShape">
+                          <a:avLst/>
+                        </a:prstTxWarp>
+                        <a:noAutofit/>
+                      </a:bodyPr>
+                      <a:lstStyle/>
+                      <a:p>
+                        <a:endParaRPr lang="ru-RU" sz="1400" dirty="0">
+                          <a:latin typeface="Bookman Old Style" panose="02050604050505020204" pitchFamily="18" charset="0"/>
+                        </a:endParaRPr>
+                      </a:p>
+                    </p:txBody>
+                  </p:sp>
+                </p:grpSp>
+                <p:sp>
+                  <p:nvSpPr>
+                    <p:cNvPr id="69" name="Блок-схема: решение 68">
+                      <a:extLst>
+                        <a:ext uri="{FF2B5EF4-FFF2-40B4-BE49-F238E27FC236}">
+                          <a16:creationId xmlns:a16="http://schemas.microsoft.com/office/drawing/2014/main" id="{582B4571-518F-4448-8408-6D210A9C356F}"/>
+                        </a:ext>
+                      </a:extLst>
+                    </p:cNvPr>
+                    <p:cNvSpPr/>
+                    <p:nvPr/>
+                  </p:nvSpPr>
+                  <p:spPr>
+                    <a:xfrm>
+                      <a:off x="752643" y="2981429"/>
+                      <a:ext cx="1673699" cy="930463"/>
+                    </a:xfrm>
+                    <a:prstGeom prst="flowChartDecision">
+                      <a:avLst/>
+                    </a:prstGeom>
+                    <a:ln w="38100"/>
+                  </p:spPr>
+                  <p:style>
+                    <a:lnRef idx="2">
+                      <a:schemeClr val="accent5"/>
+                    </a:lnRef>
+                    <a:fillRef idx="1">
+                      <a:schemeClr val="lt1"/>
+                    </a:fillRef>
+                    <a:effectRef idx="0">
+                      <a:schemeClr val="accent5"/>
+                    </a:effectRef>
+                    <a:fontRef idx="minor">
+                      <a:schemeClr val="dk1"/>
+                    </a:fontRef>
+                  </p:style>
+                  <p:txBody>
+                    <a:bodyPr rtlCol="0" anchor="ctr"/>
+                    <a:lstStyle/>
+                    <a:p>
+                      <a:pPr algn="ctr"/>
+                      <a:endParaRPr lang="ru-RU"/>
+                    </a:p>
+                  </p:txBody>
+                </p:sp>
+                <p:sp>
+                  <p:nvSpPr>
+                    <p:cNvPr id="71" name="Блок-схема: знак завершения 70">
+                      <a:extLst>
+                        <a:ext uri="{FF2B5EF4-FFF2-40B4-BE49-F238E27FC236}">
+                          <a16:creationId xmlns:a16="http://schemas.microsoft.com/office/drawing/2014/main" id="{344F9CDD-5826-4A52-B858-30B88BF2F63A}"/>
+                        </a:ext>
+                      </a:extLst>
+                    </p:cNvPr>
+                    <p:cNvSpPr/>
+                    <p:nvPr/>
+                  </p:nvSpPr>
+                  <p:spPr>
+                    <a:xfrm>
+                      <a:off x="3442813" y="5957870"/>
+                      <a:ext cx="1905000" cy="384547"/>
+                    </a:xfrm>
+                    <a:prstGeom prst="flowChartTerminator">
+                      <a:avLst/>
+                    </a:prstGeom>
+                    <a:ln w="38100"/>
+                  </p:spPr>
+                  <p:style>
+                    <a:lnRef idx="2">
+                      <a:schemeClr val="accent5"/>
+                    </a:lnRef>
+                    <a:fillRef idx="1">
+                      <a:schemeClr val="lt1"/>
+                    </a:fillRef>
+                    <a:effectRef idx="0">
+                      <a:schemeClr val="accent5"/>
+                    </a:effectRef>
+                    <a:fontRef idx="minor">
+                      <a:schemeClr val="dk1"/>
+                    </a:fontRef>
+                  </p:style>
+                  <p:txBody>
+                    <a:bodyPr rot="0" spcFirstLastPara="0" vert="horz" wrap="square" lIns="91440" tIns="45720" rIns="91440" bIns="45720" numCol="1" spcCol="0" rtlCol="0" fromWordArt="0" anchor="ctr" anchorCtr="0" forceAA="0" compatLnSpc="1">
+                      <a:prstTxWarp prst="textNoShape">
+                        <a:avLst/>
+                      </a:prstTxWarp>
+                      <a:noAutofit/>
+                    </a:bodyPr>
+                    <a:lstStyle/>
+                    <a:p>
+                      <a:pPr algn="ctr">
+                        <a:lnSpc>
+                          <a:spcPct val="150000"/>
+                        </a:lnSpc>
+                      </a:pPr>
+                      <a:r>
+                        <a:rPr lang="ru-RU" sz="1400" b="1" dirty="0">
+                          <a:effectLst/>
+                          <a:latin typeface="Bookman Old Style" panose="02050604050505020204" pitchFamily="18" charset="0"/>
+                          <a:ea typeface="Calibri" panose="020F0502020204030204" pitchFamily="34" charset="0"/>
+                          <a:cs typeface="Times New Roman" panose="02020603050405020304" pitchFamily="18" charset="0"/>
+                        </a:rPr>
+                        <a:t>Конец</a:t>
+                      </a:r>
+                      <a:endParaRPr lang="ru-RU" sz="1400" dirty="0">
+                        <a:effectLst/>
+                        <a:latin typeface="Times New Roman" panose="02020603050405020304" pitchFamily="18" charset="0"/>
+                        <a:ea typeface="Calibri" panose="020F0502020204030204" pitchFamily="34" charset="0"/>
+                        <a:cs typeface="Times New Roman" panose="02020603050405020304" pitchFamily="18" charset="0"/>
+                      </a:endParaRPr>
+                    </a:p>
+                  </p:txBody>
+                </p:sp>
+                <p:sp>
+                  <p:nvSpPr>
+                    <p:cNvPr id="72" name="Блок-схема: решение 71">
+                      <a:extLst>
+                        <a:ext uri="{FF2B5EF4-FFF2-40B4-BE49-F238E27FC236}">
+                          <a16:creationId xmlns:a16="http://schemas.microsoft.com/office/drawing/2014/main" id="{8AC17BE3-1D33-482F-B3DC-4FC509A7E8A2}"/>
+                        </a:ext>
+                      </a:extLst>
+                    </p:cNvPr>
+                    <p:cNvSpPr/>
+                    <p:nvPr/>
+                  </p:nvSpPr>
+                  <p:spPr>
+                    <a:xfrm>
+                      <a:off x="3519633" y="3050450"/>
+                      <a:ext cx="1751358" cy="787931"/>
+                    </a:xfrm>
+                    <a:prstGeom prst="flowChartDecision">
+                      <a:avLst/>
+                    </a:prstGeom>
+                    <a:ln w="38100"/>
+                  </p:spPr>
+                  <p:style>
+                    <a:lnRef idx="2">
+                      <a:schemeClr val="accent5"/>
+                    </a:lnRef>
+                    <a:fillRef idx="1">
+                      <a:schemeClr val="lt1"/>
+                    </a:fillRef>
+                    <a:effectRef idx="0">
+                      <a:schemeClr val="accent5"/>
+                    </a:effectRef>
+                    <a:fontRef idx="minor">
+                      <a:schemeClr val="dk1"/>
+                    </a:fontRef>
+                  </p:style>
+                  <p:txBody>
+                    <a:bodyPr rtlCol="0" anchor="ctr"/>
+                    <a:lstStyle/>
+                    <a:p>
+                      <a:pPr algn="ctr"/>
+                      <a:endParaRPr lang="ru-RU"/>
+                    </a:p>
+                  </p:txBody>
+                </p:sp>
+                <p:sp>
+                  <p:nvSpPr>
+                    <p:cNvPr id="73" name="Блок-схема: процесс 72">
+                      <a:extLst>
+                        <a:ext uri="{FF2B5EF4-FFF2-40B4-BE49-F238E27FC236}">
+                          <a16:creationId xmlns:a16="http://schemas.microsoft.com/office/drawing/2014/main" id="{C6829144-9F30-4BD8-8225-77A350EA2294}"/>
+                        </a:ext>
+                      </a:extLst>
+                    </p:cNvPr>
+                    <p:cNvSpPr/>
+                    <p:nvPr/>
+                  </p:nvSpPr>
+                  <p:spPr>
+                    <a:xfrm>
+                      <a:off x="3177888" y="1955853"/>
+                      <a:ext cx="2434844" cy="392810"/>
+                    </a:xfrm>
+                    <a:prstGeom prst="flowChartProcess">
+                      <a:avLst/>
+                    </a:prstGeom>
+                    <a:ln w="38100"/>
+                  </p:spPr>
+                  <p:style>
+                    <a:lnRef idx="2">
+                      <a:schemeClr val="accent5"/>
+                    </a:lnRef>
+                    <a:fillRef idx="1">
+                      <a:schemeClr val="lt1"/>
+                    </a:fillRef>
+                    <a:effectRef idx="0">
+                      <a:schemeClr val="accent5"/>
+                    </a:effectRef>
+                    <a:fontRef idx="minor">
+                      <a:schemeClr val="dk1"/>
+                    </a:fontRef>
+                  </p:style>
+                  <p:txBody>
+                    <a:bodyPr rtlCol="0" anchor="ctr"/>
+                    <a:lstStyle/>
+                    <a:p>
+                      <a:pPr algn="ctr"/>
+                      <a:endParaRPr lang="ru-RU"/>
+                    </a:p>
+                  </p:txBody>
+                </p:sp>
+                <p:sp>
+                  <p:nvSpPr>
+                    <p:cNvPr id="74" name="Блок-схема: процесс 73">
+                      <a:extLst>
+                        <a:ext uri="{FF2B5EF4-FFF2-40B4-BE49-F238E27FC236}">
+                          <a16:creationId xmlns:a16="http://schemas.microsoft.com/office/drawing/2014/main" id="{F32295A8-DC29-4345-B0BE-F798743BE92E}"/>
+                        </a:ext>
+                      </a:extLst>
+                    </p:cNvPr>
+                    <p:cNvSpPr/>
+                    <p:nvPr/>
+                  </p:nvSpPr>
+                  <p:spPr>
+                    <a:xfrm>
+                      <a:off x="369549" y="1944228"/>
+                      <a:ext cx="2434844" cy="407041"/>
+                    </a:xfrm>
+                    <a:prstGeom prst="flowChartProcess">
+                      <a:avLst/>
+                    </a:prstGeom>
+                    <a:ln w="38100"/>
+                  </p:spPr>
+                  <p:style>
+                    <a:lnRef idx="2">
+                      <a:schemeClr val="accent5"/>
+                    </a:lnRef>
+                    <a:fillRef idx="1">
+                      <a:schemeClr val="lt1"/>
+                    </a:fillRef>
+                    <a:effectRef idx="0">
+                      <a:schemeClr val="accent5"/>
+                    </a:effectRef>
+                    <a:fontRef idx="minor">
+                      <a:schemeClr val="dk1"/>
+                    </a:fontRef>
+                  </p:style>
+                  <p:txBody>
+                    <a:bodyPr rtlCol="0" anchor="ctr"/>
+                    <a:lstStyle/>
+                    <a:p>
+                      <a:pPr algn="ctr"/>
+                      <a:endParaRPr lang="ru-RU"/>
+                    </a:p>
+                  </p:txBody>
+                </p:sp>
+              </p:grpSp>
+              <p:graphicFrame>
+                <p:nvGraphicFramePr>
+                  <p:cNvPr id="52" name="Объект 51">
+                    <a:extLst>
+                      <a:ext uri="{FF2B5EF4-FFF2-40B4-BE49-F238E27FC236}">
+                        <a16:creationId xmlns:a16="http://schemas.microsoft.com/office/drawing/2014/main" id="{FE4D6B9C-F3F4-4237-A71D-FD30D56C4819}"/>
+                      </a:ext>
+                    </a:extLst>
+                  </p:cNvPr>
+                  <p:cNvGraphicFramePr>
+                    <a:graphicFrameLocks noChangeAspect="1"/>
+                  </p:cNvGraphicFramePr>
+                  <p:nvPr>
+                    <p:extLst>
+                      <p:ext uri="{D42A27DB-BD31-4B8C-83A1-F6EECF244321}">
+                        <p14:modId xmlns:p14="http://schemas.microsoft.com/office/powerpoint/2010/main" val="1955948081"/>
+                      </p:ext>
+                    </p:extLst>
+                  </p:nvPr>
+                </p:nvGraphicFramePr>
+                <p:xfrm>
+                  <a:off x="831308" y="984381"/>
+                  <a:ext cx="1612986" cy="586058"/>
+                </p:xfrm>
+                <a:graphic>
+                  <a:graphicData uri="http://schemas.openxmlformats.org/presentationml/2006/ole">
+                    <mc:AlternateContent xmlns:mc="http://schemas.openxmlformats.org/markup-compatibility/2006">
+                      <mc:Choice xmlns:v="urn:schemas-microsoft-com:vml" Requires="v">
+                        <p:oleObj spid="_x0000_s52438" name="Уравнение" r:id="rId21" imgW="1612800" imgH="583920" progId="Equation.3">
+                          <p:embed/>
+                        </p:oleObj>
+                      </mc:Choice>
+                      <mc:Fallback>
+                        <p:oleObj name="Уравнение" r:id="rId21" imgW="1612800" imgH="583920" progId="Equation.3">
+                          <p:embed/>
+                          <p:pic>
+                            <p:nvPicPr>
+                              <p:cNvPr id="109" name="Объект 108">
+                                <a:extLst>
+                                  <a:ext uri="{FF2B5EF4-FFF2-40B4-BE49-F238E27FC236}">
+                                    <a16:creationId xmlns:a16="http://schemas.microsoft.com/office/drawing/2014/main" id="{FE4D6B9C-F3F4-4237-A71D-FD30D56C4819}"/>
+                                  </a:ext>
+                                </a:extLst>
+                              </p:cNvPr>
+                              <p:cNvPicPr>
+                                <a:picLocks noChangeAspect="1" noChangeArrowheads="1"/>
+                              </p:cNvPicPr>
+                              <p:nvPr/>
+                            </p:nvPicPr>
+                            <p:blipFill>
+                              <a:blip r:embed="rId22"/>
+                              <a:srcRect/>
+                              <a:stretch>
+                                <a:fillRect/>
+                              </a:stretch>
+                            </p:blipFill>
+                            <p:spPr bwMode="auto">
+                              <a:xfrm>
+                                <a:off x="831308" y="984381"/>
+                                <a:ext cx="1612986" cy="586058"/>
+                              </a:xfrm>
+                              <a:prstGeom prst="rect">
+                                <a:avLst/>
+                              </a:prstGeom>
+                              <a:noFill/>
+                              <a:extLst>
+                                <a:ext uri="{909E8E84-426E-40DD-AFC4-6F175D3DCCD1}">
+                                  <a14:hiddenFill xmlns:a14="http://schemas.microsoft.com/office/drawing/2010/main">
+                                    <a:solidFill>
+                                      <a:srgbClr val="FFFFFF"/>
+                                    </a:solidFill>
+                                  </a14:hiddenFill>
+                                </a:ext>
+                              </a:extLst>
+                            </p:spPr>
+                          </p:pic>
+                        </p:oleObj>
+                      </mc:Fallback>
+                    </mc:AlternateContent>
+                  </a:graphicData>
+                </a:graphic>
+              </p:graphicFrame>
+              <p:sp>
+                <p:nvSpPr>
+                  <p:cNvPr id="57" name="Прямоугольник 56">
+                    <a:extLst>
+                      <a:ext uri="{FF2B5EF4-FFF2-40B4-BE49-F238E27FC236}">
+                        <a16:creationId xmlns:a16="http://schemas.microsoft.com/office/drawing/2014/main" id="{A17DDE54-953C-42C5-8D7A-487E2F0988AE}"/>
+                      </a:ext>
+                    </a:extLst>
+                  </p:cNvPr>
+                  <p:cNvSpPr/>
+                  <p:nvPr/>
+                </p:nvSpPr>
+                <p:spPr>
+                  <a:xfrm>
+                    <a:off x="2498677" y="2944745"/>
+                    <a:ext cx="1125769" cy="538725"/>
+                  </a:xfrm>
+                  <a:prstGeom prst="rect">
+                    <a:avLst/>
+                  </a:prstGeom>
+                </p:spPr>
+                <p:txBody>
+                  <a:bodyPr wrap="square">
+                    <a:spAutoFit/>
+                  </a:bodyPr>
+                  <a:lstStyle/>
+                  <a:p>
+                    <a:pPr algn="just">
+                      <a:spcAft>
+                        <a:spcPts val="0"/>
+                      </a:spcAft>
+                    </a:pPr>
+                    <a:r>
+                      <a:rPr lang="ru-RU" sz="1600" dirty="0">
+                        <a:latin typeface="Bookman Old Style" panose="02050604050505020204" pitchFamily="18" charset="0"/>
+                        <a:ea typeface="Times New Roman" panose="02020603050405020304" pitchFamily="18" charset="0"/>
+                      </a:rPr>
+                      <a:t>нет</a:t>
+                    </a:r>
+                    <a:endParaRPr lang="ru-RU" sz="1200" dirty="0">
+                      <a:effectLst/>
+                      <a:latin typeface="Bookman Old Style" panose="02050604050505020204" pitchFamily="18" charset="0"/>
+                      <a:ea typeface="Times New Roman" panose="02020603050405020304" pitchFamily="18" charset="0"/>
+                    </a:endParaRPr>
+                  </a:p>
+                </p:txBody>
+              </p:sp>
+              <p:sp>
+                <p:nvSpPr>
+                  <p:cNvPr id="58" name="Прямоугольник 57">
+                    <a:extLst>
+                      <a:ext uri="{FF2B5EF4-FFF2-40B4-BE49-F238E27FC236}">
+                        <a16:creationId xmlns:a16="http://schemas.microsoft.com/office/drawing/2014/main" id="{A1F166E6-F3BC-4095-B912-13E7DA349676}"/>
+                      </a:ext>
+                    </a:extLst>
+                  </p:cNvPr>
+                  <p:cNvSpPr/>
+                  <p:nvPr/>
+                </p:nvSpPr>
+                <p:spPr>
+                  <a:xfrm>
+                    <a:off x="993510" y="3800550"/>
+                    <a:ext cx="1057751" cy="538725"/>
+                  </a:xfrm>
+                  <a:prstGeom prst="rect">
+                    <a:avLst/>
+                  </a:prstGeom>
+                </p:spPr>
+                <p:txBody>
+                  <a:bodyPr wrap="square">
+                    <a:spAutoFit/>
+                  </a:bodyPr>
+                  <a:lstStyle/>
+                  <a:p>
+                    <a:pPr algn="just">
+                      <a:spcAft>
+                        <a:spcPts val="0"/>
+                      </a:spcAft>
+                    </a:pPr>
+                    <a:r>
+                      <a:rPr lang="ru-RU" sz="1600" dirty="0">
+                        <a:latin typeface="Bookman Old Style" panose="02050604050505020204" pitchFamily="18" charset="0"/>
+                        <a:ea typeface="Times New Roman" panose="02020603050405020304" pitchFamily="18" charset="0"/>
+                      </a:rPr>
+                      <a:t>да</a:t>
+                    </a:r>
+                    <a:endParaRPr lang="ru-RU" sz="1200" dirty="0">
+                      <a:effectLst/>
+                      <a:latin typeface="Bookman Old Style" panose="02050604050505020204" pitchFamily="18" charset="0"/>
+                      <a:ea typeface="Times New Roman" panose="02020603050405020304" pitchFamily="18" charset="0"/>
+                    </a:endParaRPr>
+                  </a:p>
+                </p:txBody>
+              </p:sp>
+              <p:sp>
+                <p:nvSpPr>
+                  <p:cNvPr id="59" name="Прямоугольник 58">
+                    <a:extLst>
+                      <a:ext uri="{FF2B5EF4-FFF2-40B4-BE49-F238E27FC236}">
+                        <a16:creationId xmlns:a16="http://schemas.microsoft.com/office/drawing/2014/main" id="{03829063-5F4C-469C-AB34-6C0BC455B0B9}"/>
+                      </a:ext>
+                    </a:extLst>
+                  </p:cNvPr>
+                  <p:cNvSpPr/>
+                  <p:nvPr/>
+                </p:nvSpPr>
+                <p:spPr>
+                  <a:xfrm>
+                    <a:off x="3624446" y="2501598"/>
+                    <a:ext cx="1178065" cy="538725"/>
+                  </a:xfrm>
+                  <a:prstGeom prst="rect">
+                    <a:avLst/>
+                  </a:prstGeom>
+                </p:spPr>
+                <p:txBody>
+                  <a:bodyPr wrap="square">
+                    <a:spAutoFit/>
+                  </a:bodyPr>
+                  <a:lstStyle/>
+                  <a:p>
+                    <a:pPr algn="just">
+                      <a:spcAft>
+                        <a:spcPts val="0"/>
+                      </a:spcAft>
+                    </a:pPr>
+                    <a:r>
+                      <a:rPr lang="ru-RU" sz="1600" dirty="0">
+                        <a:latin typeface="Bookman Old Style" panose="02050604050505020204" pitchFamily="18" charset="0"/>
+                        <a:ea typeface="Times New Roman" panose="02020603050405020304" pitchFamily="18" charset="0"/>
+                      </a:rPr>
+                      <a:t>нет</a:t>
+                    </a:r>
+                    <a:endParaRPr lang="ru-RU" sz="1200" dirty="0">
+                      <a:effectLst/>
+                      <a:latin typeface="Bookman Old Style" panose="02050604050505020204" pitchFamily="18" charset="0"/>
+                      <a:ea typeface="Times New Roman" panose="02020603050405020304" pitchFamily="18" charset="0"/>
+                    </a:endParaRPr>
+                  </a:p>
+                </p:txBody>
+              </p:sp>
+              <p:sp>
+                <p:nvSpPr>
+                  <p:cNvPr id="60" name="Прямоугольник 59">
+                    <a:extLst>
+                      <a:ext uri="{FF2B5EF4-FFF2-40B4-BE49-F238E27FC236}">
+                        <a16:creationId xmlns:a16="http://schemas.microsoft.com/office/drawing/2014/main" id="{23572F04-3C77-4967-A313-865CF4EDBE3D}"/>
+                      </a:ext>
+                    </a:extLst>
+                  </p:cNvPr>
+                  <p:cNvSpPr/>
+                  <p:nvPr/>
+                </p:nvSpPr>
+                <p:spPr>
+                  <a:xfrm>
+                    <a:off x="3798714" y="3800550"/>
+                    <a:ext cx="1037988" cy="538725"/>
+                  </a:xfrm>
+                  <a:prstGeom prst="rect">
+                    <a:avLst/>
+                  </a:prstGeom>
+                </p:spPr>
+                <p:txBody>
+                  <a:bodyPr wrap="square">
+                    <a:spAutoFit/>
+                  </a:bodyPr>
+                  <a:lstStyle/>
+                  <a:p>
+                    <a:pPr algn="just">
+                      <a:spcAft>
+                        <a:spcPts val="0"/>
+                      </a:spcAft>
+                    </a:pPr>
+                    <a:r>
+                      <a:rPr lang="ru-RU" sz="1600" dirty="0">
+                        <a:latin typeface="Bookman Old Style" panose="02050604050505020204" pitchFamily="18" charset="0"/>
+                        <a:ea typeface="Times New Roman" panose="02020603050405020304" pitchFamily="18" charset="0"/>
+                      </a:rPr>
+                      <a:t>да</a:t>
+                    </a:r>
+                    <a:endParaRPr lang="ru-RU" sz="1200" dirty="0">
+                      <a:effectLst/>
+                      <a:latin typeface="Bookman Old Style" panose="02050604050505020204" pitchFamily="18" charset="0"/>
+                      <a:ea typeface="Times New Roman" panose="02020603050405020304" pitchFamily="18" charset="0"/>
+                    </a:endParaRPr>
+                  </a:p>
+                </p:txBody>
+              </p:sp>
+            </p:grpSp>
+            <p:cxnSp>
+              <p:nvCxnSpPr>
+                <p:cNvPr id="42" name="Прямая со стрелкой 41">
+                  <a:extLst>
+                    <a:ext uri="{FF2B5EF4-FFF2-40B4-BE49-F238E27FC236}">
+                      <a16:creationId xmlns:a16="http://schemas.microsoft.com/office/drawing/2014/main" id="{50BE942C-BF26-4C2A-A0E9-7B950AE6AA0E}"/>
+                    </a:ext>
+                  </a:extLst>
+                </p:cNvPr>
+                <p:cNvCxnSpPr>
+                  <a:cxnSpLocks/>
+                  <a:stCxn id="72" idx="0"/>
+                  <a:endCxn id="73" idx="2"/>
+                </p:cNvCxnSpPr>
+                <p:nvPr/>
+              </p:nvCxnSpPr>
+              <p:spPr>
+                <a:xfrm flipH="1" flipV="1">
+                  <a:off x="10591756" y="2340141"/>
+                  <a:ext cx="2" cy="701787"/>
+                </a:xfrm>
+                <a:prstGeom prst="straightConnector1">
+                  <a:avLst/>
+                </a:prstGeom>
+                <a:ln>
+                  <a:tailEnd type="triangle"/>
+                </a:ln>
+              </p:spPr>
+              <p:style>
+                <a:lnRef idx="1">
+                  <a:schemeClr val="accent1"/>
+                </a:lnRef>
+                <a:fillRef idx="0">
+                  <a:schemeClr val="accent1"/>
+                </a:fillRef>
+                <a:effectRef idx="0">
+                  <a:schemeClr val="accent1"/>
+                </a:effectRef>
+                <a:fontRef idx="minor">
+                  <a:schemeClr val="tx1"/>
+                </a:fontRef>
+              </p:style>
+            </p:cxnSp>
+            <p:cxnSp>
+              <p:nvCxnSpPr>
+                <p:cNvPr id="43" name="Прямая со стрелкой 42">
+                  <a:extLst>
+                    <a:ext uri="{FF2B5EF4-FFF2-40B4-BE49-F238E27FC236}">
+                      <a16:creationId xmlns:a16="http://schemas.microsoft.com/office/drawing/2014/main" id="{91843B24-FEE4-4DF5-9BAD-9AC54DFF6C70}"/>
+                    </a:ext>
+                  </a:extLst>
+                </p:cNvPr>
+                <p:cNvCxnSpPr>
+                  <a:cxnSpLocks/>
+                  <a:stCxn id="76" idx="2"/>
+                  <a:endCxn id="77" idx="1"/>
+                </p:cNvCxnSpPr>
+                <p:nvPr/>
+              </p:nvCxnSpPr>
+              <p:spPr>
+                <a:xfrm>
+                  <a:off x="7783417" y="641538"/>
+                  <a:ext cx="0" cy="268650"/>
+                </a:xfrm>
+                <a:prstGeom prst="straightConnector1">
+                  <a:avLst/>
+                </a:prstGeom>
+                <a:ln>
+                  <a:tailEnd type="triangle"/>
+                </a:ln>
+              </p:spPr>
+              <p:style>
+                <a:lnRef idx="1">
+                  <a:schemeClr val="accent1"/>
+                </a:lnRef>
+                <a:fillRef idx="0">
+                  <a:schemeClr val="accent1"/>
+                </a:fillRef>
+                <a:effectRef idx="0">
+                  <a:schemeClr val="accent1"/>
+                </a:effectRef>
+                <a:fontRef idx="minor">
+                  <a:schemeClr val="tx1"/>
+                </a:fontRef>
+              </p:style>
+            </p:cxnSp>
+            <p:cxnSp>
+              <p:nvCxnSpPr>
+                <p:cNvPr id="44" name="Прямая со стрелкой 43">
+                  <a:extLst>
+                    <a:ext uri="{FF2B5EF4-FFF2-40B4-BE49-F238E27FC236}">
+                      <a16:creationId xmlns:a16="http://schemas.microsoft.com/office/drawing/2014/main" id="{A6E9D95C-B330-4288-97B0-7C176866ACB6}"/>
+                    </a:ext>
+                  </a:extLst>
+                </p:cNvPr>
+                <p:cNvCxnSpPr>
+                  <a:cxnSpLocks/>
+                  <a:stCxn id="77" idx="4"/>
+                  <a:endCxn id="74" idx="0"/>
+                </p:cNvCxnSpPr>
+                <p:nvPr/>
+              </p:nvCxnSpPr>
+              <p:spPr>
+                <a:xfrm>
+                  <a:off x="7783417" y="1621254"/>
+                  <a:ext cx="0" cy="314452"/>
+                </a:xfrm>
+                <a:prstGeom prst="straightConnector1">
+                  <a:avLst/>
+                </a:prstGeom>
+                <a:ln>
+                  <a:tailEnd type="triangle"/>
+                </a:ln>
+              </p:spPr>
+              <p:style>
+                <a:lnRef idx="1">
+                  <a:schemeClr val="accent1"/>
+                </a:lnRef>
+                <a:fillRef idx="0">
+                  <a:schemeClr val="accent1"/>
+                </a:fillRef>
+                <a:effectRef idx="0">
+                  <a:schemeClr val="accent1"/>
+                </a:effectRef>
+                <a:fontRef idx="minor">
+                  <a:schemeClr val="tx1"/>
+                </a:fontRef>
+              </p:style>
+            </p:cxnSp>
+            <p:cxnSp>
+              <p:nvCxnSpPr>
+                <p:cNvPr id="47" name="Прямая со стрелкой 46">
+                  <a:extLst>
+                    <a:ext uri="{FF2B5EF4-FFF2-40B4-BE49-F238E27FC236}">
+                      <a16:creationId xmlns:a16="http://schemas.microsoft.com/office/drawing/2014/main" id="{D5FA96B8-7AD9-4D82-B62B-6C1E0591ACFA}"/>
+                    </a:ext>
+                  </a:extLst>
+                </p:cNvPr>
+                <p:cNvCxnSpPr>
+                  <a:cxnSpLocks/>
+                  <a:stCxn id="74" idx="2"/>
+                  <a:endCxn id="69" idx="0"/>
+                </p:cNvCxnSpPr>
+                <p:nvPr/>
+              </p:nvCxnSpPr>
+              <p:spPr>
+                <a:xfrm>
+                  <a:off x="7783417" y="2342748"/>
+                  <a:ext cx="2522" cy="630160"/>
+                </a:xfrm>
+                <a:prstGeom prst="straightConnector1">
+                  <a:avLst/>
+                </a:prstGeom>
+                <a:ln>
+                  <a:tailEnd type="triangle"/>
+                </a:ln>
+              </p:spPr>
+              <p:style>
+                <a:lnRef idx="1">
+                  <a:schemeClr val="accent1"/>
+                </a:lnRef>
+                <a:fillRef idx="0">
+                  <a:schemeClr val="accent1"/>
+                </a:fillRef>
+                <a:effectRef idx="0">
+                  <a:schemeClr val="accent1"/>
+                </a:effectRef>
+                <a:fontRef idx="minor">
+                  <a:schemeClr val="tx1"/>
+                </a:fontRef>
+              </p:style>
+            </p:cxnSp>
+            <p:cxnSp>
+              <p:nvCxnSpPr>
+                <p:cNvPr id="48" name="Прямая со стрелкой 47">
+                  <a:extLst>
+                    <a:ext uri="{FF2B5EF4-FFF2-40B4-BE49-F238E27FC236}">
+                      <a16:creationId xmlns:a16="http://schemas.microsoft.com/office/drawing/2014/main" id="{3156BDD2-6F43-4E69-A1A7-502C7BD76651}"/>
+                    </a:ext>
+                  </a:extLst>
+                </p:cNvPr>
+                <p:cNvCxnSpPr>
+                  <a:cxnSpLocks/>
+                  <a:stCxn id="38" idx="2"/>
+                  <a:endCxn id="71" idx="0"/>
+                </p:cNvCxnSpPr>
+                <p:nvPr/>
+              </p:nvCxnSpPr>
+              <p:spPr>
+                <a:xfrm flipH="1">
+                  <a:off x="10591759" y="4948549"/>
+                  <a:ext cx="583" cy="1000799"/>
+                </a:xfrm>
+                <a:prstGeom prst="straightConnector1">
+                  <a:avLst/>
+                </a:prstGeom>
+                <a:ln>
+                  <a:tailEnd type="triangle"/>
+                </a:ln>
+              </p:spPr>
+              <p:style>
+                <a:lnRef idx="1">
+                  <a:schemeClr val="accent1"/>
+                </a:lnRef>
+                <a:fillRef idx="0">
+                  <a:schemeClr val="accent1"/>
+                </a:fillRef>
+                <a:effectRef idx="0">
+                  <a:schemeClr val="accent1"/>
+                </a:effectRef>
+                <a:fontRef idx="minor">
+                  <a:schemeClr val="tx1"/>
+                </a:fontRef>
+              </p:style>
+            </p:cxnSp>
+            <p:cxnSp>
+              <p:nvCxnSpPr>
+                <p:cNvPr id="50" name="Прямая со стрелкой 49">
+                  <a:extLst>
+                    <a:ext uri="{FF2B5EF4-FFF2-40B4-BE49-F238E27FC236}">
+                      <a16:creationId xmlns:a16="http://schemas.microsoft.com/office/drawing/2014/main" id="{46F4D82D-F2CC-4E4C-B944-5AF500598DE4}"/>
+                    </a:ext>
+                  </a:extLst>
+                </p:cNvPr>
+                <p:cNvCxnSpPr>
+                  <a:cxnSpLocks/>
+                  <a:stCxn id="69" idx="3"/>
+                  <a:endCxn id="72" idx="1"/>
+                </p:cNvCxnSpPr>
+                <p:nvPr/>
+              </p:nvCxnSpPr>
+              <p:spPr>
+                <a:xfrm flipV="1">
+                  <a:off x="8622787" y="3435893"/>
+                  <a:ext cx="1093291" cy="2245"/>
+                </a:xfrm>
+                <a:prstGeom prst="straightConnector1">
+                  <a:avLst/>
+                </a:prstGeom>
+                <a:ln>
+                  <a:tailEnd type="triangle"/>
+                </a:ln>
+              </p:spPr>
+              <p:style>
+                <a:lnRef idx="1">
+                  <a:schemeClr val="accent1"/>
+                </a:lnRef>
+                <a:fillRef idx="0">
+                  <a:schemeClr val="accent1"/>
+                </a:fillRef>
+                <a:effectRef idx="0">
+                  <a:schemeClr val="accent1"/>
+                </a:effectRef>
+                <a:fontRef idx="minor">
+                  <a:schemeClr val="tx1"/>
+                </a:fontRef>
+              </p:style>
+            </p:cxnSp>
+          </p:grpSp>
+          <p:sp>
+            <p:nvSpPr>
+              <p:cNvPr id="38" name="Блок-схема: процесс 37">
+                <a:extLst>
+                  <a:ext uri="{FF2B5EF4-FFF2-40B4-BE49-F238E27FC236}">
+                    <a16:creationId xmlns:a16="http://schemas.microsoft.com/office/drawing/2014/main" id="{F32295A8-DC29-4345-B0BE-F798743BE92E}"/>
+                  </a:ext>
+                </a:extLst>
+              </p:cNvPr>
+              <p:cNvSpPr/>
+              <p:nvPr/>
+            </p:nvSpPr>
+            <p:spPr>
+              <a:xfrm>
+                <a:off x="9533475" y="4480069"/>
+                <a:ext cx="2663541" cy="407041"/>
+              </a:xfrm>
+              <a:prstGeom prst="flowChartProcess">
+                <a:avLst/>
+              </a:prstGeom>
+              <a:ln w="38100"/>
+            </p:spPr>
+            <p:style>
+              <a:lnRef idx="2">
+                <a:schemeClr val="accent5"/>
+              </a:lnRef>
+              <a:fillRef idx="1">
+                <a:schemeClr val="lt1"/>
+              </a:fillRef>
+              <a:effectRef idx="0">
+                <a:schemeClr val="accent5"/>
+              </a:effectRef>
+              <a:fontRef idx="minor">
+                <a:schemeClr val="dk1"/>
+              </a:fontRef>
+            </p:style>
+            <p:txBody>
+              <a:bodyPr rtlCol="0" anchor="ctr"/>
+              <a:lstStyle/>
+              <a:p>
+                <a:pPr algn="ctr"/>
+                <a:endParaRPr lang="ru-RU"/>
+              </a:p>
+            </p:txBody>
+          </p:sp>
+        </p:grpSp>
+        <p:graphicFrame>
+          <p:nvGraphicFramePr>
+            <p:cNvPr id="52321" name="Объект 52320"/>
+            <p:cNvGraphicFramePr>
+              <a:graphicFrameLocks noChangeAspect="1"/>
+            </p:cNvGraphicFramePr>
+            <p:nvPr>
+              <p:extLst>
+                <p:ext uri="{D42A27DB-BD31-4B8C-83A1-F6EECF244321}">
+                  <p14:modId xmlns:p14="http://schemas.microsoft.com/office/powerpoint/2010/main" val="321114521"/>
+                </p:ext>
+              </p:extLst>
+            </p:nvPr>
+          </p:nvGraphicFramePr>
+          <p:xfrm>
+            <a:off x="6611851" y="1537915"/>
+            <a:ext cx="219075" cy="219075"/>
+          </p:xfrm>
+          <a:graphic>
+            <a:graphicData uri="http://schemas.openxmlformats.org/presentationml/2006/ole">
+              <mc:AlternateContent xmlns:mc="http://schemas.openxmlformats.org/markup-compatibility/2006">
+                <mc:Choice xmlns:v="urn:schemas-microsoft-com:vml" Requires="v">
+                  <p:oleObj spid="_x0000_s52439" name="Уравнение" r:id="rId23" imgW="215640" imgH="228600" progId="Equation.3">
+                    <p:embed/>
+                  </p:oleObj>
+                </mc:Choice>
+                <mc:Fallback>
+                  <p:oleObj name="Уравнение" r:id="rId23" imgW="215640" imgH="228600" progId="Equation.3">
+                    <p:embed/>
+                    <p:pic>
+                      <p:nvPicPr>
+                        <p:cNvPr id="0" name="Object 150"/>
+                        <p:cNvPicPr>
+                          <a:picLocks noChangeAspect="1" noChangeArrowheads="1"/>
+                        </p:cNvPicPr>
+                        <p:nvPr/>
+                      </p:nvPicPr>
+                      <p:blipFill>
+                        <a:blip r:embed="rId24"/>
+                        <a:srcRect/>
+                        <a:stretch>
+                          <a:fillRect/>
+                        </a:stretch>
+                      </p:blipFill>
+                      <p:spPr bwMode="auto">
+                        <a:xfrm>
+                          <a:off x="6611851" y="1537915"/>
+                          <a:ext cx="219075" cy="219075"/>
+                        </a:xfrm>
+                        <a:prstGeom prst="rect">
+                          <a:avLst/>
+                        </a:prstGeom>
+                        <a:noFill/>
+                        <a:extLst>
+                          <a:ext uri="{909E8E84-426E-40DD-AFC4-6F175D3DCCD1}">
+                            <a14:hiddenFill xmlns:a14="http://schemas.microsoft.com/office/drawing/2010/main">
+                              <a:solidFill>
+                                <a:srgbClr val="FFFFFF"/>
+                              </a:solidFill>
+                            </a14:hiddenFill>
+                          </a:ext>
+                        </a:extLst>
+                      </p:spPr>
+                    </p:pic>
+                  </p:oleObj>
+                </mc:Fallback>
+              </mc:AlternateContent>
+            </a:graphicData>
+          </a:graphic>
+        </p:graphicFrame>
+        <p:sp>
+          <p:nvSpPr>
+            <p:cNvPr id="52322" name="TextBox 52321"/>
+            <p:cNvSpPr txBox="1"/>
+            <p:nvPr/>
+          </p:nvSpPr>
+          <p:spPr>
+            <a:xfrm>
+              <a:off x="5760971" y="1491098"/>
+              <a:ext cx="927815" cy="307777"/>
+            </a:xfrm>
+            <a:prstGeom prst="rect">
+              <a:avLst/>
+            </a:prstGeom>
+            <a:noFill/>
+          </p:spPr>
+          <p:txBody>
+            <a:bodyPr wrap="square" rtlCol="0">
+              <a:spAutoFit/>
+            </a:bodyPr>
+            <a:lstStyle/>
+            <a:p>
+              <a:r>
+                <a:rPr lang="ru-RU" dirty="0" smtClean="0">
+                  <a:latin typeface="Times New Roman" panose="02020603050405020304" pitchFamily="18" charset="0"/>
+                  <a:cs typeface="Times New Roman" panose="02020603050405020304" pitchFamily="18" charset="0"/>
+                </a:rPr>
+                <a:t>ис.поиск</a:t>
+              </a:r>
+              <a:endParaRPr lang="ru-RU" dirty="0">
+                <a:latin typeface="Times New Roman" panose="02020603050405020304" pitchFamily="18" charset="0"/>
+                <a:cs typeface="Times New Roman" panose="02020603050405020304" pitchFamily="18" charset="0"/>
+              </a:endParaRPr>
+            </a:p>
+          </p:txBody>
+        </p:sp>
+      </p:grpSp>
+      <p:graphicFrame>
+        <p:nvGraphicFramePr>
+          <p:cNvPr id="122" name="Объект 121"/>
+          <p:cNvGraphicFramePr>
+            <a:graphicFrameLocks noChangeAspect="1"/>
+          </p:cNvGraphicFramePr>
+          <p:nvPr>
+            <p:extLst>
+              <p:ext uri="{D42A27DB-BD31-4B8C-83A1-F6EECF244321}">
+                <p14:modId xmlns:p14="http://schemas.microsoft.com/office/powerpoint/2010/main" val="600427852"/>
+              </p:ext>
+            </p:extLst>
+          </p:nvPr>
+        </p:nvGraphicFramePr>
+        <p:xfrm>
+          <a:off x="6068701" y="2343468"/>
+          <a:ext cx="606425" cy="219075"/>
+        </p:xfrm>
+        <a:graphic>
+          <a:graphicData uri="http://schemas.openxmlformats.org/presentationml/2006/ole">
+            <mc:AlternateContent xmlns:mc="http://schemas.openxmlformats.org/markup-compatibility/2006">
+              <mc:Choice xmlns:v="urn:schemas-microsoft-com:vml" Requires="v">
+                <p:oleObj spid="_x0000_s52440" name="Уравнение" r:id="rId25" imgW="596880" imgH="228600" progId="Equation.3">
+                  <p:embed/>
+                </p:oleObj>
+              </mc:Choice>
+              <mc:Fallback>
+                <p:oleObj name="Уравнение" r:id="rId25" imgW="596880" imgH="228600" progId="Equation.3">
+                  <p:embed/>
+                  <p:pic>
+                    <p:nvPicPr>
+                      <p:cNvPr id="52321" name="Объект 52320"/>
+                      <p:cNvPicPr>
+                        <a:picLocks noChangeAspect="1" noChangeArrowheads="1"/>
+                      </p:cNvPicPr>
+                      <p:nvPr/>
+                    </p:nvPicPr>
+                    <p:blipFill>
+                      <a:blip r:embed="rId26"/>
+                      <a:srcRect/>
+                      <a:stretch>
+                        <a:fillRect/>
+                      </a:stretch>
+                    </p:blipFill>
+                    <p:spPr bwMode="auto">
+                      <a:xfrm>
+                        <a:off x="6068701" y="2343468"/>
+                        <a:ext cx="606425" cy="219075"/>
+                      </a:xfrm>
+                      <a:prstGeom prst="rect">
+                        <a:avLst/>
+                      </a:prstGeom>
+                      <a:noFill/>
+                      <a:extLst>
+                        <a:ext uri="{909E8E84-426E-40DD-AFC4-6F175D3DCCD1}">
+                          <a14:hiddenFill xmlns:a14="http://schemas.microsoft.com/office/drawing/2010/main">
+                            <a:solidFill>
+                              <a:srgbClr val="FFFFFF"/>
+                            </a:solidFill>
+                          </a14:hiddenFill>
+                        </a:ext>
+                      </a:extLst>
+                    </p:spPr>
+                  </p:pic>
+                </p:oleObj>
+              </mc:Fallback>
+            </mc:AlternateContent>
+          </a:graphicData>
+        </a:graphic>
+      </p:graphicFrame>
+      <p:cxnSp>
+        <p:nvCxnSpPr>
+          <p:cNvPr id="135" name="Прямая со стрелкой 134">
+            <a:extLst>
+              <a:ext uri="{FF2B5EF4-FFF2-40B4-BE49-F238E27FC236}">
+                <a16:creationId xmlns:a16="http://schemas.microsoft.com/office/drawing/2014/main" id="{3156BDD2-6F43-4E69-A1A7-502C7BD76651}"/>
+              </a:ext>
+            </a:extLst>
+          </p:cNvPr>
+          <p:cNvCxnSpPr>
+            <a:cxnSpLocks/>
+            <a:stCxn id="69" idx="2"/>
+            <a:endCxn id="155" idx="0"/>
+          </p:cNvCxnSpPr>
+          <p:nvPr/>
+        </p:nvCxnSpPr>
+        <p:spPr>
+          <a:xfrm flipH="1">
+            <a:off x="6403585" y="2770786"/>
+            <a:ext cx="1658" cy="395360"/>
+          </a:xfrm>
+          <a:prstGeom prst="straightConnector1">
+            <a:avLst/>
+          </a:prstGeom>
+          <a:ln>
+            <a:tailEnd type="triangle"/>
+          </a:ln>
+        </p:spPr>
+        <p:style>
+          <a:lnRef idx="1">
+            <a:schemeClr val="accent1"/>
+          </a:lnRef>
+          <a:fillRef idx="0">
+            <a:schemeClr val="accent1"/>
+          </a:fillRef>
+          <a:effectRef idx="0">
+            <a:schemeClr val="accent1"/>
+          </a:effectRef>
+          <a:fontRef idx="minor">
+            <a:schemeClr val="tx1"/>
+          </a:fontRef>
+        </p:style>
+      </p:cxnSp>
+      <p:graphicFrame>
+        <p:nvGraphicFramePr>
+          <p:cNvPr id="146" name="Объект 145"/>
+          <p:cNvGraphicFramePr>
+            <a:graphicFrameLocks noChangeAspect="1"/>
+          </p:cNvGraphicFramePr>
+          <p:nvPr>
+            <p:extLst>
+              <p:ext uri="{D42A27DB-BD31-4B8C-83A1-F6EECF244321}">
+                <p14:modId xmlns:p14="http://schemas.microsoft.com/office/powerpoint/2010/main" val="3503624729"/>
+              </p:ext>
+            </p:extLst>
+          </p:nvPr>
+        </p:nvGraphicFramePr>
+        <p:xfrm>
+          <a:off x="7974232" y="2319661"/>
+          <a:ext cx="566737" cy="292100"/>
+        </p:xfrm>
+        <a:graphic>
+          <a:graphicData uri="http://schemas.openxmlformats.org/presentationml/2006/ole">
+            <mc:AlternateContent xmlns:mc="http://schemas.openxmlformats.org/markup-compatibility/2006">
+              <mc:Choice xmlns:v="urn:schemas-microsoft-com:vml" Requires="v">
+                <p:oleObj spid="_x0000_s52441" name="Уравнение" r:id="rId27" imgW="558720" imgH="304560" progId="Equation.3">
+                  <p:embed/>
+                </p:oleObj>
+              </mc:Choice>
+              <mc:Fallback>
+                <p:oleObj name="Уравнение" r:id="rId27" imgW="558720" imgH="304560" progId="Equation.3">
+                  <p:embed/>
+                  <p:pic>
+                    <p:nvPicPr>
+                      <p:cNvPr id="130" name="Объект 129"/>
+                      <p:cNvPicPr>
+                        <a:picLocks noChangeAspect="1" noChangeArrowheads="1"/>
+                      </p:cNvPicPr>
+                      <p:nvPr/>
+                    </p:nvPicPr>
+                    <p:blipFill>
+                      <a:blip r:embed="rId28"/>
+                      <a:srcRect/>
+                      <a:stretch>
+                        <a:fillRect/>
+                      </a:stretch>
+                    </p:blipFill>
+                    <p:spPr bwMode="auto">
+                      <a:xfrm>
+                        <a:off x="7974232" y="2319661"/>
+                        <a:ext cx="566737" cy="292100"/>
+                      </a:xfrm>
+                      <a:prstGeom prst="rect">
+                        <a:avLst/>
+                      </a:prstGeom>
+                      <a:noFill/>
+                      <a:extLst>
+                        <a:ext uri="{909E8E84-426E-40DD-AFC4-6F175D3DCCD1}">
+                          <a14:hiddenFill xmlns:a14="http://schemas.microsoft.com/office/drawing/2010/main">
+                            <a:solidFill>
+                              <a:srgbClr val="FFFFFF"/>
+                            </a:solidFill>
+                          </a14:hiddenFill>
+                        </a:ext>
+                      </a:extLst>
+                    </p:spPr>
+                  </p:pic>
+                </p:oleObj>
+              </mc:Fallback>
+            </mc:AlternateContent>
+          </a:graphicData>
+        </a:graphic>
+      </p:graphicFrame>
+      <p:sp>
+        <p:nvSpPr>
+          <p:cNvPr id="155" name="Блок-схема: процесс 154">
+            <a:extLst>
+              <a:ext uri="{FF2B5EF4-FFF2-40B4-BE49-F238E27FC236}">
+                <a16:creationId xmlns:a16="http://schemas.microsoft.com/office/drawing/2014/main" id="{5487EC7E-ACE5-41D5-80BD-205734EF8718}"/>
+              </a:ext>
+            </a:extLst>
+          </p:cNvPr>
+          <p:cNvSpPr/>
+          <p:nvPr/>
+        </p:nvSpPr>
+        <p:spPr>
+          <a:xfrm>
+            <a:off x="5603197" y="3166146"/>
+            <a:ext cx="1600776" cy="255799"/>
+          </a:xfrm>
+          <a:prstGeom prst="flowChartProcess">
+            <a:avLst/>
+          </a:prstGeom>
+          <a:ln w="38100"/>
+        </p:spPr>
+        <p:style>
+          <a:lnRef idx="2">
+            <a:schemeClr val="accent5"/>
+          </a:lnRef>
+          <a:fillRef idx="1">
+            <a:schemeClr val="lt1"/>
+          </a:fillRef>
+          <a:effectRef idx="0">
+            <a:schemeClr val="accent5"/>
+          </a:effectRef>
+          <a:fontRef idx="minor">
+            <a:schemeClr val="dk1"/>
+          </a:fontRef>
+        </p:style>
+        <p:txBody>
+          <a:bodyPr rtlCol="0" anchor="ctr"/>
+          <a:lstStyle/>
+          <a:p>
+            <a:pPr algn="ctr"/>
+            <a:endParaRPr lang="ru-RU"/>
+          </a:p>
+        </p:txBody>
+      </p:sp>
+      <p:sp>
+        <p:nvSpPr>
+          <p:cNvPr id="116" name="Rectangle 171"/>
+          <p:cNvSpPr>
+            <a:spLocks noChangeArrowheads="1"/>
+          </p:cNvSpPr>
+          <p:nvPr/>
+        </p:nvSpPr>
+        <p:spPr bwMode="auto">
+          <a:xfrm>
+            <a:off x="4961830" y="3015595"/>
+            <a:ext cx="9144000" cy="0"/>
+          </a:xfrm>
+          <a:prstGeom prst="rect">
+            <a:avLst/>
+          </a:prstGeom>
+          <a:noFill/>
+          <a:ln>
+            <a:noFill/>
+          </a:ln>
+          <a:effectLst/>
+          <a:extLst>
+            <a:ext uri="{909E8E84-426E-40DD-AFC4-6F175D3DCCD1}">
+              <a14:hiddenFill xmlns:a14="http://schemas.microsoft.com/office/drawing/2010/main">
+                <a:solidFill>
+                  <a:schemeClr val="accent1"/>
+                </a:solidFill>
+              </a14:hiddenFill>
+            </a:ext>
+            <a:ext uri="{91240B29-F687-4F45-9708-019B960494DF}">
+              <a14:hiddenLine xmlns:a14="http://schemas.microsoft.com/office/drawing/2010/main" w="9525">
+                <a:solidFill>
+                  <a:schemeClr val="tx1"/>
+                </a:solidFill>
+                <a:miter lim="800000"/>
+                <a:headEnd/>
+                <a:tailEnd/>
+              </a14:hiddenLine>
+            </a:ext>
+            <a:ext uri="{AF507438-7753-43E0-B8FC-AC1667EBCBE1}">
+              <a14:hiddenEffects xmlns:a14="http://schemas.microsoft.com/office/drawing/2010/main">
+                <a:effectLst>
+                  <a:outerShdw dist="35921" dir="2700000" algn="ctr" rotWithShape="0">
+                    <a:schemeClr val="bg2"/>
+                  </a:outerShdw>
+                </a:effectLst>
+              </a14:hiddenEffects>
+            </a:ext>
+          </a:extLst>
+        </p:spPr>
+        <p:txBody>
+          <a:bodyPr vert="horz" wrap="none" lIns="91440" tIns="45720" rIns="91440" bIns="45720" numCol="1" anchor="ctr" anchorCtr="0" compatLnSpc="1">
+            <a:prstTxWarp prst="textNoShape">
+              <a:avLst/>
+            </a:prstTxWarp>
+            <a:spAutoFit/>
+          </a:bodyPr>
+          <a:lstStyle/>
+          <a:p>
+            <a:endParaRPr lang="ru-RU"/>
+          </a:p>
+        </p:txBody>
+      </p:sp>
+      <p:graphicFrame>
+        <p:nvGraphicFramePr>
+          <p:cNvPr id="117" name="Объект 116"/>
+          <p:cNvGraphicFramePr>
+            <a:graphicFrameLocks noChangeAspect="1"/>
+          </p:cNvGraphicFramePr>
+          <p:nvPr>
+            <p:extLst>
+              <p:ext uri="{D42A27DB-BD31-4B8C-83A1-F6EECF244321}">
+                <p14:modId xmlns:p14="http://schemas.microsoft.com/office/powerpoint/2010/main" val="211869696"/>
+              </p:ext>
+            </p:extLst>
+          </p:nvPr>
+        </p:nvGraphicFramePr>
+        <p:xfrm>
+          <a:off x="5775238" y="3162250"/>
+          <a:ext cx="1055688" cy="217487"/>
+        </p:xfrm>
+        <a:graphic>
+          <a:graphicData uri="http://schemas.openxmlformats.org/presentationml/2006/ole">
+            <mc:AlternateContent xmlns:mc="http://schemas.openxmlformats.org/markup-compatibility/2006">
+              <mc:Choice xmlns:v="urn:schemas-microsoft-com:vml" Requires="v">
+                <p:oleObj spid="_x0000_s52442" name="Уравнение" r:id="rId29" imgW="1054080" imgH="228600" progId="Equation.3">
+                  <p:embed/>
+                </p:oleObj>
+              </mc:Choice>
+              <mc:Fallback>
+                <p:oleObj name="Уравнение" r:id="rId29" imgW="1054080" imgH="228600" progId="Equation.3">
+                  <p:embed/>
+                  <p:pic>
+                    <p:nvPicPr>
+                      <p:cNvPr id="0" name="Object 170"/>
+                      <p:cNvPicPr>
+                        <a:picLocks noChangeAspect="1" noChangeArrowheads="1"/>
+                      </p:cNvPicPr>
+                      <p:nvPr/>
+                    </p:nvPicPr>
+                    <p:blipFill>
+                      <a:blip r:embed="rId30"/>
+                      <a:srcRect/>
+                      <a:stretch>
+                        <a:fillRect/>
+                      </a:stretch>
+                    </p:blipFill>
+                    <p:spPr bwMode="auto">
+                      <a:xfrm>
+                        <a:off x="5775238" y="3162250"/>
+                        <a:ext cx="1055688" cy="217487"/>
+                      </a:xfrm>
+                      <a:prstGeom prst="rect">
+                        <a:avLst/>
+                      </a:prstGeom>
+                      <a:noFill/>
+                      <a:extLst>
+                        <a:ext uri="{909E8E84-426E-40DD-AFC4-6F175D3DCCD1}">
+                          <a14:hiddenFill xmlns:a14="http://schemas.microsoft.com/office/drawing/2010/main">
+                            <a:solidFill>
+                              <a:srgbClr val="FFFFFF"/>
+                            </a:solidFill>
+                          </a14:hiddenFill>
+                        </a:ext>
+                      </a:extLst>
+                    </p:spPr>
+                  </p:pic>
+                </p:oleObj>
+              </mc:Fallback>
+            </mc:AlternateContent>
+          </a:graphicData>
+        </a:graphic>
+      </p:graphicFrame>
+      <p:cxnSp>
+        <p:nvCxnSpPr>
+          <p:cNvPr id="166" name="Прямая со стрелкой 165">
+            <a:extLst>
+              <a:ext uri="{FF2B5EF4-FFF2-40B4-BE49-F238E27FC236}">
+                <a16:creationId xmlns:a16="http://schemas.microsoft.com/office/drawing/2014/main" id="{3156BDD2-6F43-4E69-A1A7-502C7BD76651}"/>
+              </a:ext>
+            </a:extLst>
+          </p:cNvPr>
+          <p:cNvCxnSpPr>
+            <a:cxnSpLocks/>
+            <a:stCxn id="72" idx="2"/>
+            <a:endCxn id="38" idx="0"/>
+          </p:cNvCxnSpPr>
+          <p:nvPr/>
+        </p:nvCxnSpPr>
+        <p:spPr>
+          <a:xfrm>
+            <a:off x="8249915" y="2724589"/>
+            <a:ext cx="384" cy="447226"/>
+          </a:xfrm>
+          <a:prstGeom prst="straightConnector1">
+            <a:avLst/>
+          </a:prstGeom>
+          <a:ln>
+            <a:tailEnd type="triangle"/>
+          </a:ln>
+        </p:spPr>
+        <p:style>
+          <a:lnRef idx="1">
+            <a:schemeClr val="accent1"/>
+          </a:lnRef>
+          <a:fillRef idx="0">
+            <a:schemeClr val="accent1"/>
+          </a:fillRef>
+          <a:effectRef idx="0">
+            <a:schemeClr val="accent1"/>
+          </a:effectRef>
+          <a:fontRef idx="minor">
+            <a:schemeClr val="tx1"/>
+          </a:fontRef>
+        </p:style>
+      </p:cxnSp>
+      <p:graphicFrame>
+        <p:nvGraphicFramePr>
+          <p:cNvPr id="174" name="Объект 173"/>
+          <p:cNvGraphicFramePr>
+            <a:graphicFrameLocks noChangeAspect="1"/>
+          </p:cNvGraphicFramePr>
+          <p:nvPr>
+            <p:extLst>
+              <p:ext uri="{D42A27DB-BD31-4B8C-83A1-F6EECF244321}">
+                <p14:modId xmlns:p14="http://schemas.microsoft.com/office/powerpoint/2010/main" val="3198946027"/>
+              </p:ext>
+            </p:extLst>
+          </p:nvPr>
+        </p:nvGraphicFramePr>
+        <p:xfrm>
+          <a:off x="7455482" y="3172714"/>
+          <a:ext cx="1641475" cy="254000"/>
+        </p:xfrm>
+        <a:graphic>
+          <a:graphicData uri="http://schemas.openxmlformats.org/presentationml/2006/ole">
+            <mc:AlternateContent xmlns:mc="http://schemas.openxmlformats.org/markup-compatibility/2006">
+              <mc:Choice xmlns:v="urn:schemas-microsoft-com:vml" Requires="v">
+                <p:oleObj spid="_x0000_s52443" name="Уравнение" r:id="rId31" imgW="1638000" imgH="266400" progId="Equation.3">
+                  <p:embed/>
+                </p:oleObj>
+              </mc:Choice>
+              <mc:Fallback>
+                <p:oleObj name="Уравнение" r:id="rId31" imgW="1638000" imgH="266400" progId="Equation.3">
+                  <p:embed/>
+                  <p:pic>
+                    <p:nvPicPr>
+                      <p:cNvPr id="117" name="Объект 116"/>
+                      <p:cNvPicPr>
+                        <a:picLocks noChangeAspect="1" noChangeArrowheads="1"/>
+                      </p:cNvPicPr>
+                      <p:nvPr/>
+                    </p:nvPicPr>
+                    <p:blipFill>
+                      <a:blip r:embed="rId32"/>
+                      <a:srcRect/>
+                      <a:stretch>
+                        <a:fillRect/>
+                      </a:stretch>
+                    </p:blipFill>
+                    <p:spPr bwMode="auto">
+                      <a:xfrm>
+                        <a:off x="7455482" y="3172714"/>
+                        <a:ext cx="1641475" cy="254000"/>
+                      </a:xfrm>
+                      <a:prstGeom prst="rect">
+                        <a:avLst/>
+                      </a:prstGeom>
+                      <a:noFill/>
+                      <a:extLst>
+                        <a:ext uri="{909E8E84-426E-40DD-AFC4-6F175D3DCCD1}">
+                          <a14:hiddenFill xmlns:a14="http://schemas.microsoft.com/office/drawing/2010/main">
+                            <a:solidFill>
+                              <a:srgbClr val="FFFFFF"/>
+                            </a:solidFill>
+                          </a14:hiddenFill>
+                        </a:ext>
+                      </a:extLst>
+                    </p:spPr>
+                  </p:pic>
+                </p:oleObj>
+              </mc:Fallback>
+            </mc:AlternateContent>
+          </a:graphicData>
+        </a:graphic>
+      </p:graphicFrame>
+      <p:sp>
+        <p:nvSpPr>
+          <p:cNvPr id="210" name="Блок-схема: процесс 209">
+            <a:extLst>
+              <a:ext uri="{FF2B5EF4-FFF2-40B4-BE49-F238E27FC236}">
+                <a16:creationId xmlns:a16="http://schemas.microsoft.com/office/drawing/2014/main" id="{5487EC7E-ACE5-41D5-80BD-205734EF8718}"/>
+              </a:ext>
+            </a:extLst>
+          </p:cNvPr>
+          <p:cNvSpPr/>
+          <p:nvPr/>
+        </p:nvSpPr>
+        <p:spPr>
+          <a:xfrm>
+            <a:off x="5603197" y="4048798"/>
+            <a:ext cx="1600776" cy="255799"/>
+          </a:xfrm>
+          <a:prstGeom prst="flowChartProcess">
+            <a:avLst/>
+          </a:prstGeom>
+          <a:ln w="38100"/>
+        </p:spPr>
+        <p:style>
+          <a:lnRef idx="2">
+            <a:schemeClr val="accent5"/>
+          </a:lnRef>
+          <a:fillRef idx="1">
+            <a:schemeClr val="lt1"/>
+          </a:fillRef>
+          <a:effectRef idx="0">
+            <a:schemeClr val="accent5"/>
+          </a:effectRef>
+          <a:fontRef idx="minor">
+            <a:schemeClr val="dk1"/>
+          </a:fontRef>
+        </p:style>
+        <p:txBody>
+          <a:bodyPr rtlCol="0" anchor="ctr"/>
+          <a:lstStyle/>
+          <a:p>
+            <a:pPr algn="ctr"/>
+            <a:endParaRPr lang="ru-RU"/>
+          </a:p>
+        </p:txBody>
+      </p:sp>
+      <p:graphicFrame>
+        <p:nvGraphicFramePr>
+          <p:cNvPr id="212" name="Объект 211"/>
+          <p:cNvGraphicFramePr>
+            <a:graphicFrameLocks noChangeAspect="1"/>
+          </p:cNvGraphicFramePr>
+          <p:nvPr>
+            <p:extLst>
+              <p:ext uri="{D42A27DB-BD31-4B8C-83A1-F6EECF244321}">
+                <p14:modId xmlns:p14="http://schemas.microsoft.com/office/powerpoint/2010/main" val="539612584"/>
+              </p:ext>
+            </p:extLst>
+          </p:nvPr>
+        </p:nvGraphicFramePr>
+        <p:xfrm>
+          <a:off x="6327975" y="4045967"/>
+          <a:ext cx="827087" cy="241300"/>
+        </p:xfrm>
+        <a:graphic>
+          <a:graphicData uri="http://schemas.openxmlformats.org/presentationml/2006/ole">
+            <mc:AlternateContent xmlns:mc="http://schemas.openxmlformats.org/markup-compatibility/2006">
+              <mc:Choice xmlns:v="urn:schemas-microsoft-com:vml" Requires="v">
+                <p:oleObj spid="_x0000_s52444" name="Уравнение" r:id="rId33" imgW="825480" imgH="253800" progId="Equation.3">
+                  <p:embed/>
+                </p:oleObj>
+              </mc:Choice>
+              <mc:Fallback>
+                <p:oleObj name="Уравнение" r:id="rId33" imgW="825480" imgH="253800" progId="Equation.3">
+                  <p:embed/>
+                  <p:pic>
+                    <p:nvPicPr>
+                      <p:cNvPr id="117" name="Объект 116"/>
+                      <p:cNvPicPr>
+                        <a:picLocks noChangeAspect="1" noChangeArrowheads="1"/>
+                      </p:cNvPicPr>
+                      <p:nvPr/>
+                    </p:nvPicPr>
+                    <p:blipFill>
+                      <a:blip r:embed="rId34"/>
+                      <a:srcRect/>
+                      <a:stretch>
+                        <a:fillRect/>
+                      </a:stretch>
+                    </p:blipFill>
+                    <p:spPr bwMode="auto">
+                      <a:xfrm>
+                        <a:off x="6327975" y="4045967"/>
+                        <a:ext cx="827087" cy="241300"/>
+                      </a:xfrm>
+                      <a:prstGeom prst="rect">
+                        <a:avLst/>
+                      </a:prstGeom>
+                      <a:noFill/>
+                      <a:extLst>
+                        <a:ext uri="{909E8E84-426E-40DD-AFC4-6F175D3DCCD1}">
+                          <a14:hiddenFill xmlns:a14="http://schemas.microsoft.com/office/drawing/2010/main">
+                            <a:solidFill>
+                              <a:srgbClr val="FFFFFF"/>
+                            </a:solidFill>
+                          </a14:hiddenFill>
+                        </a:ext>
+                      </a:extLst>
+                    </p:spPr>
+                  </p:pic>
+                </p:oleObj>
+              </mc:Fallback>
+            </mc:AlternateContent>
+          </a:graphicData>
+        </a:graphic>
+      </p:graphicFrame>
+      <p:sp>
+        <p:nvSpPr>
+          <p:cNvPr id="213" name="TextBox 212"/>
+          <p:cNvSpPr txBox="1"/>
+          <p:nvPr/>
+        </p:nvSpPr>
+        <p:spPr>
+          <a:xfrm>
+            <a:off x="5570958" y="4005482"/>
+            <a:ext cx="927815" cy="307777"/>
+          </a:xfrm>
+          <a:prstGeom prst="rect">
+            <a:avLst/>
+          </a:prstGeom>
+          <a:noFill/>
+        </p:spPr>
+        <p:txBody>
+          <a:bodyPr wrap="square" rtlCol="0">
+            <a:spAutoFit/>
+          </a:bodyPr>
+          <a:lstStyle/>
+          <a:p>
+            <a:r>
+              <a:rPr lang="ru-RU" dirty="0" smtClean="0">
+                <a:latin typeface="Times New Roman" panose="02020603050405020304" pitchFamily="18" charset="0"/>
+                <a:cs typeface="Times New Roman" panose="02020603050405020304" pitchFamily="18" charset="0"/>
+              </a:rPr>
+              <a:t>ис.поиск</a:t>
+            </a:r>
+            <a:endParaRPr lang="ru-RU" dirty="0">
+              <a:latin typeface="Times New Roman" panose="02020603050405020304" pitchFamily="18" charset="0"/>
+              <a:cs typeface="Times New Roman" panose="02020603050405020304" pitchFamily="18" charset="0"/>
+            </a:endParaRPr>
+          </a:p>
+        </p:txBody>
+      </p:sp>
+      <p:cxnSp>
+        <p:nvCxnSpPr>
+          <p:cNvPr id="179" name="Соединительная линия уступом 178"/>
+          <p:cNvCxnSpPr>
+            <a:stCxn id="210" idx="1"/>
+            <a:endCxn id="74" idx="1"/>
+          </p:cNvCxnSpPr>
+          <p:nvPr/>
+        </p:nvCxnSpPr>
+        <p:spPr>
+          <a:xfrm rot="10800000">
+            <a:off x="5603197" y="1662136"/>
+            <a:ext cx="12700" cy="2514562"/>
+          </a:xfrm>
+          <a:prstGeom prst="bentConnector3">
+            <a:avLst>
+              <a:gd name="adj1" fmla="val 1800000"/>
+            </a:avLst>
+          </a:prstGeom>
+          <a:ln>
+            <a:tailEnd type="triangle"/>
+          </a:ln>
+        </p:spPr>
+        <p:style>
+          <a:lnRef idx="1">
+            <a:schemeClr val="accent1"/>
+          </a:lnRef>
+          <a:fillRef idx="0">
+            <a:schemeClr val="accent1"/>
+          </a:fillRef>
+          <a:effectRef idx="0">
+            <a:schemeClr val="accent1"/>
+          </a:effectRef>
+          <a:fontRef idx="minor">
+            <a:schemeClr val="tx1"/>
+          </a:fontRef>
+        </p:style>
+      </p:cxnSp>
+      <p:graphicFrame>
+        <p:nvGraphicFramePr>
+          <p:cNvPr id="218" name="Объект 217"/>
+          <p:cNvGraphicFramePr>
+            <a:graphicFrameLocks noChangeAspect="1"/>
+          </p:cNvGraphicFramePr>
+          <p:nvPr>
+            <p:extLst>
+              <p:ext uri="{D42A27DB-BD31-4B8C-83A1-F6EECF244321}">
+                <p14:modId xmlns:p14="http://schemas.microsoft.com/office/powerpoint/2010/main" val="54299848"/>
+              </p:ext>
+            </p:extLst>
+          </p:nvPr>
+        </p:nvGraphicFramePr>
+        <p:xfrm>
+          <a:off x="7916289" y="1533850"/>
+          <a:ext cx="682625" cy="242887"/>
+        </p:xfrm>
+        <a:graphic>
+          <a:graphicData uri="http://schemas.openxmlformats.org/presentationml/2006/ole">
+            <mc:AlternateContent xmlns:mc="http://schemas.openxmlformats.org/markup-compatibility/2006">
+              <mc:Choice xmlns:v="urn:schemas-microsoft-com:vml" Requires="v">
+                <p:oleObj spid="_x0000_s52445" name="Уравнение" r:id="rId35" imgW="672840" imgH="253800" progId="Equation.3">
+                  <p:embed/>
+                </p:oleObj>
+              </mc:Choice>
+              <mc:Fallback>
+                <p:oleObj name="Уравнение" r:id="rId35" imgW="672840" imgH="253800" progId="Equation.3">
+                  <p:embed/>
+                  <p:pic>
+                    <p:nvPicPr>
+                      <p:cNvPr id="146" name="Объект 145"/>
+                      <p:cNvPicPr>
+                        <a:picLocks noChangeAspect="1" noChangeArrowheads="1"/>
+                      </p:cNvPicPr>
+                      <p:nvPr/>
+                    </p:nvPicPr>
+                    <p:blipFill>
+                      <a:blip r:embed="rId36"/>
+                      <a:srcRect/>
+                      <a:stretch>
+                        <a:fillRect/>
+                      </a:stretch>
+                    </p:blipFill>
+                    <p:spPr bwMode="auto">
+                      <a:xfrm>
+                        <a:off x="7916289" y="1533850"/>
+                        <a:ext cx="682625" cy="242887"/>
+                      </a:xfrm>
+                      <a:prstGeom prst="rect">
+                        <a:avLst/>
+                      </a:prstGeom>
+                      <a:noFill/>
+                      <a:extLst>
+                        <a:ext uri="{909E8E84-426E-40DD-AFC4-6F175D3DCCD1}">
+                          <a14:hiddenFill xmlns:a14="http://schemas.microsoft.com/office/drawing/2010/main">
+                            <a:solidFill>
+                              <a:srgbClr val="FFFFFF"/>
+                            </a:solidFill>
+                          </a14:hiddenFill>
+                        </a:ext>
+                      </a:extLst>
+                    </p:spPr>
+                  </p:pic>
+                </p:oleObj>
+              </mc:Fallback>
+            </mc:AlternateContent>
+          </a:graphicData>
+        </a:graphic>
+      </p:graphicFrame>
+      <p:cxnSp>
+        <p:nvCxnSpPr>
+          <p:cNvPr id="219" name="Прямая со стрелкой 218">
+            <a:extLst>
+              <a:ext uri="{FF2B5EF4-FFF2-40B4-BE49-F238E27FC236}">
+                <a16:creationId xmlns:a16="http://schemas.microsoft.com/office/drawing/2014/main" id="{50BE942C-BF26-4C2A-A0E9-7B950AE6AA0E}"/>
+              </a:ext>
+            </a:extLst>
+          </p:cNvPr>
+          <p:cNvCxnSpPr>
+            <a:cxnSpLocks/>
+            <a:stCxn id="73" idx="1"/>
+            <a:endCxn id="74" idx="3"/>
+          </p:cNvCxnSpPr>
+          <p:nvPr/>
+        </p:nvCxnSpPr>
+        <p:spPr>
+          <a:xfrm flipH="1" flipV="1">
+            <a:off x="7203973" y="1662136"/>
+            <a:ext cx="245553" cy="2833"/>
+          </a:xfrm>
+          <a:prstGeom prst="straightConnector1">
+            <a:avLst/>
+          </a:prstGeom>
+          <a:ln>
+            <a:tailEnd type="triangle"/>
+          </a:ln>
+        </p:spPr>
+        <p:style>
+          <a:lnRef idx="1">
+            <a:schemeClr val="accent1"/>
+          </a:lnRef>
+          <a:fillRef idx="0">
+            <a:schemeClr val="accent1"/>
+          </a:fillRef>
+          <a:effectRef idx="0">
+            <a:schemeClr val="accent1"/>
+          </a:effectRef>
+          <a:fontRef idx="minor">
+            <a:schemeClr val="tx1"/>
+          </a:fontRef>
+        </p:style>
+      </p:cxnSp>
+      <p:cxnSp>
+        <p:nvCxnSpPr>
+          <p:cNvPr id="222" name="Прямая со стрелкой 221">
+            <a:extLst>
+              <a:ext uri="{FF2B5EF4-FFF2-40B4-BE49-F238E27FC236}">
+                <a16:creationId xmlns:a16="http://schemas.microsoft.com/office/drawing/2014/main" id="{3156BDD2-6F43-4E69-A1A7-502C7BD76651}"/>
+              </a:ext>
+            </a:extLst>
+          </p:cNvPr>
+          <p:cNvCxnSpPr>
+            <a:cxnSpLocks/>
+            <a:stCxn id="155" idx="2"/>
+            <a:endCxn id="210" idx="0"/>
+          </p:cNvCxnSpPr>
+          <p:nvPr/>
+        </p:nvCxnSpPr>
+        <p:spPr>
+          <a:xfrm>
+            <a:off x="6403585" y="3421945"/>
+            <a:ext cx="0" cy="626853"/>
+          </a:xfrm>
+          <a:prstGeom prst="straightConnector1">
+            <a:avLst/>
+          </a:prstGeom>
+          <a:ln>
+            <a:tailEnd type="triangle"/>
+          </a:ln>
+        </p:spPr>
+        <p:style>
+          <a:lnRef idx="1">
+            <a:schemeClr val="accent1"/>
+          </a:lnRef>
+          <a:fillRef idx="0">
+            <a:schemeClr val="accent1"/>
+          </a:fillRef>
+          <a:effectRef idx="0">
+            <a:schemeClr val="accent1"/>
+          </a:effectRef>
+          <a:fontRef idx="minor">
+            <a:schemeClr val="tx1"/>
+          </a:fontRef>
+        </p:style>
+      </p:cxnSp>
     </p:spTree>
     <p:extLst>
       <p:ext uri="{BB962C8B-B14F-4D97-AF65-F5344CB8AC3E}">

--- a/Домашнее задание Мансуров.pptx
+++ b/Домашнее задание Мансуров.pptx
@@ -5,7 +5,7 @@
     <p:sldMasterId id="2147483648" r:id="rId1"/>
   </p:sldMasterIdLst>
   <p:notesMasterIdLst>
-    <p:notesMasterId r:id="rId7"/>
+    <p:notesMasterId r:id="rId8"/>
   </p:notesMasterIdLst>
   <p:sldIdLst>
     <p:sldId id="306" r:id="rId2"/>
@@ -13,6 +13,7 @@
     <p:sldId id="311" r:id="rId4"/>
     <p:sldId id="308" r:id="rId5"/>
     <p:sldId id="309" r:id="rId6"/>
+    <p:sldId id="312" r:id="rId7"/>
   </p:sldIdLst>
   <p:sldSz cx="9144000" cy="5143500" type="screen16x9"/>
   <p:notesSz cx="6858000" cy="9144000"/>
@@ -4197,7 +4198,7 @@
           <a:solidFill>
             <a:srgbClr val="FFFFFF"/>
           </a:solidFill>
-          <a:ln w="9525">
+          <a:ln w="12700">
             <a:solidFill>
               <a:schemeClr val="tx1"/>
             </a:solidFill>
@@ -4480,7 +4481,7 @@
             <a:avLst/>
           </a:prstGeom>
           <a:noFill/>
-          <a:ln w="9525">
+          <a:ln w="12700">
             <a:solidFill>
               <a:schemeClr val="tx1"/>
             </a:solidFill>
@@ -4709,8 +4710,15 @@
                 <a:latin typeface="Times New Roman" panose="02020603050405020304" pitchFamily="18" charset="0"/>
                 <a:cs typeface="Times New Roman" panose="02020603050405020304" pitchFamily="18" charset="0"/>
               </a:rPr>
-              <a:t>2/5</a:t>
-            </a:r>
+              <a:t>2/6</a:t>
+            </a:r>
+            <a:endParaRPr lang="ru-RU" sz="1200" dirty="0" smtClean="0">
+              <a:solidFill>
+                <a:schemeClr val="tx1"/>
+              </a:solidFill>
+              <a:latin typeface="Times New Roman" panose="02020603050405020304" pitchFamily="18" charset="0"/>
+              <a:cs typeface="Times New Roman" panose="02020603050405020304" pitchFamily="18" charset="0"/>
+            </a:endParaRPr>
           </a:p>
         </p:txBody>
       </p:sp>
@@ -5087,7 +5095,7 @@
           <a:graphicData uri="http://schemas.openxmlformats.org/presentationml/2006/ole">
             <mc:AlternateContent xmlns:mc="http://schemas.openxmlformats.org/markup-compatibility/2006">
               <mc:Choice xmlns:v="urn:schemas-microsoft-com:vml" Requires="v">
-                <p:oleObj spid="_x0000_s57356" name="Picture" r:id="rId3" imgW="6301080" imgH="1961640" progId="Word.Picture.8">
+                <p:oleObj spid="_x0000_s57358" name="Picture" r:id="rId3" imgW="6301080" imgH="1961640" progId="Word.Picture.8">
                   <p:embed/>
                 </p:oleObj>
               </mc:Choice>
@@ -5891,8 +5899,15 @@
                 <a:latin typeface="Times New Roman" panose="02020603050405020304" pitchFamily="18" charset="0"/>
                 <a:cs typeface="Times New Roman" panose="02020603050405020304" pitchFamily="18" charset="0"/>
               </a:rPr>
-              <a:t>3/5</a:t>
-            </a:r>
+              <a:t>3/6</a:t>
+            </a:r>
+            <a:endParaRPr lang="ru-RU" sz="1200" dirty="0" smtClean="0">
+              <a:solidFill>
+                <a:schemeClr val="tx1"/>
+              </a:solidFill>
+              <a:latin typeface="Times New Roman" panose="02020603050405020304" pitchFamily="18" charset="0"/>
+              <a:cs typeface="Times New Roman" panose="02020603050405020304" pitchFamily="18" charset="0"/>
+            </a:endParaRPr>
           </a:p>
         </p:txBody>
       </p:sp>
@@ -6066,7 +6081,7 @@
           <a:graphicData uri="http://schemas.openxmlformats.org/presentationml/2006/ole">
             <mc:AlternateContent xmlns:mc="http://schemas.openxmlformats.org/markup-compatibility/2006">
               <mc:Choice xmlns:v="urn:schemas-microsoft-com:vml" Requires="v">
-                <p:oleObj spid="_x0000_s55343" name="Формула" r:id="rId3" imgW="3352680" imgH="1206360" progId="Equation.3">
+                <p:oleObj spid="_x0000_s55345" name="Формула" r:id="rId3" imgW="3352680" imgH="1206360" progId="Equation.3">
                   <p:embed/>
                 </p:oleObj>
               </mc:Choice>
@@ -7189,8 +7204,15 @@
                 <a:latin typeface="Times New Roman" panose="02020603050405020304" pitchFamily="18" charset="0"/>
                 <a:cs typeface="Times New Roman" panose="02020603050405020304" pitchFamily="18" charset="0"/>
               </a:rPr>
-              <a:t>4/5</a:t>
-            </a:r>
+              <a:t>4/6</a:t>
+            </a:r>
+            <a:endParaRPr lang="ru-RU" sz="1200" dirty="0" smtClean="0">
+              <a:solidFill>
+                <a:schemeClr val="tx1"/>
+              </a:solidFill>
+              <a:latin typeface="Times New Roman" panose="02020603050405020304" pitchFamily="18" charset="0"/>
+              <a:cs typeface="Times New Roman" panose="02020603050405020304" pitchFamily="18" charset="0"/>
+            </a:endParaRPr>
           </a:p>
         </p:txBody>
       </p:sp>
@@ -7216,7 +7238,7 @@
           <a:graphicData uri="http://schemas.openxmlformats.org/presentationml/2006/ole">
             <mc:AlternateContent xmlns:mc="http://schemas.openxmlformats.org/markup-compatibility/2006">
               <mc:Choice xmlns:v="urn:schemas-microsoft-com:vml" Requires="v">
-                <p:oleObj spid="_x0000_s53532" name="Формула" r:id="rId3" imgW="1396800" imgH="241200" progId="Equation.3">
+                <p:oleObj spid="_x0000_s53560" name="Формула" r:id="rId3" imgW="1396800" imgH="241200" progId="Equation.3">
                   <p:embed/>
                 </p:oleObj>
               </mc:Choice>
@@ -7292,7 +7314,7 @@
           <a:graphicData uri="http://schemas.openxmlformats.org/presentationml/2006/ole">
             <mc:AlternateContent xmlns:mc="http://schemas.openxmlformats.org/markup-compatibility/2006">
               <mc:Choice xmlns:v="urn:schemas-microsoft-com:vml" Requires="v">
-                <p:oleObj spid="_x0000_s53533" name="Формула" r:id="rId5" imgW="1600200" imgH="253800" progId="Equation.3">
+                <p:oleObj spid="_x0000_s53561" name="Формула" r:id="rId5" imgW="1600200" imgH="253800" progId="Equation.3">
                   <p:embed/>
                 </p:oleObj>
               </mc:Choice>
@@ -7771,7 +7793,7 @@
           <a:graphicData uri="http://schemas.openxmlformats.org/presentationml/2006/ole">
             <mc:AlternateContent xmlns:mc="http://schemas.openxmlformats.org/markup-compatibility/2006">
               <mc:Choice xmlns:v="urn:schemas-microsoft-com:vml" Requires="v">
-                <p:oleObj spid="_x0000_s53534" name="Формула" r:id="rId7" imgW="1460160" imgH="291960" progId="Equation.3">
+                <p:oleObj spid="_x0000_s53562" name="Формула" r:id="rId7" imgW="1460160" imgH="291960" progId="Equation.3">
                   <p:embed/>
                 </p:oleObj>
               </mc:Choice>
@@ -7847,7 +7869,7 @@
           <a:graphicData uri="http://schemas.openxmlformats.org/presentationml/2006/ole">
             <mc:AlternateContent xmlns:mc="http://schemas.openxmlformats.org/markup-compatibility/2006">
               <mc:Choice xmlns:v="urn:schemas-microsoft-com:vml" Requires="v">
-                <p:oleObj spid="_x0000_s53535" name="Формула" r:id="rId9" imgW="939600" imgH="291960" progId="Equation.3">
+                <p:oleObj spid="_x0000_s53563" name="Формула" r:id="rId9" imgW="939600" imgH="291960" progId="Equation.3">
                   <p:embed/>
                 </p:oleObj>
               </mc:Choice>
@@ -8161,7 +8183,7 @@
           <a:graphicData uri="http://schemas.openxmlformats.org/presentationml/2006/ole">
             <mc:AlternateContent xmlns:mc="http://schemas.openxmlformats.org/markup-compatibility/2006">
               <mc:Choice xmlns:v="urn:schemas-microsoft-com:vml" Requires="v">
-                <p:oleObj spid="_x0000_s53536" name="Формула" r:id="rId11" imgW="1815840" imgH="253800" progId="Equation.3">
+                <p:oleObj spid="_x0000_s53564" name="Формула" r:id="rId11" imgW="1815840" imgH="253800" progId="Equation.3">
                   <p:embed/>
                 </p:oleObj>
               </mc:Choice>
@@ -8315,7 +8337,7 @@
           <a:graphicData uri="http://schemas.openxmlformats.org/presentationml/2006/ole">
             <mc:AlternateContent xmlns:mc="http://schemas.openxmlformats.org/markup-compatibility/2006">
               <mc:Choice xmlns:v="urn:schemas-microsoft-com:vml" Requires="v">
-                <p:oleObj spid="_x0000_s53537" name="Формула" r:id="rId13" imgW="203040" imgH="253800" progId="Equation.3">
+                <p:oleObj spid="_x0000_s53565" name="Формула" r:id="rId13" imgW="203040" imgH="253800" progId="Equation.3">
                   <p:embed/>
                 </p:oleObj>
               </mc:Choice>
@@ -8522,7 +8544,7 @@
           <a:graphicData uri="http://schemas.openxmlformats.org/presentationml/2006/ole">
             <mc:AlternateContent xmlns:mc="http://schemas.openxmlformats.org/markup-compatibility/2006">
               <mc:Choice xmlns:v="urn:schemas-microsoft-com:vml" Requires="v">
-                <p:oleObj spid="_x0000_s53538" name="Формула" r:id="rId15" imgW="279360" imgH="203040" progId="Equation.3">
+                <p:oleObj spid="_x0000_s53566" name="Формула" r:id="rId15" imgW="279360" imgH="203040" progId="Equation.3">
                   <p:embed/>
                 </p:oleObj>
               </mc:Choice>
@@ -8693,7 +8715,7 @@
           <a:graphicData uri="http://schemas.openxmlformats.org/presentationml/2006/ole">
             <mc:AlternateContent xmlns:mc="http://schemas.openxmlformats.org/markup-compatibility/2006">
               <mc:Choice xmlns:v="urn:schemas-microsoft-com:vml" Requires="v">
-                <p:oleObj spid="_x0000_s53539" name="Формула" r:id="rId17" imgW="253800" imgH="241200" progId="Equation.3">
+                <p:oleObj spid="_x0000_s53567" name="Формула" r:id="rId17" imgW="253800" imgH="241200" progId="Equation.3">
                   <p:embed/>
                 </p:oleObj>
               </mc:Choice>
@@ -8769,7 +8791,7 @@
           <a:graphicData uri="http://schemas.openxmlformats.org/presentationml/2006/ole">
             <mc:AlternateContent xmlns:mc="http://schemas.openxmlformats.org/markup-compatibility/2006">
               <mc:Choice xmlns:v="urn:schemas-microsoft-com:vml" Requires="v">
-                <p:oleObj spid="_x0000_s53540" name="Формула" r:id="rId19" imgW="228600" imgH="241300" progId="Equation.3">
+                <p:oleObj spid="_x0000_s53568" name="Формула" r:id="rId19" imgW="228600" imgH="241300" progId="Equation.3">
                   <p:embed/>
                 </p:oleObj>
               </mc:Choice>
@@ -8898,7 +8920,7 @@
           <a:graphicData uri="http://schemas.openxmlformats.org/presentationml/2006/ole">
             <mc:AlternateContent xmlns:mc="http://schemas.openxmlformats.org/markup-compatibility/2006">
               <mc:Choice xmlns:v="urn:schemas-microsoft-com:vml" Requires="v">
-                <p:oleObj spid="_x0000_s53541" name="Формула" r:id="rId21" imgW="1130040" imgH="253800" progId="Equation.3">
+                <p:oleObj spid="_x0000_s53569" name="Формула" r:id="rId21" imgW="1130040" imgH="253800" progId="Equation.3">
                   <p:embed/>
                 </p:oleObj>
               </mc:Choice>
@@ -9063,7 +9085,7 @@
           <a:graphicData uri="http://schemas.openxmlformats.org/presentationml/2006/ole">
             <mc:AlternateContent xmlns:mc="http://schemas.openxmlformats.org/markup-compatibility/2006">
               <mc:Choice xmlns:v="urn:schemas-microsoft-com:vml" Requires="v">
-                <p:oleObj spid="_x0000_s53542" name="Формула" r:id="rId23" imgW="2197080" imgH="228600" progId="Equation.3">
+                <p:oleObj spid="_x0000_s53570" name="Формула" r:id="rId23" imgW="2197080" imgH="228600" progId="Equation.3">
                   <p:embed/>
                 </p:oleObj>
               </mc:Choice>
@@ -9139,7 +9161,7 @@
           <a:graphicData uri="http://schemas.openxmlformats.org/presentationml/2006/ole">
             <mc:AlternateContent xmlns:mc="http://schemas.openxmlformats.org/markup-compatibility/2006">
               <mc:Choice xmlns:v="urn:schemas-microsoft-com:vml" Requires="v">
-                <p:oleObj spid="_x0000_s53543" name="Формула" r:id="rId25" imgW="1002960" imgH="291960" progId="Equation.3">
+                <p:oleObj spid="_x0000_s53571" name="Формула" r:id="rId25" imgW="1002960" imgH="291960" progId="Equation.3">
                   <p:embed/>
                 </p:oleObj>
               </mc:Choice>
@@ -9318,10 +9340,6 @@
               </a:rPr>
               <a:t>(5)</a:t>
             </a:r>
-            <a:endParaRPr lang="ru-RU" dirty="0" smtClean="0">
-              <a:latin typeface="Times New Roman" panose="02020603050405020304" pitchFamily="18" charset="0"/>
-              <a:ea typeface="Times New Roman" panose="02020603050405020304" pitchFamily="18" charset="0"/>
-            </a:endParaRPr>
           </a:p>
         </p:txBody>
       </p:sp>
@@ -9354,10 +9372,6 @@
               </a:rPr>
               <a:t>(6)</a:t>
             </a:r>
-            <a:endParaRPr lang="ru-RU" dirty="0" smtClean="0">
-              <a:latin typeface="Times New Roman" panose="02020603050405020304" pitchFamily="18" charset="0"/>
-              <a:ea typeface="Times New Roman" panose="02020603050405020304" pitchFamily="18" charset="0"/>
-            </a:endParaRPr>
           </a:p>
         </p:txBody>
       </p:sp>
@@ -9461,14 +9475,7 @@
                 <a:latin typeface="Times New Roman" panose="02020603050405020304" pitchFamily="18" charset="0"/>
                 <a:cs typeface="Times New Roman" panose="02020603050405020304" pitchFamily="18" charset="0"/>
               </a:rPr>
-              <a:t>, е</a:t>
-            </a:r>
-            <a:r>
-              <a:rPr lang="ru-RU" altLang="ru-RU" dirty="0" smtClean="0">
-                <a:latin typeface="Times New Roman" panose="02020603050405020304" pitchFamily="18" charset="0"/>
-                <a:cs typeface="Times New Roman" panose="02020603050405020304" pitchFamily="18" charset="0"/>
-              </a:rPr>
-              <a:t>сли величина шага </a:t>
+              <a:t>, если величина шага </a:t>
             </a:r>
             <a:r>
               <a:rPr lang="el-GR" altLang="ru-RU" dirty="0" smtClean="0">
@@ -9604,7 +9611,7 @@
           <a:graphicData uri="http://schemas.openxmlformats.org/presentationml/2006/ole">
             <mc:AlternateContent xmlns:mc="http://schemas.openxmlformats.org/markup-compatibility/2006">
               <mc:Choice xmlns:v="urn:schemas-microsoft-com:vml" Requires="v">
-                <p:oleObj spid="_x0000_s53544" name="Уравнение" r:id="rId27" imgW="1054080" imgH="241200" progId="Equation.3">
+                <p:oleObj spid="_x0000_s53572" name="Уравнение" r:id="rId27" imgW="1054080" imgH="241200" progId="Equation.3">
                   <p:embed/>
                 </p:oleObj>
               </mc:Choice>
@@ -9674,7 +9681,7 @@
           <a:graphicData uri="http://schemas.openxmlformats.org/presentationml/2006/ole">
             <mc:AlternateContent xmlns:mc="http://schemas.openxmlformats.org/markup-compatibility/2006">
               <mc:Choice xmlns:v="urn:schemas-microsoft-com:vml" Requires="v">
-                <p:oleObj spid="_x0000_s53545" name="Уравнение" r:id="rId29" imgW="1625600" imgH="279400" progId="Equation.3">
+                <p:oleObj spid="_x0000_s53573" name="Уравнение" r:id="rId29" imgW="1625600" imgH="279400" progId="Equation.3">
                   <p:embed/>
                 </p:oleObj>
               </mc:Choice>
@@ -9757,10 +9764,6 @@
               </a:rPr>
               <a:t>(7)</a:t>
             </a:r>
-            <a:endParaRPr lang="ru-RU" dirty="0" smtClean="0">
-              <a:latin typeface="Times New Roman" panose="02020603050405020304" pitchFamily="18" charset="0"/>
-              <a:ea typeface="Times New Roman" panose="02020603050405020304" pitchFamily="18" charset="0"/>
-            </a:endParaRPr>
           </a:p>
         </p:txBody>
       </p:sp>
@@ -9877,7 +9880,27 @@
                 <a:latin typeface="Bookman Old Style" pitchFamily="18" charset="0"/>
                 <a:cs typeface="Times New Roman" panose="02020603050405020304" pitchFamily="18" charset="0"/>
               </a:rPr>
-              <a:t>, 4. Прямые </a:t>
+              <a:t>, </a:t>
+            </a:r>
+            <a:r>
+              <a:rPr lang="ru-RU" sz="1200" dirty="0" smtClean="0">
+                <a:solidFill>
+                  <a:srgbClr val="292929"/>
+                </a:solidFill>
+                <a:latin typeface="Bookman Old Style" pitchFamily="18" charset="0"/>
+                <a:cs typeface="Times New Roman" panose="02020603050405020304" pitchFamily="18" charset="0"/>
+              </a:rPr>
+              <a:t>3. </a:t>
+            </a:r>
+            <a:r>
+              <a:rPr lang="ru-RU" sz="1200" dirty="0" smtClean="0">
+                <a:solidFill>
+                  <a:srgbClr val="292929"/>
+                </a:solidFill>
+                <a:latin typeface="Bookman Old Style" pitchFamily="18" charset="0"/>
+                <a:cs typeface="Times New Roman" panose="02020603050405020304" pitchFamily="18" charset="0"/>
+              </a:rPr>
+              <a:t>Прямые </a:t>
             </a:r>
             <a:r>
               <a:rPr lang="ru-RU" sz="1200" dirty="0">
@@ -10479,8 +10502,15 @@
                 <a:latin typeface="Times New Roman" panose="02020603050405020304" pitchFamily="18" charset="0"/>
                 <a:cs typeface="Times New Roman" panose="02020603050405020304" pitchFamily="18" charset="0"/>
               </a:rPr>
-              <a:t>5/5</a:t>
-            </a:r>
+              <a:t>5/6</a:t>
+            </a:r>
+            <a:endParaRPr lang="ru-RU" sz="1200" dirty="0" smtClean="0">
+              <a:solidFill>
+                <a:schemeClr val="tx1"/>
+              </a:solidFill>
+              <a:latin typeface="Times New Roman" panose="02020603050405020304" pitchFamily="18" charset="0"/>
+              <a:cs typeface="Times New Roman" panose="02020603050405020304" pitchFamily="18" charset="0"/>
+            </a:endParaRPr>
           </a:p>
         </p:txBody>
       </p:sp>
@@ -10977,7 +11007,7 @@
           <a:graphicData uri="http://schemas.openxmlformats.org/presentationml/2006/ole">
             <mc:AlternateContent xmlns:mc="http://schemas.openxmlformats.org/markup-compatibility/2006">
               <mc:Choice xmlns:v="urn:schemas-microsoft-com:vml" Requires="v">
-                <p:oleObj spid="_x0000_s52429" name="Формула" r:id="rId3" imgW="1524000" imgH="254000" progId="Equation.3">
+                <p:oleObj spid="_x0000_s52463" name="Формула" r:id="rId3" imgW="1524000" imgH="254000" progId="Equation.3">
                   <p:embed/>
                 </p:oleObj>
               </mc:Choice>
@@ -11053,7 +11083,7 @@
           <a:graphicData uri="http://schemas.openxmlformats.org/presentationml/2006/ole">
             <mc:AlternateContent xmlns:mc="http://schemas.openxmlformats.org/markup-compatibility/2006">
               <mc:Choice xmlns:v="urn:schemas-microsoft-com:vml" Requires="v">
-                <p:oleObj spid="_x0000_s52430" name="Формула" r:id="rId5" imgW="228600" imgH="241300" progId="Equation.3">
+                <p:oleObj spid="_x0000_s52464" name="Формула" r:id="rId5" imgW="228600" imgH="241300" progId="Equation.3">
                   <p:embed/>
                 </p:oleObj>
               </mc:Choice>
@@ -11129,7 +11159,7 @@
           <a:graphicData uri="http://schemas.openxmlformats.org/presentationml/2006/ole">
             <mc:AlternateContent xmlns:mc="http://schemas.openxmlformats.org/markup-compatibility/2006">
               <mc:Choice xmlns:v="urn:schemas-microsoft-com:vml" Requires="v">
-                <p:oleObj spid="_x0000_s52431" name="Формула" r:id="rId7" imgW="2425700" imgH="279400" progId="Equation.3">
+                <p:oleObj spid="_x0000_s52465" name="Формула" r:id="rId7" imgW="2425700" imgH="279400" progId="Equation.3">
                   <p:embed/>
                 </p:oleObj>
               </mc:Choice>
@@ -11205,7 +11235,7 @@
           <a:graphicData uri="http://schemas.openxmlformats.org/presentationml/2006/ole">
             <mc:AlternateContent xmlns:mc="http://schemas.openxmlformats.org/markup-compatibility/2006">
               <mc:Choice xmlns:v="urn:schemas-microsoft-com:vml" Requires="v">
-                <p:oleObj spid="_x0000_s52432" name="Формула" r:id="rId9" imgW="2044700" imgH="254000" progId="Equation.3">
+                <p:oleObj spid="_x0000_s52466" name="Формула" r:id="rId9" imgW="2044700" imgH="254000" progId="Equation.3">
                   <p:embed/>
                 </p:oleObj>
               </mc:Choice>
@@ -11281,7 +11311,7 @@
           <a:graphicData uri="http://schemas.openxmlformats.org/presentationml/2006/ole">
             <mc:AlternateContent xmlns:mc="http://schemas.openxmlformats.org/markup-compatibility/2006">
               <mc:Choice xmlns:v="urn:schemas-microsoft-com:vml" Requires="v">
-                <p:oleObj spid="_x0000_s52433" name="Формула" r:id="rId11" imgW="203024" imgH="215713" progId="Equation.3">
+                <p:oleObj spid="_x0000_s52467" name="Формула" r:id="rId11" imgW="203024" imgH="215713" progId="Equation.3">
                   <p:embed/>
                 </p:oleObj>
               </mc:Choice>
@@ -11420,7 +11450,7 @@
           <a:graphicData uri="http://schemas.openxmlformats.org/presentationml/2006/ole">
             <mc:AlternateContent xmlns:mc="http://schemas.openxmlformats.org/markup-compatibility/2006">
               <mc:Choice xmlns:v="urn:schemas-microsoft-com:vml" Requires="v">
-                <p:oleObj spid="_x0000_s52434" name="Формула" r:id="rId13" imgW="1930400" imgH="508000" progId="Equation.3">
+                <p:oleObj spid="_x0000_s52468" name="Формула" r:id="rId13" imgW="1930400" imgH="508000" progId="Equation.3">
                   <p:embed/>
                 </p:oleObj>
               </mc:Choice>
@@ -11496,7 +11526,7 @@
           <a:graphicData uri="http://schemas.openxmlformats.org/presentationml/2006/ole">
             <mc:AlternateContent xmlns:mc="http://schemas.openxmlformats.org/markup-compatibility/2006">
               <mc:Choice xmlns:v="urn:schemas-microsoft-com:vml" Requires="v">
-                <p:oleObj spid="_x0000_s52435" name="Формула" r:id="rId15" imgW="215713" imgH="241091" progId="Equation.3">
+                <p:oleObj spid="_x0000_s52469" name="Формула" r:id="rId15" imgW="215713" imgH="241091" progId="Equation.3">
                   <p:embed/>
                 </p:oleObj>
               </mc:Choice>
@@ -11572,7 +11602,7 @@
           <a:graphicData uri="http://schemas.openxmlformats.org/presentationml/2006/ole">
             <mc:AlternateContent xmlns:mc="http://schemas.openxmlformats.org/markup-compatibility/2006">
               <mc:Choice xmlns:v="urn:schemas-microsoft-com:vml" Requires="v">
-                <p:oleObj spid="_x0000_s52436" name="Формула" r:id="rId17" imgW="508000" imgH="241300" progId="Equation.3">
+                <p:oleObj spid="_x0000_s52470" name="Формула" r:id="rId17" imgW="508000" imgH="241300" progId="Equation.3">
                   <p:embed/>
                 </p:oleObj>
               </mc:Choice>
@@ -11648,7 +11678,7 @@
           <a:graphicData uri="http://schemas.openxmlformats.org/presentationml/2006/ole">
             <mc:AlternateContent xmlns:mc="http://schemas.openxmlformats.org/markup-compatibility/2006">
               <mc:Choice xmlns:v="urn:schemas-microsoft-com:vml" Requires="v">
-                <p:oleObj spid="_x0000_s52437" name="Формула" r:id="rId19" imgW="1016000" imgH="241300" progId="Equation.3">
+                <p:oleObj spid="_x0000_s52471" name="Формула" r:id="rId19" imgW="1016000" imgH="241300" progId="Equation.3">
                   <p:embed/>
                 </p:oleObj>
               </mc:Choice>
@@ -11731,10 +11761,6 @@
               </a:rPr>
               <a:t>(8)</a:t>
             </a:r>
-            <a:endParaRPr lang="ru-RU" dirty="0" smtClean="0">
-              <a:latin typeface="Times New Roman" panose="02020603050405020304" pitchFamily="18" charset="0"/>
-              <a:ea typeface="Times New Roman" panose="02020603050405020304" pitchFamily="18" charset="0"/>
-            </a:endParaRPr>
           </a:p>
         </p:txBody>
       </p:sp>
@@ -11767,10 +11793,6 @@
               </a:rPr>
               <a:t>(9)</a:t>
             </a:r>
-            <a:endParaRPr lang="ru-RU" dirty="0" smtClean="0">
-              <a:latin typeface="Times New Roman" panose="02020603050405020304" pitchFamily="18" charset="0"/>
-              <a:ea typeface="Times New Roman" panose="02020603050405020304" pitchFamily="18" charset="0"/>
-            </a:endParaRPr>
           </a:p>
         </p:txBody>
       </p:sp>
@@ -11803,10 +11825,6 @@
               </a:rPr>
               <a:t>(10)</a:t>
             </a:r>
-            <a:endParaRPr lang="ru-RU" dirty="0" smtClean="0">
-              <a:latin typeface="Times New Roman" panose="02020603050405020304" pitchFamily="18" charset="0"/>
-              <a:ea typeface="Times New Roman" panose="02020603050405020304" pitchFamily="18" charset="0"/>
-            </a:endParaRPr>
           </a:p>
         </p:txBody>
       </p:sp>
@@ -11839,10 +11857,6 @@
               </a:rPr>
               <a:t>(11)</a:t>
             </a:r>
-            <a:endParaRPr lang="ru-RU" dirty="0" smtClean="0">
-              <a:latin typeface="Times New Roman" panose="02020603050405020304" pitchFamily="18" charset="0"/>
-              <a:ea typeface="Times New Roman" panose="02020603050405020304" pitchFamily="18" charset="0"/>
-            </a:endParaRPr>
           </a:p>
         </p:txBody>
       </p:sp>
@@ -11872,14 +11886,7 @@
                 <a:latin typeface="Times New Roman" panose="02020603050405020304" pitchFamily="18" charset="0"/>
                 <a:ea typeface="Times New Roman" panose="02020603050405020304" pitchFamily="18" charset="0"/>
               </a:rPr>
-              <a:t>Рисунок – </a:t>
-            </a:r>
-            <a:r>
-              <a:rPr lang="ru-RU" sz="1200" dirty="0" smtClean="0">
-                <a:latin typeface="Times New Roman" panose="02020603050405020304" pitchFamily="18" charset="0"/>
-                <a:ea typeface="Times New Roman" panose="02020603050405020304" pitchFamily="18" charset="0"/>
-              </a:rPr>
-              <a:t>3. Блок – схема метода Хука-Дживса.</a:t>
+              <a:t>Рисунок – 3. Блок – схема метода Хука-Дживса.</a:t>
             </a:r>
             <a:endParaRPr lang="ru-RU" sz="1200" dirty="0"/>
           </a:p>
@@ -12478,7 +12485,7 @@
                   <a:graphicData uri="http://schemas.openxmlformats.org/presentationml/2006/ole">
                     <mc:AlternateContent xmlns:mc="http://schemas.openxmlformats.org/markup-compatibility/2006">
                       <mc:Choice xmlns:v="urn:schemas-microsoft-com:vml" Requires="v">
-                        <p:oleObj spid="_x0000_s52438" name="Уравнение" r:id="rId21" imgW="1612800" imgH="583920" progId="Equation.3">
+                        <p:oleObj spid="_x0000_s52472" name="Уравнение" r:id="rId21" imgW="1612800" imgH="583920" progId="Equation.3">
                           <p:embed/>
                         </p:oleObj>
                       </mc:Choice>
@@ -13035,20 +13042,20 @@
             <p:nvPr>
               <p:extLst>
                 <p:ext uri="{D42A27DB-BD31-4B8C-83A1-F6EECF244321}">
-                  <p14:modId xmlns:p14="http://schemas.microsoft.com/office/powerpoint/2010/main" val="321114521"/>
+                  <p14:modId xmlns:p14="http://schemas.microsoft.com/office/powerpoint/2010/main" val="1104555960"/>
                 </p:ext>
               </p:extLst>
             </p:nvPr>
           </p:nvGraphicFramePr>
           <p:xfrm>
-            <a:off x="6611851" y="1537915"/>
+            <a:off x="6612310" y="1531984"/>
             <a:ext cx="219075" cy="219075"/>
           </p:xfrm>
           <a:graphic>
             <a:graphicData uri="http://schemas.openxmlformats.org/presentationml/2006/ole">
               <mc:AlternateContent xmlns:mc="http://schemas.openxmlformats.org/markup-compatibility/2006">
                 <mc:Choice xmlns:v="urn:schemas-microsoft-com:vml" Requires="v">
-                  <p:oleObj spid="_x0000_s52439" name="Уравнение" r:id="rId23" imgW="215640" imgH="228600" progId="Equation.3">
+                  <p:oleObj spid="_x0000_s52473" name="Уравнение" r:id="rId23" imgW="215640" imgH="228600" progId="Equation.3">
                     <p:embed/>
                   </p:oleObj>
                 </mc:Choice>
@@ -13072,7 +13079,7 @@
                       </p:blipFill>
                       <p:spPr bwMode="auto">
                         <a:xfrm>
-                          <a:off x="6611851" y="1537915"/>
+                          <a:off x="6612310" y="1531984"/>
                           <a:ext cx="219075" cy="219075"/>
                         </a:xfrm>
                         <a:prstGeom prst="rect">
@@ -13155,7 +13162,7 @@
           <a:graphicData uri="http://schemas.openxmlformats.org/presentationml/2006/ole">
             <mc:AlternateContent xmlns:mc="http://schemas.openxmlformats.org/markup-compatibility/2006">
               <mc:Choice xmlns:v="urn:schemas-microsoft-com:vml" Requires="v">
-                <p:oleObj spid="_x0000_s52440" name="Уравнение" r:id="rId25" imgW="596880" imgH="228600" progId="Equation.3">
+                <p:oleObj spid="_x0000_s52474" name="Уравнение" r:id="rId25" imgW="596880" imgH="228600" progId="Equation.3">
                   <p:embed/>
                 </p:oleObj>
               </mc:Choice>
@@ -13268,7 +13275,7 @@
           <a:graphicData uri="http://schemas.openxmlformats.org/presentationml/2006/ole">
             <mc:AlternateContent xmlns:mc="http://schemas.openxmlformats.org/markup-compatibility/2006">
               <mc:Choice xmlns:v="urn:schemas-microsoft-com:vml" Requires="v">
-                <p:oleObj spid="_x0000_s52441" name="Уравнение" r:id="rId27" imgW="558720" imgH="304560" progId="Equation.3">
+                <p:oleObj spid="_x0000_s52475" name="Уравнение" r:id="rId27" imgW="558720" imgH="304560" progId="Equation.3">
                   <p:embed/>
                 </p:oleObj>
               </mc:Choice>
@@ -13446,7 +13453,7 @@
           <a:graphicData uri="http://schemas.openxmlformats.org/presentationml/2006/ole">
             <mc:AlternateContent xmlns:mc="http://schemas.openxmlformats.org/markup-compatibility/2006">
               <mc:Choice xmlns:v="urn:schemas-microsoft-com:vml" Requires="v">
-                <p:oleObj spid="_x0000_s52442" name="Уравнение" r:id="rId29" imgW="1054080" imgH="228600" progId="Equation.3">
+                <p:oleObj spid="_x0000_s52476" name="Уравнение" r:id="rId29" imgW="1054080" imgH="228600" progId="Equation.3">
                   <p:embed/>
                 </p:oleObj>
               </mc:Choice>
@@ -13559,7 +13566,7 @@
           <a:graphicData uri="http://schemas.openxmlformats.org/presentationml/2006/ole">
             <mc:AlternateContent xmlns:mc="http://schemas.openxmlformats.org/markup-compatibility/2006">
               <mc:Choice xmlns:v="urn:schemas-microsoft-com:vml" Requires="v">
-                <p:oleObj spid="_x0000_s52443" name="Уравнение" r:id="rId31" imgW="1638000" imgH="266400" progId="Equation.3">
+                <p:oleObj spid="_x0000_s52477" name="Уравнение" r:id="rId31" imgW="1638000" imgH="266400" progId="Equation.3">
                   <p:embed/>
                 </p:oleObj>
               </mc:Choice>
@@ -13661,20 +13668,20 @@
           <p:nvPr>
             <p:extLst>
               <p:ext uri="{D42A27DB-BD31-4B8C-83A1-F6EECF244321}">
-                <p14:modId xmlns:p14="http://schemas.microsoft.com/office/powerpoint/2010/main" val="539612584"/>
+                <p14:modId xmlns:p14="http://schemas.microsoft.com/office/powerpoint/2010/main" val="391638908"/>
               </p:ext>
             </p:extLst>
           </p:nvPr>
         </p:nvGraphicFramePr>
         <p:xfrm>
-          <a:off x="6327975" y="4045967"/>
+          <a:off x="6350843" y="4052441"/>
           <a:ext cx="827087" cy="241300"/>
         </p:xfrm>
         <a:graphic>
           <a:graphicData uri="http://schemas.openxmlformats.org/presentationml/2006/ole">
             <mc:AlternateContent xmlns:mc="http://schemas.openxmlformats.org/markup-compatibility/2006">
               <mc:Choice xmlns:v="urn:schemas-microsoft-com:vml" Requires="v">
-                <p:oleObj spid="_x0000_s52444" name="Уравнение" r:id="rId33" imgW="825480" imgH="253800" progId="Equation.3">
+                <p:oleObj spid="_x0000_s52478" name="Уравнение" r:id="rId33" imgW="825480" imgH="253800" progId="Equation.3">
                   <p:embed/>
                 </p:oleObj>
               </mc:Choice>
@@ -13698,7 +13705,7 @@
                     </p:blipFill>
                     <p:spPr bwMode="auto">
                       <a:xfrm>
-                        <a:off x="6327975" y="4045967"/>
+                        <a:off x="6350843" y="4052441"/>
                         <a:ext cx="827087" cy="241300"/>
                       </a:xfrm>
                       <a:prstGeom prst="rect">
@@ -13730,7 +13737,7 @@
         </p:nvSpPr>
         <p:spPr>
           <a:xfrm>
-            <a:off x="5570958" y="4005482"/>
+            <a:off x="5549509" y="4022810"/>
             <a:ext cx="927815" cy="307777"/>
           </a:xfrm>
           <a:prstGeom prst="rect">
@@ -13818,7 +13825,7 @@
           <a:graphicData uri="http://schemas.openxmlformats.org/presentationml/2006/ole">
             <mc:AlternateContent xmlns:mc="http://schemas.openxmlformats.org/markup-compatibility/2006">
               <mc:Choice xmlns:v="urn:schemas-microsoft-com:vml" Requires="v">
-                <p:oleObj spid="_x0000_s52445" name="Уравнение" r:id="rId35" imgW="672840" imgH="253800" progId="Equation.3">
+                <p:oleObj spid="_x0000_s52479" name="Уравнение" r:id="rId35" imgW="672840" imgH="253800" progId="Equation.3">
                   <p:embed/>
                 </p:oleObj>
               </mc:Choice>
@@ -13956,6 +13963,283 @@
     <p:extLst>
       <p:ext uri="{BB962C8B-B14F-4D97-AF65-F5344CB8AC3E}">
         <p14:creationId xmlns:p14="http://schemas.microsoft.com/office/powerpoint/2010/main" val="867806306"/>
+      </p:ext>
+    </p:extLst>
+  </p:cSld>
+  <p:clrMapOvr>
+    <a:masterClrMapping/>
+  </p:clrMapOvr>
+  <p:timing>
+    <p:tnLst>
+      <p:par>
+        <p:cTn id="1" dur="indefinite" restart="never" nodeType="tmRoot"/>
+      </p:par>
+    </p:tnLst>
+  </p:timing>
+</p:sld>
+</file>
+
+<file path=ppt/slides/slide6.xml><?xml version="1.0" encoding="utf-8"?>
+<p:sld xmlns:a="http://schemas.openxmlformats.org/drawingml/2006/main" xmlns:r="http://schemas.openxmlformats.org/officeDocument/2006/relationships" xmlns:p="http://schemas.openxmlformats.org/presentationml/2006/main">
+  <p:cSld>
+    <p:spTree>
+      <p:nvGrpSpPr>
+        <p:cNvPr id="1" name=""/>
+        <p:cNvGrpSpPr/>
+        <p:nvPr/>
+      </p:nvGrpSpPr>
+      <p:grpSpPr>
+        <a:xfrm>
+          <a:off x="0" y="0"/>
+          <a:ext cx="0" cy="0"/>
+          <a:chOff x="0" y="0"/>
+          <a:chExt cx="0" cy="0"/>
+        </a:xfrm>
+      </p:grpSpPr>
+      <p:sp>
+        <p:nvSpPr>
+          <p:cNvPr id="15" name="Rectangle 12"/>
+          <p:cNvSpPr>
+            <a:spLocks noChangeArrowheads="1"/>
+          </p:cNvSpPr>
+          <p:nvPr/>
+        </p:nvSpPr>
+        <p:spPr bwMode="auto">
+          <a:xfrm>
+            <a:off x="5611873" y="3351930"/>
+            <a:ext cx="103939" cy="207815"/>
+          </a:xfrm>
+          <a:prstGeom prst="rect">
+            <a:avLst/>
+          </a:prstGeom>
+          <a:noFill/>
+          <a:ln>
+            <a:noFill/>
+          </a:ln>
+          <a:effectLst/>
+          <a:extLst>
+            <a:ext uri="{909E8E84-426E-40DD-AFC4-6F175D3DCCD1}">
+              <a14:hiddenFill xmlns:a14="http://schemas.microsoft.com/office/drawing/2010/main">
+                <a:solidFill>
+                  <a:schemeClr val="accent1"/>
+                </a:solidFill>
+              </a14:hiddenFill>
+            </a:ext>
+            <a:ext uri="{91240B29-F687-4F45-9708-019B960494DF}">
+              <a14:hiddenLine xmlns:a14="http://schemas.microsoft.com/office/drawing/2010/main" w="9525">
+                <a:solidFill>
+                  <a:schemeClr val="tx1"/>
+                </a:solidFill>
+                <a:miter lim="800000"/>
+                <a:headEnd/>
+                <a:tailEnd/>
+              </a14:hiddenLine>
+            </a:ext>
+            <a:ext uri="{AF507438-7753-43E0-B8FC-AC1667EBCBE1}">
+              <a14:hiddenEffects xmlns:a14="http://schemas.microsoft.com/office/drawing/2010/main">
+                <a:effectLst>
+                  <a:outerShdw dist="35921" dir="2700000" algn="ctr" rotWithShape="0">
+                    <a:schemeClr val="bg2"/>
+                  </a:outerShdw>
+                </a:effectLst>
+              </a14:hiddenEffects>
+            </a:ext>
+          </a:extLst>
+        </p:spPr>
+        <p:txBody>
+          <a:bodyPr vert="horz" wrap="none" lIns="51435" tIns="25718" rIns="51435" bIns="25718" numCol="1" anchor="ctr" anchorCtr="0" compatLnSpc="1">
+            <a:prstTxWarp prst="textNoShape">
+              <a:avLst/>
+            </a:prstTxWarp>
+            <a:spAutoFit/>
+          </a:bodyPr>
+          <a:lstStyle/>
+          <a:p>
+            <a:endParaRPr lang="en-US" sz="1013"/>
+          </a:p>
+        </p:txBody>
+      </p:sp>
+      <p:sp>
+        <p:nvSpPr>
+          <p:cNvPr id="13" name="Заголовок 1"/>
+          <p:cNvSpPr txBox="1">
+            <a:spLocks/>
+          </p:cNvSpPr>
+          <p:nvPr/>
+        </p:nvSpPr>
+        <p:spPr>
+          <a:xfrm>
+            <a:off x="1143000" y="2104776"/>
+            <a:ext cx="6858000" cy="763404"/>
+          </a:xfrm>
+          <a:prstGeom prst="rect">
+            <a:avLst/>
+          </a:prstGeom>
+          <a:ln>
+            <a:headEnd/>
+            <a:tailEnd/>
+          </a:ln>
+        </p:spPr>
+        <p:style>
+          <a:lnRef idx="2">
+            <a:schemeClr val="dk1"/>
+          </a:lnRef>
+          <a:fillRef idx="1">
+            <a:schemeClr val="lt1"/>
+          </a:fillRef>
+          <a:effectRef idx="0">
+            <a:schemeClr val="dk1"/>
+          </a:effectRef>
+          <a:fontRef idx="minor">
+            <a:schemeClr val="dk1"/>
+          </a:fontRef>
+        </p:style>
+        <p:txBody>
+          <a:bodyPr vert="horz" wrap="square" lIns="13500" tIns="13500" rIns="13500" bIns="13500" numCol="1" anchor="ctr" anchorCtr="0" compatLnSpc="1">
+            <a:prstTxWarp prst="textNoShape">
+              <a:avLst/>
+            </a:prstTxWarp>
+          </a:bodyPr>
+          <a:lstStyle>
+            <a:defPPr>
+              <a:defRPr lang="en-US"/>
+            </a:defPPr>
+            <a:lvl1pPr algn="ctr">
+              <a:defRPr sz="1400">
+                <a:solidFill>
+                  <a:srgbClr val="292929"/>
+                </a:solidFill>
+                <a:latin typeface="Bookman Old Style" panose="02050604050505020204" pitchFamily="18" charset="0"/>
+                <a:cs typeface="Times New Roman" panose="02020603050405020304" pitchFamily="18" charset="0"/>
+              </a:defRPr>
+            </a:lvl1pPr>
+          </a:lstStyle>
+          <a:p>
+            <a:r>
+              <a:rPr lang="ru-RU" sz="2700" b="1" dirty="0"/>
+              <a:t>Спасибо за внимание!</a:t>
+            </a:r>
+          </a:p>
+        </p:txBody>
+      </p:sp>
+      <p:sp>
+        <p:nvSpPr>
+          <p:cNvPr id="4" name="Rectangle 28" descr="Светлый диагональный 2"/>
+          <p:cNvSpPr>
+            <a:spLocks noChangeArrowheads="1"/>
+          </p:cNvSpPr>
+          <p:nvPr/>
+        </p:nvSpPr>
+        <p:spPr bwMode="auto">
+          <a:xfrm>
+            <a:off x="1191" y="4879182"/>
+            <a:ext cx="6856809" cy="269081"/>
+          </a:xfrm>
+          <a:prstGeom prst="rect">
+            <a:avLst/>
+          </a:prstGeom>
+          <a:ln>
+            <a:headEnd/>
+            <a:tailEnd/>
+          </a:ln>
+        </p:spPr>
+        <p:style>
+          <a:lnRef idx="2">
+            <a:schemeClr val="dk1"/>
+          </a:lnRef>
+          <a:fillRef idx="1">
+            <a:schemeClr val="lt1"/>
+          </a:fillRef>
+          <a:effectRef idx="0">
+            <a:schemeClr val="dk1"/>
+          </a:effectRef>
+          <a:fontRef idx="minor">
+            <a:schemeClr val="dk1"/>
+          </a:fontRef>
+        </p:style>
+        <p:txBody>
+          <a:bodyPr vert="horz" wrap="square" lIns="13500" tIns="13500" rIns="13500" bIns="13500" numCol="1" anchor="ctr" anchorCtr="0" compatLnSpc="1">
+            <a:prstTxWarp prst="textNoShape">
+              <a:avLst/>
+            </a:prstTxWarp>
+          </a:bodyPr>
+          <a:lstStyle/>
+          <a:p>
+            <a:pPr marL="272654"/>
+            <a:r>
+              <a:rPr lang="ru-RU" sz="1200" b="1" dirty="0" smtClean="0">
+                <a:solidFill>
+                  <a:srgbClr val="292929"/>
+                </a:solidFill>
+                <a:latin typeface="Bookman Old Style" panose="02050604050505020204" pitchFamily="18" charset="0"/>
+                <a:cs typeface="Times New Roman" panose="02020603050405020304" pitchFamily="18" charset="0"/>
+              </a:rPr>
+              <a:t>Мансуров Р.Р </a:t>
+            </a:r>
+            <a:r>
+              <a:rPr lang="ru-RU" sz="1200" dirty="0">
+                <a:solidFill>
+                  <a:srgbClr val="292929"/>
+                </a:solidFill>
+                <a:latin typeface="Bookman Old Style" panose="02050604050505020204" pitchFamily="18" charset="0"/>
+                <a:cs typeface="Times New Roman" panose="02020603050405020304" pitchFamily="18" charset="0"/>
+              </a:rPr>
+              <a:t>ППММ вопрос № </a:t>
+            </a:r>
+            <a:r>
+              <a:rPr lang="ru-RU" sz="1200" dirty="0" smtClean="0">
+                <a:solidFill>
+                  <a:srgbClr val="292929"/>
+                </a:solidFill>
+                <a:latin typeface="Bookman Old Style" panose="02050604050505020204" pitchFamily="18" charset="0"/>
+                <a:cs typeface="Times New Roman" panose="02020603050405020304" pitchFamily="18" charset="0"/>
+              </a:rPr>
+              <a:t>1, </a:t>
+            </a:r>
+            <a:r>
+              <a:rPr lang="ru-RU" sz="1200" dirty="0" err="1">
+                <a:solidFill>
+                  <a:srgbClr val="292929"/>
+                </a:solidFill>
+                <a:latin typeface="Bookman Old Style" panose="02050604050505020204" pitchFamily="18" charset="0"/>
+                <a:cs typeface="Times New Roman" panose="02020603050405020304" pitchFamily="18" charset="0"/>
+              </a:rPr>
+              <a:t>МОиТОУ</a:t>
+            </a:r>
+            <a:r>
+              <a:rPr lang="ru-RU" sz="1200" dirty="0">
+                <a:solidFill>
+                  <a:srgbClr val="292929"/>
+                </a:solidFill>
+                <a:latin typeface="Bookman Old Style" panose="02050604050505020204" pitchFamily="18" charset="0"/>
+                <a:cs typeface="Times New Roman" panose="02020603050405020304" pitchFamily="18" charset="0"/>
+              </a:rPr>
+              <a:t> вопрос № </a:t>
+            </a:r>
+            <a:r>
+              <a:rPr lang="ru-RU" sz="1200" dirty="0" smtClean="0">
+                <a:solidFill>
+                  <a:srgbClr val="292929"/>
+                </a:solidFill>
+                <a:latin typeface="Bookman Old Style" panose="02050604050505020204" pitchFamily="18" charset="0"/>
+                <a:cs typeface="Times New Roman" panose="02020603050405020304" pitchFamily="18" charset="0"/>
+              </a:rPr>
+              <a:t>3</a:t>
+            </a:r>
+            <a:endParaRPr lang="ru-RU" sz="1200" dirty="0">
+              <a:solidFill>
+                <a:srgbClr val="292929"/>
+              </a:solidFill>
+              <a:latin typeface="Bookman Old Style" panose="02050604050505020204" pitchFamily="18" charset="0"/>
+              <a:cs typeface="Times New Roman" panose="02020603050405020304" pitchFamily="18" charset="0"/>
+            </a:endParaRPr>
+          </a:p>
+        </p:txBody>
+      </p:sp>
+    </p:spTree>
+    <p:extLst>
+      <p:ext uri="{BB962C8B-B14F-4D97-AF65-F5344CB8AC3E}">
+        <p14:creationId xmlns:p14="http://schemas.microsoft.com/office/powerpoint/2010/main" val="1652795160"/>
       </p:ext>
     </p:extLst>
   </p:cSld>

--- a/Домашнее задание Мансуров.pptx
+++ b/Домашнее задание Мансуров.pptx
@@ -4712,13 +4712,6 @@
               </a:rPr>
               <a:t>2/6</a:t>
             </a:r>
-            <a:endParaRPr lang="ru-RU" sz="1200" dirty="0" smtClean="0">
-              <a:solidFill>
-                <a:schemeClr val="tx1"/>
-              </a:solidFill>
-              <a:latin typeface="Times New Roman" panose="02020603050405020304" pitchFamily="18" charset="0"/>
-              <a:cs typeface="Times New Roman" panose="02020603050405020304" pitchFamily="18" charset="0"/>
-            </a:endParaRPr>
           </a:p>
         </p:txBody>
       </p:sp>
@@ -5095,7 +5088,7 @@
           <a:graphicData uri="http://schemas.openxmlformats.org/presentationml/2006/ole">
             <mc:AlternateContent xmlns:mc="http://schemas.openxmlformats.org/markup-compatibility/2006">
               <mc:Choice xmlns:v="urn:schemas-microsoft-com:vml" Requires="v">
-                <p:oleObj spid="_x0000_s57358" name="Picture" r:id="rId3" imgW="6301080" imgH="1961640" progId="Word.Picture.8">
+                <p:oleObj spid="_x0000_s57359" name="Picture" r:id="rId3" imgW="6301080" imgH="1961640" progId="Word.Picture.8">
                   <p:embed/>
                 </p:oleObj>
               </mc:Choice>
@@ -5901,13 +5894,6 @@
               </a:rPr>
               <a:t>3/6</a:t>
             </a:r>
-            <a:endParaRPr lang="ru-RU" sz="1200" dirty="0" smtClean="0">
-              <a:solidFill>
-                <a:schemeClr val="tx1"/>
-              </a:solidFill>
-              <a:latin typeface="Times New Roman" panose="02020603050405020304" pitchFamily="18" charset="0"/>
-              <a:cs typeface="Times New Roman" panose="02020603050405020304" pitchFamily="18" charset="0"/>
-            </a:endParaRPr>
           </a:p>
         </p:txBody>
       </p:sp>
@@ -6081,7 +6067,7 @@
           <a:graphicData uri="http://schemas.openxmlformats.org/presentationml/2006/ole">
             <mc:AlternateContent xmlns:mc="http://schemas.openxmlformats.org/markup-compatibility/2006">
               <mc:Choice xmlns:v="urn:schemas-microsoft-com:vml" Requires="v">
-                <p:oleObj spid="_x0000_s55345" name="Формула" r:id="rId3" imgW="3352680" imgH="1206360" progId="Equation.3">
+                <p:oleObj spid="_x0000_s55346" name="Формула" r:id="rId3" imgW="3352680" imgH="1206360" progId="Equation.3">
                   <p:embed/>
                 </p:oleObj>
               </mc:Choice>
@@ -7206,13 +7192,6 @@
               </a:rPr>
               <a:t>4/6</a:t>
             </a:r>
-            <a:endParaRPr lang="ru-RU" sz="1200" dirty="0" smtClean="0">
-              <a:solidFill>
-                <a:schemeClr val="tx1"/>
-              </a:solidFill>
-              <a:latin typeface="Times New Roman" panose="02020603050405020304" pitchFamily="18" charset="0"/>
-              <a:cs typeface="Times New Roman" panose="02020603050405020304" pitchFamily="18" charset="0"/>
-            </a:endParaRPr>
           </a:p>
         </p:txBody>
       </p:sp>
@@ -7238,7 +7217,7 @@
           <a:graphicData uri="http://schemas.openxmlformats.org/presentationml/2006/ole">
             <mc:AlternateContent xmlns:mc="http://schemas.openxmlformats.org/markup-compatibility/2006">
               <mc:Choice xmlns:v="urn:schemas-microsoft-com:vml" Requires="v">
-                <p:oleObj spid="_x0000_s53560" name="Формула" r:id="rId3" imgW="1396800" imgH="241200" progId="Equation.3">
+                <p:oleObj spid="_x0000_s53574" name="Формула" r:id="rId3" imgW="1396800" imgH="241200" progId="Equation.3">
                   <p:embed/>
                 </p:oleObj>
               </mc:Choice>
@@ -7314,7 +7293,7 @@
           <a:graphicData uri="http://schemas.openxmlformats.org/presentationml/2006/ole">
             <mc:AlternateContent xmlns:mc="http://schemas.openxmlformats.org/markup-compatibility/2006">
               <mc:Choice xmlns:v="urn:schemas-microsoft-com:vml" Requires="v">
-                <p:oleObj spid="_x0000_s53561" name="Формула" r:id="rId5" imgW="1600200" imgH="253800" progId="Equation.3">
+                <p:oleObj spid="_x0000_s53575" name="Формула" r:id="rId5" imgW="1600200" imgH="253800" progId="Equation.3">
                   <p:embed/>
                 </p:oleObj>
               </mc:Choice>
@@ -7793,7 +7772,7 @@
           <a:graphicData uri="http://schemas.openxmlformats.org/presentationml/2006/ole">
             <mc:AlternateContent xmlns:mc="http://schemas.openxmlformats.org/markup-compatibility/2006">
               <mc:Choice xmlns:v="urn:schemas-microsoft-com:vml" Requires="v">
-                <p:oleObj spid="_x0000_s53562" name="Формула" r:id="rId7" imgW="1460160" imgH="291960" progId="Equation.3">
+                <p:oleObj spid="_x0000_s53576" name="Формула" r:id="rId7" imgW="1460160" imgH="291960" progId="Equation.3">
                   <p:embed/>
                 </p:oleObj>
               </mc:Choice>
@@ -7869,7 +7848,7 @@
           <a:graphicData uri="http://schemas.openxmlformats.org/presentationml/2006/ole">
             <mc:AlternateContent xmlns:mc="http://schemas.openxmlformats.org/markup-compatibility/2006">
               <mc:Choice xmlns:v="urn:schemas-microsoft-com:vml" Requires="v">
-                <p:oleObj spid="_x0000_s53563" name="Формула" r:id="rId9" imgW="939600" imgH="291960" progId="Equation.3">
+                <p:oleObj spid="_x0000_s53577" name="Формула" r:id="rId9" imgW="939600" imgH="291960" progId="Equation.3">
                   <p:embed/>
                 </p:oleObj>
               </mc:Choice>
@@ -8183,7 +8162,7 @@
           <a:graphicData uri="http://schemas.openxmlformats.org/presentationml/2006/ole">
             <mc:AlternateContent xmlns:mc="http://schemas.openxmlformats.org/markup-compatibility/2006">
               <mc:Choice xmlns:v="urn:schemas-microsoft-com:vml" Requires="v">
-                <p:oleObj spid="_x0000_s53564" name="Формула" r:id="rId11" imgW="1815840" imgH="253800" progId="Equation.3">
+                <p:oleObj spid="_x0000_s53578" name="Формула" r:id="rId11" imgW="1815840" imgH="253800" progId="Equation.3">
                   <p:embed/>
                 </p:oleObj>
               </mc:Choice>
@@ -8337,7 +8316,7 @@
           <a:graphicData uri="http://schemas.openxmlformats.org/presentationml/2006/ole">
             <mc:AlternateContent xmlns:mc="http://schemas.openxmlformats.org/markup-compatibility/2006">
               <mc:Choice xmlns:v="urn:schemas-microsoft-com:vml" Requires="v">
-                <p:oleObj spid="_x0000_s53565" name="Формула" r:id="rId13" imgW="203040" imgH="253800" progId="Equation.3">
+                <p:oleObj spid="_x0000_s53579" name="Формула" r:id="rId13" imgW="203040" imgH="253800" progId="Equation.3">
                   <p:embed/>
                 </p:oleObj>
               </mc:Choice>
@@ -8544,7 +8523,7 @@
           <a:graphicData uri="http://schemas.openxmlformats.org/presentationml/2006/ole">
             <mc:AlternateContent xmlns:mc="http://schemas.openxmlformats.org/markup-compatibility/2006">
               <mc:Choice xmlns:v="urn:schemas-microsoft-com:vml" Requires="v">
-                <p:oleObj spid="_x0000_s53566" name="Формула" r:id="rId15" imgW="279360" imgH="203040" progId="Equation.3">
+                <p:oleObj spid="_x0000_s53580" name="Формула" r:id="rId15" imgW="279360" imgH="203040" progId="Equation.3">
                   <p:embed/>
                 </p:oleObj>
               </mc:Choice>
@@ -8715,7 +8694,7 @@
           <a:graphicData uri="http://schemas.openxmlformats.org/presentationml/2006/ole">
             <mc:AlternateContent xmlns:mc="http://schemas.openxmlformats.org/markup-compatibility/2006">
               <mc:Choice xmlns:v="urn:schemas-microsoft-com:vml" Requires="v">
-                <p:oleObj spid="_x0000_s53567" name="Формула" r:id="rId17" imgW="253800" imgH="241200" progId="Equation.3">
+                <p:oleObj spid="_x0000_s53581" name="Формула" r:id="rId17" imgW="253800" imgH="241200" progId="Equation.3">
                   <p:embed/>
                 </p:oleObj>
               </mc:Choice>
@@ -8791,7 +8770,7 @@
           <a:graphicData uri="http://schemas.openxmlformats.org/presentationml/2006/ole">
             <mc:AlternateContent xmlns:mc="http://schemas.openxmlformats.org/markup-compatibility/2006">
               <mc:Choice xmlns:v="urn:schemas-microsoft-com:vml" Requires="v">
-                <p:oleObj spid="_x0000_s53568" name="Формула" r:id="rId19" imgW="228600" imgH="241300" progId="Equation.3">
+                <p:oleObj spid="_x0000_s53582" name="Формула" r:id="rId19" imgW="228600" imgH="241300" progId="Equation.3">
                   <p:embed/>
                 </p:oleObj>
               </mc:Choice>
@@ -8920,7 +8899,7 @@
           <a:graphicData uri="http://schemas.openxmlformats.org/presentationml/2006/ole">
             <mc:AlternateContent xmlns:mc="http://schemas.openxmlformats.org/markup-compatibility/2006">
               <mc:Choice xmlns:v="urn:schemas-microsoft-com:vml" Requires="v">
-                <p:oleObj spid="_x0000_s53569" name="Формула" r:id="rId21" imgW="1130040" imgH="253800" progId="Equation.3">
+                <p:oleObj spid="_x0000_s53583" name="Формула" r:id="rId21" imgW="1130040" imgH="253800" progId="Equation.3">
                   <p:embed/>
                 </p:oleObj>
               </mc:Choice>
@@ -9085,7 +9064,7 @@
           <a:graphicData uri="http://schemas.openxmlformats.org/presentationml/2006/ole">
             <mc:AlternateContent xmlns:mc="http://schemas.openxmlformats.org/markup-compatibility/2006">
               <mc:Choice xmlns:v="urn:schemas-microsoft-com:vml" Requires="v">
-                <p:oleObj spid="_x0000_s53570" name="Формула" r:id="rId23" imgW="2197080" imgH="228600" progId="Equation.3">
+                <p:oleObj spid="_x0000_s53584" name="Формула" r:id="rId23" imgW="2197080" imgH="228600" progId="Equation.3">
                   <p:embed/>
                 </p:oleObj>
               </mc:Choice>
@@ -9161,7 +9140,7 @@
           <a:graphicData uri="http://schemas.openxmlformats.org/presentationml/2006/ole">
             <mc:AlternateContent xmlns:mc="http://schemas.openxmlformats.org/markup-compatibility/2006">
               <mc:Choice xmlns:v="urn:schemas-microsoft-com:vml" Requires="v">
-                <p:oleObj spid="_x0000_s53571" name="Формула" r:id="rId25" imgW="1002960" imgH="291960" progId="Equation.3">
+                <p:oleObj spid="_x0000_s53585" name="Формула" r:id="rId25" imgW="1002960" imgH="291960" progId="Equation.3">
                   <p:embed/>
                 </p:oleObj>
               </mc:Choice>
@@ -9611,7 +9590,7 @@
           <a:graphicData uri="http://schemas.openxmlformats.org/presentationml/2006/ole">
             <mc:AlternateContent xmlns:mc="http://schemas.openxmlformats.org/markup-compatibility/2006">
               <mc:Choice xmlns:v="urn:schemas-microsoft-com:vml" Requires="v">
-                <p:oleObj spid="_x0000_s53572" name="Уравнение" r:id="rId27" imgW="1054080" imgH="241200" progId="Equation.3">
+                <p:oleObj spid="_x0000_s53586" name="Уравнение" r:id="rId27" imgW="1054080" imgH="241200" progId="Equation.3">
                   <p:embed/>
                 </p:oleObj>
               </mc:Choice>
@@ -9681,7 +9660,7 @@
           <a:graphicData uri="http://schemas.openxmlformats.org/presentationml/2006/ole">
             <mc:AlternateContent xmlns:mc="http://schemas.openxmlformats.org/markup-compatibility/2006">
               <mc:Choice xmlns:v="urn:schemas-microsoft-com:vml" Requires="v">
-                <p:oleObj spid="_x0000_s53573" name="Уравнение" r:id="rId29" imgW="1625600" imgH="279400" progId="Equation.3">
+                <p:oleObj spid="_x0000_s53587" name="Уравнение" r:id="rId29" imgW="1625600" imgH="279400" progId="Equation.3">
                   <p:embed/>
                 </p:oleObj>
               </mc:Choice>
@@ -9880,27 +9859,7 @@
                 <a:latin typeface="Bookman Old Style" pitchFamily="18" charset="0"/>
                 <a:cs typeface="Times New Roman" panose="02020603050405020304" pitchFamily="18" charset="0"/>
               </a:rPr>
-              <a:t>, </a:t>
-            </a:r>
-            <a:r>
-              <a:rPr lang="ru-RU" sz="1200" dirty="0" smtClean="0">
-                <a:solidFill>
-                  <a:srgbClr val="292929"/>
-                </a:solidFill>
-                <a:latin typeface="Bookman Old Style" pitchFamily="18" charset="0"/>
-                <a:cs typeface="Times New Roman" panose="02020603050405020304" pitchFamily="18" charset="0"/>
-              </a:rPr>
-              <a:t>3. </a:t>
-            </a:r>
-            <a:r>
-              <a:rPr lang="ru-RU" sz="1200" dirty="0" smtClean="0">
-                <a:solidFill>
-                  <a:srgbClr val="292929"/>
-                </a:solidFill>
-                <a:latin typeface="Bookman Old Style" pitchFamily="18" charset="0"/>
-                <a:cs typeface="Times New Roman" panose="02020603050405020304" pitchFamily="18" charset="0"/>
-              </a:rPr>
-              <a:t>Прямые </a:t>
+              <a:t>, 3. Прямые </a:t>
             </a:r>
             <a:r>
               <a:rPr lang="ru-RU" sz="1200" dirty="0">
@@ -10504,13 +10463,6 @@
               </a:rPr>
               <a:t>5/6</a:t>
             </a:r>
-            <a:endParaRPr lang="ru-RU" sz="1200" dirty="0" smtClean="0">
-              <a:solidFill>
-                <a:schemeClr val="tx1"/>
-              </a:solidFill>
-              <a:latin typeface="Times New Roman" panose="02020603050405020304" pitchFamily="18" charset="0"/>
-              <a:cs typeface="Times New Roman" panose="02020603050405020304" pitchFamily="18" charset="0"/>
-            </a:endParaRPr>
           </a:p>
         </p:txBody>
       </p:sp>
@@ -10769,7 +10721,7 @@
               </a:lnSpc>
             </a:pPr>
             <a:r>
-              <a:rPr lang="ru-RU" dirty="0">
+              <a:rPr lang="ru-RU" dirty="0" smtClean="0">
                 <a:solidFill>
                   <a:srgbClr val="292929"/>
                 </a:solidFill>
@@ -10777,7 +10729,7 @@
                 <a:ea typeface="Times New Roman" panose="02020603050405020304" pitchFamily="18" charset="0"/>
                 <a:cs typeface="Times New Roman" panose="02020603050405020304" pitchFamily="18" charset="0"/>
               </a:rPr>
-              <a:t>	</a:t>
+              <a:t>	       </a:t>
             </a:r>
             <a:r>
               <a:rPr lang="ru-RU" dirty="0" smtClean="0">
@@ -10788,7 +10740,7 @@
                 <a:ea typeface="Times New Roman" panose="02020603050405020304" pitchFamily="18" charset="0"/>
                 <a:cs typeface="Times New Roman" panose="02020603050405020304" pitchFamily="18" charset="0"/>
               </a:rPr>
-              <a:t>шаг       определяется с помощью алгоритма 			исследующего покоординатного поиска.</a:t>
+              <a:t>определяется с помощью алгоритма 			исследующего покоординатного поиска.</a:t>
             </a:r>
           </a:p>
           <a:p>
@@ -11007,7 +10959,7 @@
           <a:graphicData uri="http://schemas.openxmlformats.org/presentationml/2006/ole">
             <mc:AlternateContent xmlns:mc="http://schemas.openxmlformats.org/markup-compatibility/2006">
               <mc:Choice xmlns:v="urn:schemas-microsoft-com:vml" Requires="v">
-                <p:oleObj spid="_x0000_s52463" name="Формула" r:id="rId3" imgW="1524000" imgH="254000" progId="Equation.3">
+                <p:oleObj spid="_x0000_s52480" name="Формула" r:id="rId3" imgW="1524000" imgH="254000" progId="Equation.3">
                   <p:embed/>
                 </p:oleObj>
               </mc:Choice>
@@ -11083,7 +11035,7 @@
           <a:graphicData uri="http://schemas.openxmlformats.org/presentationml/2006/ole">
             <mc:AlternateContent xmlns:mc="http://schemas.openxmlformats.org/markup-compatibility/2006">
               <mc:Choice xmlns:v="urn:schemas-microsoft-com:vml" Requires="v">
-                <p:oleObj spid="_x0000_s52464" name="Формула" r:id="rId5" imgW="228600" imgH="241300" progId="Equation.3">
+                <p:oleObj spid="_x0000_s52481" name="Формула" r:id="rId5" imgW="228600" imgH="241300" progId="Equation.3">
                   <p:embed/>
                 </p:oleObj>
               </mc:Choice>
@@ -11159,7 +11111,7 @@
           <a:graphicData uri="http://schemas.openxmlformats.org/presentationml/2006/ole">
             <mc:AlternateContent xmlns:mc="http://schemas.openxmlformats.org/markup-compatibility/2006">
               <mc:Choice xmlns:v="urn:schemas-microsoft-com:vml" Requires="v">
-                <p:oleObj spid="_x0000_s52465" name="Формула" r:id="rId7" imgW="2425700" imgH="279400" progId="Equation.3">
+                <p:oleObj spid="_x0000_s52482" name="Формула" r:id="rId7" imgW="2425700" imgH="279400" progId="Equation.3">
                   <p:embed/>
                 </p:oleObj>
               </mc:Choice>
@@ -11235,7 +11187,7 @@
           <a:graphicData uri="http://schemas.openxmlformats.org/presentationml/2006/ole">
             <mc:AlternateContent xmlns:mc="http://schemas.openxmlformats.org/markup-compatibility/2006">
               <mc:Choice xmlns:v="urn:schemas-microsoft-com:vml" Requires="v">
-                <p:oleObj spid="_x0000_s52466" name="Формула" r:id="rId9" imgW="2044700" imgH="254000" progId="Equation.3">
+                <p:oleObj spid="_x0000_s52483" name="Формула" r:id="rId9" imgW="2044700" imgH="254000" progId="Equation.3">
                   <p:embed/>
                 </p:oleObj>
               </mc:Choice>
@@ -11298,20 +11250,20 @@
           <p:nvPr>
             <p:extLst>
               <p:ext uri="{D42A27DB-BD31-4B8C-83A1-F6EECF244321}">
-                <p14:modId xmlns:p14="http://schemas.microsoft.com/office/powerpoint/2010/main" val="662720993"/>
+                <p14:modId xmlns:p14="http://schemas.microsoft.com/office/powerpoint/2010/main" val="2437241581"/>
               </p:ext>
             </p:extLst>
           </p:nvPr>
         </p:nvGraphicFramePr>
         <p:xfrm>
-          <a:off x="1139029" y="2503024"/>
+          <a:off x="842638" y="2494440"/>
           <a:ext cx="203200" cy="206375"/>
         </p:xfrm>
         <a:graphic>
           <a:graphicData uri="http://schemas.openxmlformats.org/presentationml/2006/ole">
             <mc:AlternateContent xmlns:mc="http://schemas.openxmlformats.org/markup-compatibility/2006">
               <mc:Choice xmlns:v="urn:schemas-microsoft-com:vml" Requires="v">
-                <p:oleObj spid="_x0000_s52467" name="Формула" r:id="rId11" imgW="203024" imgH="215713" progId="Equation.3">
+                <p:oleObj spid="_x0000_s52484" name="Формула" r:id="rId11" imgW="203024" imgH="215713" progId="Equation.3">
                   <p:embed/>
                 </p:oleObj>
               </mc:Choice>
@@ -11341,7 +11293,7 @@
                     </p:blipFill>
                     <p:spPr bwMode="auto">
                       <a:xfrm>
-                        <a:off x="1139029" y="2503024"/>
+                        <a:off x="842638" y="2494440"/>
                         <a:ext cx="203200" cy="206375"/>
                       </a:xfrm>
                       <a:prstGeom prst="rect">
@@ -11450,7 +11402,7 @@
           <a:graphicData uri="http://schemas.openxmlformats.org/presentationml/2006/ole">
             <mc:AlternateContent xmlns:mc="http://schemas.openxmlformats.org/markup-compatibility/2006">
               <mc:Choice xmlns:v="urn:schemas-microsoft-com:vml" Requires="v">
-                <p:oleObj spid="_x0000_s52468" name="Формула" r:id="rId13" imgW="1930400" imgH="508000" progId="Equation.3">
+                <p:oleObj spid="_x0000_s52485" name="Формула" r:id="rId13" imgW="1930400" imgH="508000" progId="Equation.3">
                   <p:embed/>
                 </p:oleObj>
               </mc:Choice>
@@ -11526,7 +11478,7 @@
           <a:graphicData uri="http://schemas.openxmlformats.org/presentationml/2006/ole">
             <mc:AlternateContent xmlns:mc="http://schemas.openxmlformats.org/markup-compatibility/2006">
               <mc:Choice xmlns:v="urn:schemas-microsoft-com:vml" Requires="v">
-                <p:oleObj spid="_x0000_s52469" name="Формула" r:id="rId15" imgW="215713" imgH="241091" progId="Equation.3">
+                <p:oleObj spid="_x0000_s52486" name="Формула" r:id="rId15" imgW="215713" imgH="241091" progId="Equation.3">
                   <p:embed/>
                 </p:oleObj>
               </mc:Choice>
@@ -11602,7 +11554,7 @@
           <a:graphicData uri="http://schemas.openxmlformats.org/presentationml/2006/ole">
             <mc:AlternateContent xmlns:mc="http://schemas.openxmlformats.org/markup-compatibility/2006">
               <mc:Choice xmlns:v="urn:schemas-microsoft-com:vml" Requires="v">
-                <p:oleObj spid="_x0000_s52470" name="Формула" r:id="rId17" imgW="508000" imgH="241300" progId="Equation.3">
+                <p:oleObj spid="_x0000_s52487" name="Формула" r:id="rId17" imgW="508000" imgH="241300" progId="Equation.3">
                   <p:embed/>
                 </p:oleObj>
               </mc:Choice>
@@ -11678,7 +11630,7 @@
           <a:graphicData uri="http://schemas.openxmlformats.org/presentationml/2006/ole">
             <mc:AlternateContent xmlns:mc="http://schemas.openxmlformats.org/markup-compatibility/2006">
               <mc:Choice xmlns:v="urn:schemas-microsoft-com:vml" Requires="v">
-                <p:oleObj spid="_x0000_s52471" name="Формула" r:id="rId19" imgW="1016000" imgH="241300" progId="Equation.3">
+                <p:oleObj spid="_x0000_s52488" name="Формула" r:id="rId19" imgW="1016000" imgH="241300" progId="Equation.3">
                   <p:embed/>
                 </p:oleObj>
               </mc:Choice>
@@ -12485,7 +12437,7 @@
                   <a:graphicData uri="http://schemas.openxmlformats.org/presentationml/2006/ole">
                     <mc:AlternateContent xmlns:mc="http://schemas.openxmlformats.org/markup-compatibility/2006">
                       <mc:Choice xmlns:v="urn:schemas-microsoft-com:vml" Requires="v">
-                        <p:oleObj spid="_x0000_s52472" name="Уравнение" r:id="rId21" imgW="1612800" imgH="583920" progId="Equation.3">
+                        <p:oleObj spid="_x0000_s52489" name="Уравнение" r:id="rId21" imgW="1612800" imgH="583920" progId="Equation.3">
                           <p:embed/>
                         </p:oleObj>
                       </mc:Choice>
@@ -13055,7 +13007,7 @@
             <a:graphicData uri="http://schemas.openxmlformats.org/presentationml/2006/ole">
               <mc:AlternateContent xmlns:mc="http://schemas.openxmlformats.org/markup-compatibility/2006">
                 <mc:Choice xmlns:v="urn:schemas-microsoft-com:vml" Requires="v">
-                  <p:oleObj spid="_x0000_s52473" name="Уравнение" r:id="rId23" imgW="215640" imgH="228600" progId="Equation.3">
+                  <p:oleObj spid="_x0000_s52490" name="Уравнение" r:id="rId23" imgW="215640" imgH="228600" progId="Equation.3">
                     <p:embed/>
                   </p:oleObj>
                 </mc:Choice>
@@ -13162,7 +13114,7 @@
           <a:graphicData uri="http://schemas.openxmlformats.org/presentationml/2006/ole">
             <mc:AlternateContent xmlns:mc="http://schemas.openxmlformats.org/markup-compatibility/2006">
               <mc:Choice xmlns:v="urn:schemas-microsoft-com:vml" Requires="v">
-                <p:oleObj spid="_x0000_s52474" name="Уравнение" r:id="rId25" imgW="596880" imgH="228600" progId="Equation.3">
+                <p:oleObj spid="_x0000_s52491" name="Уравнение" r:id="rId25" imgW="596880" imgH="228600" progId="Equation.3">
                   <p:embed/>
                 </p:oleObj>
               </mc:Choice>
@@ -13275,7 +13227,7 @@
           <a:graphicData uri="http://schemas.openxmlformats.org/presentationml/2006/ole">
             <mc:AlternateContent xmlns:mc="http://schemas.openxmlformats.org/markup-compatibility/2006">
               <mc:Choice xmlns:v="urn:schemas-microsoft-com:vml" Requires="v">
-                <p:oleObj spid="_x0000_s52475" name="Уравнение" r:id="rId27" imgW="558720" imgH="304560" progId="Equation.3">
+                <p:oleObj spid="_x0000_s52492" name="Уравнение" r:id="rId27" imgW="558720" imgH="304560" progId="Equation.3">
                   <p:embed/>
                 </p:oleObj>
               </mc:Choice>
@@ -13453,7 +13405,7 @@
           <a:graphicData uri="http://schemas.openxmlformats.org/presentationml/2006/ole">
             <mc:AlternateContent xmlns:mc="http://schemas.openxmlformats.org/markup-compatibility/2006">
               <mc:Choice xmlns:v="urn:schemas-microsoft-com:vml" Requires="v">
-                <p:oleObj spid="_x0000_s52476" name="Уравнение" r:id="rId29" imgW="1054080" imgH="228600" progId="Equation.3">
+                <p:oleObj spid="_x0000_s52493" name="Уравнение" r:id="rId29" imgW="1054080" imgH="228600" progId="Equation.3">
                   <p:embed/>
                 </p:oleObj>
               </mc:Choice>
@@ -13566,7 +13518,7 @@
           <a:graphicData uri="http://schemas.openxmlformats.org/presentationml/2006/ole">
             <mc:AlternateContent xmlns:mc="http://schemas.openxmlformats.org/markup-compatibility/2006">
               <mc:Choice xmlns:v="urn:schemas-microsoft-com:vml" Requires="v">
-                <p:oleObj spid="_x0000_s52477" name="Уравнение" r:id="rId31" imgW="1638000" imgH="266400" progId="Equation.3">
+                <p:oleObj spid="_x0000_s52494" name="Уравнение" r:id="rId31" imgW="1638000" imgH="266400" progId="Equation.3">
                   <p:embed/>
                 </p:oleObj>
               </mc:Choice>
@@ -13681,7 +13633,7 @@
           <a:graphicData uri="http://schemas.openxmlformats.org/presentationml/2006/ole">
             <mc:AlternateContent xmlns:mc="http://schemas.openxmlformats.org/markup-compatibility/2006">
               <mc:Choice xmlns:v="urn:schemas-microsoft-com:vml" Requires="v">
-                <p:oleObj spid="_x0000_s52478" name="Уравнение" r:id="rId33" imgW="825480" imgH="253800" progId="Equation.3">
+                <p:oleObj spid="_x0000_s52495" name="Уравнение" r:id="rId33" imgW="825480" imgH="253800" progId="Equation.3">
                   <p:embed/>
                 </p:oleObj>
               </mc:Choice>
@@ -13812,25 +13764,25 @@
           <p:nvPr>
             <p:extLst>
               <p:ext uri="{D42A27DB-BD31-4B8C-83A1-F6EECF244321}">
-                <p14:modId xmlns:p14="http://schemas.microsoft.com/office/powerpoint/2010/main" val="54299848"/>
+                <p14:modId xmlns:p14="http://schemas.microsoft.com/office/powerpoint/2010/main" val="1417391606"/>
               </p:ext>
             </p:extLst>
           </p:nvPr>
         </p:nvGraphicFramePr>
         <p:xfrm>
-          <a:off x="7916289" y="1533850"/>
-          <a:ext cx="682625" cy="242887"/>
+          <a:off x="7897813" y="1533525"/>
+          <a:ext cx="722312" cy="242888"/>
         </p:xfrm>
         <a:graphic>
           <a:graphicData uri="http://schemas.openxmlformats.org/presentationml/2006/ole">
             <mc:AlternateContent xmlns:mc="http://schemas.openxmlformats.org/markup-compatibility/2006">
               <mc:Choice xmlns:v="urn:schemas-microsoft-com:vml" Requires="v">
-                <p:oleObj spid="_x0000_s52479" name="Уравнение" r:id="rId35" imgW="672840" imgH="253800" progId="Equation.3">
+                <p:oleObj spid="_x0000_s52496" name="Уравнение" r:id="rId35" imgW="711000" imgH="253800" progId="Equation.3">
                   <p:embed/>
                 </p:oleObj>
               </mc:Choice>
               <mc:Fallback>
-                <p:oleObj name="Уравнение" r:id="rId35" imgW="672840" imgH="253800" progId="Equation.3">
+                <p:oleObj name="Уравнение" r:id="rId35" imgW="711000" imgH="253800" progId="Equation.3">
                   <p:embed/>
                   <p:pic>
                     <p:nvPicPr>
@@ -13849,8 +13801,8 @@
                     </p:blipFill>
                     <p:spPr bwMode="auto">
                       <a:xfrm>
-                        <a:off x="7916289" y="1533850"/>
-                        <a:ext cx="682625" cy="242887"/>
+                        <a:off x="7897813" y="1533525"/>
+                        <a:ext cx="722312" cy="242888"/>
                       </a:xfrm>
                       <a:prstGeom prst="rect">
                         <a:avLst/>
